--- a/ESA/pbl review 1.pptx
+++ b/ESA/pbl review 1.pptx
@@ -14,17 +14,19 @@
     <p:sldMasterId id="2147483666" r:id="rId11"/>
     <p:sldMasterId id="2147483668" r:id="rId12"/>
     <p:sldMasterId id="2147483670" r:id="rId13"/>
+    <p:sldMasterId id="2147483672" r:id="rId14"/>
   </p:sldMasterIdLst>
   <p:notesMasterIdLst>
-    <p:notesMasterId r:id="rId14"/>
+    <p:notesMasterId r:id="rId15"/>
   </p:notesMasterIdLst>
   <p:sldIdLst>
-    <p:sldId id="256" r:id="rId15"/>
-    <p:sldId id="257" r:id="rId16"/>
-    <p:sldId id="258" r:id="rId17"/>
-    <p:sldId id="259" r:id="rId18"/>
-    <p:sldId id="260" r:id="rId19"/>
-    <p:sldId id="261" r:id="rId20"/>
+    <p:sldId id="256" r:id="rId16"/>
+    <p:sldId id="257" r:id="rId17"/>
+    <p:sldId id="258" r:id="rId18"/>
+    <p:sldId id="259" r:id="rId19"/>
+    <p:sldId id="260" r:id="rId20"/>
+    <p:sldId id="261" r:id="rId21"/>
+    <p:sldId id="262" r:id="rId22"/>
   </p:sldIdLst>
   <p:sldSz cx="14630400" cy="8229600"/>
   <p:notesSz cx="8229600" cy="14630400"/>
@@ -50,7 +52,7 @@
       </p:grpSpPr>
       <p:sp>
         <p:nvSpPr>
-          <p:cNvPr id="47" name="PlaceHolder 1"/>
+          <p:cNvPr id="52" name="PlaceHolder 1"/>
           <p:cNvSpPr>
             <a:spLocks noGrp="1"/>
           </p:cNvSpPr>
@@ -60,8 +62,8 @@
         </p:nvSpPr>
         <p:spPr>
           <a:xfrm>
-            <a:off x="235080" y="1111680"/>
-            <a:ext cx="7758720" cy="5485680"/>
+            <a:off x="0" y="812520"/>
+            <a:ext cx="0" cy="0"/>
           </a:xfrm>
           <a:prstGeom prst="rect">
             <a:avLst/>
@@ -78,7 +80,7 @@
           <a:p>
             <a:pPr algn="ctr"/>
             <a:r>
-              <a:rPr b="0" lang="en-IN" sz="7219" strike="noStrike" u="none">
+              <a:rPr b="0" lang="en-IN" sz="4400" strike="noStrike" u="none">
                 <a:solidFill>
                   <a:srgbClr val="000000"/>
                 </a:solidFill>
@@ -87,7 +89,7 @@
               </a:rPr>
               <a:t>Click to move the slide</a:t>
             </a:r>
-            <a:endParaRPr b="0" lang="en-IN" sz="7219" strike="noStrike" u="none">
+            <a:endParaRPr b="0" lang="en-IN" sz="4400" strike="noStrike" u="none">
               <a:solidFill>
                 <a:srgbClr val="000000"/>
               </a:solidFill>
@@ -99,7 +101,7 @@
       </p:sp>
       <p:sp>
         <p:nvSpPr>
-          <p:cNvPr id="48" name="PlaceHolder 2"/>
+          <p:cNvPr id="53" name="PlaceHolder 2"/>
           <p:cNvSpPr>
             <a:spLocks noGrp="1"/>
           </p:cNvSpPr>
@@ -109,8 +111,8 @@
         </p:nvSpPr>
         <p:spPr>
           <a:xfrm>
-            <a:off x="822960" y="6949080"/>
-            <a:ext cx="6583320" cy="6583320"/>
+            <a:off x="756000" y="5078520"/>
+            <a:ext cx="6047640" cy="4811040"/>
           </a:xfrm>
           <a:prstGeom prst="rect">
             <a:avLst/>
@@ -129,7 +131,7 @@
               <a:buNone/>
             </a:pPr>
             <a:r>
-              <a:rPr b="0" lang="en-IN" sz="3840" strike="noStrike" u="none">
+              <a:rPr b="0" lang="en-IN" sz="2000" strike="noStrike" u="none">
                 <a:solidFill>
                   <a:srgbClr val="000000"/>
                 </a:solidFill>
@@ -138,7 +140,7 @@
               </a:rPr>
               <a:t>Click to edit the notes format</a:t>
             </a:r>
-            <a:endParaRPr b="0" lang="en-IN" sz="3840" strike="noStrike" u="none">
+            <a:endParaRPr b="0" lang="en-IN" sz="2000" strike="noStrike" u="none">
               <a:solidFill>
                 <a:srgbClr val="000000"/>
               </a:solidFill>
@@ -150,7 +152,7 @@
       </p:sp>
       <p:sp>
         <p:nvSpPr>
-          <p:cNvPr id="49" name="PlaceHolder 3"/>
+          <p:cNvPr id="54" name="PlaceHolder 3"/>
           <p:cNvSpPr>
             <a:spLocks noGrp="1"/>
           </p:cNvSpPr>
@@ -161,7 +163,7 @@
         <p:spPr>
           <a:xfrm>
             <a:off x="0" y="0"/>
-            <a:ext cx="3571200" cy="731160"/>
+            <a:ext cx="3280680" cy="534240"/>
           </a:xfrm>
           <a:prstGeom prst="rect">
             <a:avLst/>
@@ -201,7 +203,7 @@
       </p:sp>
       <p:sp>
         <p:nvSpPr>
-          <p:cNvPr id="50" name="PlaceHolder 4"/>
+          <p:cNvPr id="55" name="PlaceHolder 4"/>
           <p:cNvSpPr>
             <a:spLocks noGrp="1"/>
           </p:cNvSpPr>
@@ -211,8 +213,8 @@
         </p:nvSpPr>
         <p:spPr>
           <a:xfrm>
-            <a:off x="4657680" y="0"/>
-            <a:ext cx="3571200" cy="731160"/>
+            <a:off x="4278960" y="0"/>
+            <a:ext cx="3280680" cy="534240"/>
           </a:xfrm>
           <a:prstGeom prst="rect">
             <a:avLst/>
@@ -264,7 +266,7 @@
       </p:sp>
       <p:sp>
         <p:nvSpPr>
-          <p:cNvPr id="51" name="PlaceHolder 5"/>
+          <p:cNvPr id="56" name="PlaceHolder 5"/>
           <p:cNvSpPr>
             <a:spLocks noGrp="1"/>
           </p:cNvSpPr>
@@ -274,8 +276,8 @@
         </p:nvSpPr>
         <p:spPr>
           <a:xfrm>
-            <a:off x="0" y="13898880"/>
-            <a:ext cx="3571200" cy="731160"/>
+            <a:off x="0" y="10157400"/>
+            <a:ext cx="3280680" cy="534240"/>
           </a:xfrm>
           <a:prstGeom prst="rect">
             <a:avLst/>
@@ -327,7 +329,7 @@
       </p:sp>
       <p:sp>
         <p:nvSpPr>
-          <p:cNvPr id="52" name="PlaceHolder 6"/>
+          <p:cNvPr id="57" name="PlaceHolder 6"/>
           <p:cNvSpPr>
             <a:spLocks noGrp="1"/>
           </p:cNvSpPr>
@@ -337,8 +339,8 @@
         </p:nvSpPr>
         <p:spPr>
           <a:xfrm>
-            <a:off x="4657680" y="13898880"/>
-            <a:ext cx="3571200" cy="731160"/>
+            <a:off x="4278960" y="10157400"/>
+            <a:ext cx="3280680" cy="534240"/>
           </a:xfrm>
           <a:prstGeom prst="rect">
             <a:avLst/>
@@ -368,7 +370,7 @@
             <a:pPr indent="0" algn="r">
               <a:buNone/>
             </a:pPr>
-            <a:fld id="{DA511ACA-C64F-44D9-8A09-6F1BF783C3AB}" type="slidenum">
+            <a:fld id="{3C0AA4CA-3EED-48AF-B88F-E887F47A9952}" type="slidenum">
               <a:rPr b="0" lang="en-IN" sz="1400" strike="noStrike" u="none">
                 <a:solidFill>
                   <a:srgbClr val="000000"/>
@@ -392,163 +394,6 @@
   </p:cSld>
   <p:clrMap bg1="lt1" bg2="lt2" tx1="dk1" tx2="dk2" accent1="accent1" accent2="accent2" accent3="accent3" accent4="accent4" accent5="accent5" accent6="accent6" hlink="hlink" folHlink="folHlink"/>
 </p:notesMaster>
-</file>
-
-<file path=ppt/notesSlides/notesSlide3.xml><?xml version="1.0" encoding="utf-8"?>
-<p:notes xmlns:a="http://schemas.openxmlformats.org/drawingml/2006/main" xmlns:p="http://schemas.openxmlformats.org/presentationml/2006/main" xmlns:r="http://schemas.openxmlformats.org/officeDocument/2006/relationships" xmlns:p14="http://schemas.microsoft.com/office/powerpoint/2010/main" xmlns:p15="http://schemas.microsoft.com/office/powerpoint/2012/main" xmlns:mc="http://schemas.openxmlformats.org/markup-compatibility/2006">
-  <p:cSld>
-    <p:spTree>
-      <p:nvGrpSpPr>
-        <p:cNvPr id="1" name=""/>
-        <p:cNvGrpSpPr/>
-        <p:nvPr/>
-      </p:nvGrpSpPr>
-      <p:grpSpPr>
-        <a:xfrm>
-          <a:off x="0" y="0"/>
-          <a:ext cx="0" cy="0"/>
-          <a:chOff x="0" y="0"/>
-          <a:chExt cx="0" cy="0"/>
-        </a:xfrm>
-      </p:grpSpPr>
-      <p:sp>
-        <p:nvSpPr>
-          <p:cNvPr id="96" name="PlaceHolder 1"/>
-          <p:cNvSpPr>
-            <a:spLocks noGrp="1"/>
-          </p:cNvSpPr>
-          <p:nvPr>
-            <p:ph type="sldImg"/>
-          </p:nvPr>
-        </p:nvSpPr>
-        <p:spPr>
-          <a:xfrm>
-            <a:off x="0" y="0"/>
-            <a:ext cx="0" cy="0"/>
-          </a:xfrm>
-          <a:prstGeom prst="rect">
-            <a:avLst/>
-          </a:prstGeom>
-          <a:ln w="0">
-            <a:noFill/>
-          </a:ln>
-        </p:spPr>
-      </p:sp>
-      <p:sp>
-        <p:nvSpPr>
-          <p:cNvPr id="97" name="PlaceHolder 2"/>
-          <p:cNvSpPr>
-            <a:spLocks noGrp="1"/>
-          </p:cNvSpPr>
-          <p:nvPr>
-            <p:ph type="body"/>
-          </p:nvPr>
-        </p:nvSpPr>
-        <p:spPr>
-          <a:xfrm>
-            <a:off x="0" y="0"/>
-            <a:ext cx="0" cy="0"/>
-          </a:xfrm>
-          <a:prstGeom prst="rect">
-            <a:avLst/>
-          </a:prstGeom>
-          <a:noFill/>
-          <a:ln w="0">
-            <a:noFill/>
-          </a:ln>
-        </p:spPr>
-        <p:txBody>
-          <a:bodyPr lIns="90000" rIns="90000" tIns="-45000" bIns="-45000" anchor="t">
-            <a:noAutofit/>
-          </a:bodyPr>
-          <a:p>
-            <a:pPr marL="216000" indent="-216000">
-              <a:buNone/>
-            </a:pPr>
-            <a:endParaRPr b="0" lang="en-IN" sz="1800" strike="noStrike" u="none">
-              <a:solidFill>
-                <a:srgbClr val="000000"/>
-              </a:solidFill>
-              <a:uFillTx/>
-              <a:latin typeface="Arial"/>
-            </a:endParaRPr>
-          </a:p>
-        </p:txBody>
-      </p:sp>
-      <p:sp>
-        <p:nvSpPr>
-          <p:cNvPr id="98" name="PlaceHolder 3"/>
-          <p:cNvSpPr>
-            <a:spLocks noGrp="1"/>
-          </p:cNvSpPr>
-          <p:nvPr>
-            <p:ph type="sldNum" idx="7"/>
-          </p:nvPr>
-        </p:nvSpPr>
-        <p:spPr>
-          <a:xfrm>
-            <a:off x="0" y="0"/>
-            <a:ext cx="0" cy="0"/>
-          </a:xfrm>
-          <a:prstGeom prst="rect">
-            <a:avLst/>
-          </a:prstGeom>
-          <a:noFill/>
-          <a:ln w="0">
-            <a:noFill/>
-          </a:ln>
-        </p:spPr>
-        <p:txBody>
-          <a:bodyPr lIns="90000" rIns="90000" tIns="-45000" bIns="-45000" anchor="t">
-            <a:noAutofit/>
-          </a:bodyPr>
-          <a:lstStyle>
-            <a:lvl1pPr indent="0" defTabSz="914400">
-              <a:lnSpc>
-                <a:spcPct val="100000"/>
-              </a:lnSpc>
-              <a:buNone/>
-              <a:defRPr b="0" lang="en-US" sz="1800" strike="noStrike" u="none">
-                <a:solidFill>
-                  <a:schemeClr val="dk1"/>
-                </a:solidFill>
-                <a:uFillTx/>
-                <a:latin typeface="+mn-lt"/>
-                <a:ea typeface="+mn-ea"/>
-              </a:defRPr>
-            </a:lvl1pPr>
-          </a:lstStyle>
-          <a:p>
-            <a:pPr indent="0" defTabSz="914400">
-              <a:lnSpc>
-                <a:spcPct val="100000"/>
-              </a:lnSpc>
-              <a:buNone/>
-            </a:pPr>
-            <a:fld id="{3E8E614E-0753-4D07-B173-8BFD2FBAB00C}" type="slidenum">
-              <a:rPr b="0" lang="en-US" sz="1800" strike="noStrike" u="none">
-                <a:solidFill>
-                  <a:schemeClr val="dk1"/>
-                </a:solidFill>
-                <a:uFillTx/>
-                <a:latin typeface="+mn-lt"/>
-                <a:ea typeface="+mn-ea"/>
-              </a:rPr>
-              <a:t>&lt;number&gt;</a:t>
-            </a:fld>
-            <a:endParaRPr b="0" lang="en-IN" sz="1800" strike="noStrike" u="none">
-              <a:solidFill>
-                <a:srgbClr val="000000"/>
-              </a:solidFill>
-              <a:uFillTx/>
-              <a:latin typeface="Times New Roman"/>
-            </a:endParaRPr>
-          </a:p>
-        </p:txBody>
-      </p:sp>
-    </p:spTree>
-  </p:cSld>
-</p:notes>
 </file>
 
 <file path=ppt/notesSlides/notesSlide4.xml><?xml version="1.0" encoding="utf-8"?>
@@ -570,7 +415,7 @@
       </p:grpSpPr>
       <p:sp>
         <p:nvSpPr>
-          <p:cNvPr id="99" name="PlaceHolder 1"/>
+          <p:cNvPr id="102" name="PlaceHolder 1"/>
           <p:cNvSpPr>
             <a:spLocks noGrp="1"/>
           </p:cNvSpPr>
@@ -593,7 +438,7 @@
       </p:sp>
       <p:sp>
         <p:nvSpPr>
-          <p:cNvPr id="100" name="PlaceHolder 2"/>
+          <p:cNvPr id="103" name="PlaceHolder 2"/>
           <p:cNvSpPr>
             <a:spLocks noGrp="1"/>
           </p:cNvSpPr>
@@ -634,12 +479,12 @@
       </p:sp>
       <p:sp>
         <p:nvSpPr>
-          <p:cNvPr id="101" name="PlaceHolder 3"/>
+          <p:cNvPr id="104" name="PlaceHolder 3"/>
           <p:cNvSpPr>
             <a:spLocks noGrp="1"/>
           </p:cNvSpPr>
           <p:nvPr>
-            <p:ph type="sldNum" idx="8"/>
+            <p:ph type="sldNum" idx="7"/>
           </p:nvPr>
         </p:nvSpPr>
         <p:spPr>
@@ -660,11 +505,14 @@
             <a:noAutofit/>
           </a:bodyPr>
           <a:lstStyle>
-            <a:lvl1pPr indent="0" defTabSz="914400">
+            <a:lvl1pPr indent="0" algn="r" defTabSz="914400">
               <a:lnSpc>
                 <a:spcPct val="100000"/>
               </a:lnSpc>
               <a:buNone/>
+              <a:tabLst>
+                <a:tab algn="l" pos="0"/>
+              </a:tabLst>
               <a:defRPr b="0" lang="en-US" sz="1800" strike="noStrike" u="none">
                 <a:solidFill>
                   <a:schemeClr val="dk1"/>
@@ -676,13 +524,16 @@
             </a:lvl1pPr>
           </a:lstStyle>
           <a:p>
-            <a:pPr indent="0" defTabSz="914400">
+            <a:pPr indent="0" algn="r" defTabSz="914400">
               <a:lnSpc>
                 <a:spcPct val="100000"/>
               </a:lnSpc>
               <a:buNone/>
-            </a:pPr>
-            <a:fld id="{DAEE9A37-4009-496C-B5DA-5CDFB6152D15}" type="slidenum">
+              <a:tabLst>
+                <a:tab algn="l" pos="0"/>
+              </a:tabLst>
+            </a:pPr>
+            <a:fld id="{AC61AAAA-DC1D-46FF-84D8-E19F4E4A8716}" type="slidenum">
               <a:rPr b="0" lang="en-US" sz="1800" strike="noStrike" u="none">
                 <a:solidFill>
                   <a:schemeClr val="dk1"/>
@@ -727,7 +578,7 @@
       </p:grpSpPr>
       <p:sp>
         <p:nvSpPr>
-          <p:cNvPr id="102" name="PlaceHolder 1"/>
+          <p:cNvPr id="105" name="PlaceHolder 1"/>
           <p:cNvSpPr>
             <a:spLocks noGrp="1"/>
           </p:cNvSpPr>
@@ -750,7 +601,7 @@
       </p:sp>
       <p:sp>
         <p:nvSpPr>
-          <p:cNvPr id="103" name="PlaceHolder 2"/>
+          <p:cNvPr id="106" name="PlaceHolder 2"/>
           <p:cNvSpPr>
             <a:spLocks noGrp="1"/>
           </p:cNvSpPr>
@@ -791,12 +642,12 @@
       </p:sp>
       <p:sp>
         <p:nvSpPr>
-          <p:cNvPr id="104" name="PlaceHolder 3"/>
+          <p:cNvPr id="107" name="PlaceHolder 3"/>
           <p:cNvSpPr>
             <a:spLocks noGrp="1"/>
           </p:cNvSpPr>
           <p:nvPr>
-            <p:ph type="sldNum" idx="9"/>
+            <p:ph type="sldNum" idx="8"/>
           </p:nvPr>
         </p:nvSpPr>
         <p:spPr>
@@ -817,11 +668,14 @@
             <a:noAutofit/>
           </a:bodyPr>
           <a:lstStyle>
-            <a:lvl1pPr indent="0" defTabSz="914400">
+            <a:lvl1pPr indent="0" algn="r" defTabSz="914400">
               <a:lnSpc>
                 <a:spcPct val="100000"/>
               </a:lnSpc>
               <a:buNone/>
+              <a:tabLst>
+                <a:tab algn="l" pos="0"/>
+              </a:tabLst>
               <a:defRPr b="0" lang="en-US" sz="1800" strike="noStrike" u="none">
                 <a:solidFill>
                   <a:schemeClr val="dk1"/>
@@ -833,13 +687,16 @@
             </a:lvl1pPr>
           </a:lstStyle>
           <a:p>
-            <a:pPr indent="0" defTabSz="914400">
+            <a:pPr indent="0" algn="r" defTabSz="914400">
               <a:lnSpc>
                 <a:spcPct val="100000"/>
               </a:lnSpc>
               <a:buNone/>
-            </a:pPr>
-            <a:fld id="{C1796D49-4314-4411-9C0B-52515DC9F4BC}" type="slidenum">
+              <a:tabLst>
+                <a:tab algn="l" pos="0"/>
+              </a:tabLst>
+            </a:pPr>
+            <a:fld id="{3C2C7C71-35FA-40D0-9357-EABF739E9349}" type="slidenum">
               <a:rPr b="0" lang="en-US" sz="1800" strike="noStrike" u="none">
                 <a:solidFill>
                   <a:schemeClr val="dk1"/>
@@ -884,7 +741,7 @@
       </p:grpSpPr>
       <p:sp>
         <p:nvSpPr>
-          <p:cNvPr id="105" name="PlaceHolder 1"/>
+          <p:cNvPr id="108" name="PlaceHolder 1"/>
           <p:cNvSpPr>
             <a:spLocks noGrp="1"/>
           </p:cNvSpPr>
@@ -907,7 +764,7 @@
       </p:sp>
       <p:sp>
         <p:nvSpPr>
-          <p:cNvPr id="106" name="PlaceHolder 2"/>
+          <p:cNvPr id="109" name="PlaceHolder 2"/>
           <p:cNvSpPr>
             <a:spLocks noGrp="1"/>
           </p:cNvSpPr>
@@ -948,12 +805,12 @@
       </p:sp>
       <p:sp>
         <p:nvSpPr>
-          <p:cNvPr id="107" name="PlaceHolder 3"/>
+          <p:cNvPr id="110" name="PlaceHolder 3"/>
           <p:cNvSpPr>
             <a:spLocks noGrp="1"/>
           </p:cNvSpPr>
           <p:nvPr>
-            <p:ph type="sldNum" idx="10"/>
+            <p:ph type="sldNum" idx="9"/>
           </p:nvPr>
         </p:nvSpPr>
         <p:spPr>
@@ -974,11 +831,14 @@
             <a:noAutofit/>
           </a:bodyPr>
           <a:lstStyle>
-            <a:lvl1pPr indent="0" defTabSz="914400">
+            <a:lvl1pPr indent="0" algn="r" defTabSz="914400">
               <a:lnSpc>
                 <a:spcPct val="100000"/>
               </a:lnSpc>
               <a:buNone/>
+              <a:tabLst>
+                <a:tab algn="l" pos="0"/>
+              </a:tabLst>
               <a:defRPr b="0" lang="en-US" sz="1800" strike="noStrike" u="none">
                 <a:solidFill>
                   <a:schemeClr val="dk1"/>
@@ -990,13 +850,179 @@
             </a:lvl1pPr>
           </a:lstStyle>
           <a:p>
-            <a:pPr indent="0" defTabSz="914400">
+            <a:pPr indent="0" algn="r" defTabSz="914400">
               <a:lnSpc>
                 <a:spcPct val="100000"/>
               </a:lnSpc>
               <a:buNone/>
-            </a:pPr>
-            <a:fld id="{A0215370-D062-4B01-961F-43CF3D716D41}" type="slidenum">
+              <a:tabLst>
+                <a:tab algn="l" pos="0"/>
+              </a:tabLst>
+            </a:pPr>
+            <a:fld id="{3788E53F-6815-4E5F-B6E9-0B58FAD1DB04}" type="slidenum">
+              <a:rPr b="0" lang="en-US" sz="1800" strike="noStrike" u="none">
+                <a:solidFill>
+                  <a:schemeClr val="dk1"/>
+                </a:solidFill>
+                <a:uFillTx/>
+                <a:latin typeface="+mn-lt"/>
+                <a:ea typeface="+mn-ea"/>
+              </a:rPr>
+              <a:t>&lt;number&gt;</a:t>
+            </a:fld>
+            <a:endParaRPr b="0" lang="en-IN" sz="1800" strike="noStrike" u="none">
+              <a:solidFill>
+                <a:srgbClr val="000000"/>
+              </a:solidFill>
+              <a:uFillTx/>
+              <a:latin typeface="Times New Roman"/>
+            </a:endParaRPr>
+          </a:p>
+        </p:txBody>
+      </p:sp>
+    </p:spTree>
+  </p:cSld>
+</p:notes>
+</file>
+
+<file path=ppt/notesSlides/notesSlide7.xml><?xml version="1.0" encoding="utf-8"?>
+<p:notes xmlns:a="http://schemas.openxmlformats.org/drawingml/2006/main" xmlns:p="http://schemas.openxmlformats.org/presentationml/2006/main" xmlns:r="http://schemas.openxmlformats.org/officeDocument/2006/relationships" xmlns:p14="http://schemas.microsoft.com/office/powerpoint/2010/main" xmlns:p15="http://schemas.microsoft.com/office/powerpoint/2012/main" xmlns:mc="http://schemas.openxmlformats.org/markup-compatibility/2006">
+  <p:cSld>
+    <p:spTree>
+      <p:nvGrpSpPr>
+        <p:cNvPr id="1" name=""/>
+        <p:cNvGrpSpPr/>
+        <p:nvPr/>
+      </p:nvGrpSpPr>
+      <p:grpSpPr>
+        <a:xfrm>
+          <a:off x="0" y="0"/>
+          <a:ext cx="0" cy="0"/>
+          <a:chOff x="0" y="0"/>
+          <a:chExt cx="0" cy="0"/>
+        </a:xfrm>
+      </p:grpSpPr>
+      <p:sp>
+        <p:nvSpPr>
+          <p:cNvPr id="111" name="PlaceHolder 1"/>
+          <p:cNvSpPr>
+            <a:spLocks noGrp="1"/>
+          </p:cNvSpPr>
+          <p:nvPr>
+            <p:ph type="sldImg"/>
+          </p:nvPr>
+        </p:nvSpPr>
+        <p:spPr>
+          <a:xfrm>
+            <a:off x="0" y="0"/>
+            <a:ext cx="0" cy="0"/>
+          </a:xfrm>
+          <a:prstGeom prst="rect">
+            <a:avLst/>
+          </a:prstGeom>
+          <a:ln w="0">
+            <a:noFill/>
+          </a:ln>
+        </p:spPr>
+      </p:sp>
+      <p:sp>
+        <p:nvSpPr>
+          <p:cNvPr id="112" name="PlaceHolder 2"/>
+          <p:cNvSpPr>
+            <a:spLocks noGrp="1"/>
+          </p:cNvSpPr>
+          <p:nvPr>
+            <p:ph type="body"/>
+          </p:nvPr>
+        </p:nvSpPr>
+        <p:spPr>
+          <a:xfrm>
+            <a:off x="0" y="0"/>
+            <a:ext cx="0" cy="0"/>
+          </a:xfrm>
+          <a:prstGeom prst="rect">
+            <a:avLst/>
+          </a:prstGeom>
+          <a:noFill/>
+          <a:ln w="0">
+            <a:noFill/>
+          </a:ln>
+        </p:spPr>
+        <p:txBody>
+          <a:bodyPr lIns="90000" rIns="90000" tIns="-45000" bIns="-45000" anchor="t">
+            <a:noAutofit/>
+          </a:bodyPr>
+          <a:p>
+            <a:pPr marL="216000" indent="-216000">
+              <a:buNone/>
+            </a:pPr>
+            <a:endParaRPr b="0" lang="en-IN" sz="1800" strike="noStrike" u="none">
+              <a:solidFill>
+                <a:srgbClr val="000000"/>
+              </a:solidFill>
+              <a:uFillTx/>
+              <a:latin typeface="Arial"/>
+            </a:endParaRPr>
+          </a:p>
+        </p:txBody>
+      </p:sp>
+      <p:sp>
+        <p:nvSpPr>
+          <p:cNvPr id="113" name="PlaceHolder 3"/>
+          <p:cNvSpPr>
+            <a:spLocks noGrp="1"/>
+          </p:cNvSpPr>
+          <p:nvPr>
+            <p:ph type="sldNum" idx="10"/>
+          </p:nvPr>
+        </p:nvSpPr>
+        <p:spPr>
+          <a:xfrm>
+            <a:off x="0" y="0"/>
+            <a:ext cx="0" cy="0"/>
+          </a:xfrm>
+          <a:prstGeom prst="rect">
+            <a:avLst/>
+          </a:prstGeom>
+          <a:noFill/>
+          <a:ln w="0">
+            <a:noFill/>
+          </a:ln>
+        </p:spPr>
+        <p:txBody>
+          <a:bodyPr lIns="90000" rIns="90000" tIns="-45000" bIns="-45000" anchor="t">
+            <a:noAutofit/>
+          </a:bodyPr>
+          <a:lstStyle>
+            <a:lvl1pPr indent="0" algn="r" defTabSz="914400">
+              <a:lnSpc>
+                <a:spcPct val="100000"/>
+              </a:lnSpc>
+              <a:buNone/>
+              <a:tabLst>
+                <a:tab algn="l" pos="0"/>
+              </a:tabLst>
+              <a:defRPr b="0" lang="en-US" sz="1800" strike="noStrike" u="none">
+                <a:solidFill>
+                  <a:schemeClr val="dk1"/>
+                </a:solidFill>
+                <a:uFillTx/>
+                <a:latin typeface="+mn-lt"/>
+                <a:ea typeface="+mn-ea"/>
+              </a:defRPr>
+            </a:lvl1pPr>
+          </a:lstStyle>
+          <a:p>
+            <a:pPr indent="0" algn="r" defTabSz="914400">
+              <a:lnSpc>
+                <a:spcPct val="100000"/>
+              </a:lnSpc>
+              <a:buNone/>
+              <a:tabLst>
+                <a:tab algn="l" pos="0"/>
+              </a:tabLst>
+            </a:pPr>
+            <a:fld id="{523CDE3C-7764-4C24-9E39-F18478A178EC}" type="slidenum">
               <a:rPr b="0" lang="en-US" sz="1800" strike="noStrike" u="none">
                 <a:solidFill>
                   <a:schemeClr val="dk1"/>
@@ -1133,15 +1159,15 @@
             <a:noAutofit/>
           </a:bodyPr>
           <a:p>
-            <a:pPr indent="0">
+            <a:pPr indent="0" algn="ctr">
               <a:buNone/>
             </a:pPr>
-            <a:endParaRPr b="0" lang="en-US" sz="1800" strike="noStrike" u="none">
-              <a:solidFill>
-                <a:schemeClr val="dk1"/>
-              </a:solidFill>
-              <a:uFillTx/>
-              <a:latin typeface="Calibri"/>
+            <a:endParaRPr b="0" lang="en-IN" sz="4400" strike="noStrike" u="none">
+              <a:solidFill>
+                <a:srgbClr val="000000"/>
+              </a:solidFill>
+              <a:uFillTx/>
+              <a:latin typeface="Arial"/>
             </a:endParaRPr>
           </a:p>
         </p:txBody>
@@ -1221,7 +1247,7 @@
         <p:txBody>
           <a:bodyPr/>
           <a:p>
-            <a:fld id="{8CE6A44C-1F8B-4920-BEAB-C94884841A72}" type="slidenum">
+            <a:fld id="{C438BE9C-14AB-4D4F-A041-D77480B59456}" type="slidenum">
               <a:t>&lt;#&gt;</a:t>
             </a:fld>
           </a:p>
@@ -1248,6 +1274,28 @@
           </a:p>
         </p:txBody>
       </p:sp>
+    </p:spTree>
+  </p:cSld>
+</p:sldLayout>
+</file>
+
+<file path=ppt/slideLayouts/slideLayout13.xml><?xml version="1.0" encoding="utf-8"?>
+<p:sldLayout xmlns:a="http://schemas.openxmlformats.org/drawingml/2006/main" xmlns:p="http://schemas.openxmlformats.org/presentationml/2006/main" xmlns:r="http://schemas.openxmlformats.org/officeDocument/2006/relationships" xmlns:p14="http://schemas.microsoft.com/office/powerpoint/2010/main" xmlns:p15="http://schemas.microsoft.com/office/powerpoint/2012/main" xmlns:mc="http://schemas.openxmlformats.org/markup-compatibility/2006" type="blank" preserve="1">
+  <p:cSld name="Slide 1 master_">
+    <p:spTree>
+      <p:nvGrpSpPr>
+        <p:cNvPr id="1" name=""/>
+        <p:cNvGrpSpPr/>
+        <p:nvPr/>
+      </p:nvGrpSpPr>
+      <p:grpSpPr>
+        <a:xfrm>
+          <a:off x="0" y="0"/>
+          <a:ext cx="0" cy="0"/>
+          <a:chOff x="0" y="0"/>
+          <a:chExt cx="0" cy="0"/>
+        </a:xfrm>
+      </p:grpSpPr>
     </p:spTree>
   </p:cSld>
 </p:sldLayout>
@@ -1499,7 +1547,7 @@
         <p:spPr>
           <a:xfrm>
             <a:off x="0" y="0"/>
-            <a:ext cx="14630040" cy="8229240"/>
+            <a:ext cx="14628960" cy="8228160"/>
           </a:xfrm>
           <a:prstGeom prst="rect">
             <a:avLst/>
@@ -1519,7 +1567,7 @@
         <p:spPr>
           <a:xfrm>
             <a:off x="0" y="0"/>
-            <a:ext cx="14630040" cy="8229240"/>
+            <a:ext cx="14628960" cy="8228160"/>
           </a:xfrm>
           <a:prstGeom prst="rect">
             <a:avLst/>
@@ -1542,6 +1590,11 @@
             <a:noAutofit/>
           </a:bodyPr>
           <a:p>
+            <a:pPr>
+              <a:lnSpc>
+                <a:spcPct val="100000"/>
+              </a:lnSpc>
+            </a:pPr>
             <a:endParaRPr b="0" lang="en-IN" sz="1800" strike="noStrike" u="none">
               <a:solidFill>
                 <a:srgbClr val="000000"/>
@@ -1567,7 +1620,7 @@
         <p:spPr>
           <a:xfrm>
             <a:off x="12839040" y="7749720"/>
-            <a:ext cx="1722240" cy="411120"/>
+            <a:ext cx="1721160" cy="410040"/>
           </a:xfrm>
           <a:prstGeom prst="rect">
             <a:avLst/>
@@ -1606,25 +1659,25 @@
             <a:noAutofit/>
           </a:bodyPr>
           <a:p>
-            <a:pPr indent="0">
+            <a:pPr indent="0" algn="ctr">
               <a:buNone/>
             </a:pPr>
             <a:r>
-              <a:rPr b="0" lang="en-US" sz="1800" strike="noStrike" u="none">
+              <a:rPr b="0" lang="en-IN" sz="4400" strike="noStrike" u="none">
                 <a:solidFill>
-                  <a:schemeClr val="dk1"/>
+                  <a:srgbClr val="000000"/>
                 </a:solidFill>
                 <a:uFillTx/>
-                <a:latin typeface="Calibri"/>
+                <a:latin typeface="Arial"/>
               </a:rPr>
               <a:t>Click to edit the title text format</a:t>
             </a:r>
-            <a:endParaRPr b="0" lang="en-US" sz="1800" strike="noStrike" u="none">
-              <a:solidFill>
-                <a:schemeClr val="dk1"/>
-              </a:solidFill>
-              <a:uFillTx/>
-              <a:latin typeface="Calibri"/>
+            <a:endParaRPr b="0" lang="en-IN" sz="4400" strike="noStrike" u="none">
+              <a:solidFill>
+                <a:srgbClr val="000000"/>
+              </a:solidFill>
+              <a:uFillTx/>
+              <a:latin typeface="Arial"/>
             </a:endParaRPr>
           </a:p>
         </p:txBody>
@@ -1669,21 +1722,21 @@
               <a:buChar char=""/>
             </a:pPr>
             <a:r>
-              <a:rPr b="0" lang="en-US" sz="3200" strike="noStrike" u="none">
+              <a:rPr b="0" lang="en-IN" sz="3200" strike="noStrike" u="none">
                 <a:solidFill>
-                  <a:schemeClr val="dk1"/>
+                  <a:srgbClr val="000000"/>
                 </a:solidFill>
                 <a:uFillTx/>
-                <a:latin typeface="Calibri"/>
+                <a:latin typeface="Arial"/>
               </a:rPr>
               <a:t>Click to edit the outline text format</a:t>
             </a:r>
-            <a:endParaRPr b="0" lang="en-US" sz="3200" strike="noStrike" u="none">
-              <a:solidFill>
-                <a:schemeClr val="dk1"/>
-              </a:solidFill>
-              <a:uFillTx/>
-              <a:latin typeface="Calibri"/>
+            <a:endParaRPr b="0" lang="en-IN" sz="3200" strike="noStrike" u="none">
+              <a:solidFill>
+                <a:srgbClr val="000000"/>
+              </a:solidFill>
+              <a:uFillTx/>
+              <a:latin typeface="Arial"/>
             </a:endParaRPr>
           </a:p>
           <a:p>
@@ -1699,21 +1752,21 @@
               <a:buChar char=""/>
             </a:pPr>
             <a:r>
-              <a:rPr b="0" lang="en-US" sz="2400" strike="noStrike" u="none">
+              <a:rPr b="0" lang="en-IN" sz="2800" strike="noStrike" u="none">
                 <a:solidFill>
-                  <a:schemeClr val="dk1"/>
+                  <a:srgbClr val="000000"/>
                 </a:solidFill>
                 <a:uFillTx/>
-                <a:latin typeface="Calibri"/>
+                <a:latin typeface="Arial"/>
               </a:rPr>
               <a:t>Second Outline Level</a:t>
             </a:r>
-            <a:endParaRPr b="0" lang="en-US" sz="2400" strike="noStrike" u="none">
-              <a:solidFill>
-                <a:schemeClr val="dk1"/>
-              </a:solidFill>
-              <a:uFillTx/>
-              <a:latin typeface="Calibri"/>
+            <a:endParaRPr b="0" lang="en-IN" sz="2800" strike="noStrike" u="none">
+              <a:solidFill>
+                <a:srgbClr val="000000"/>
+              </a:solidFill>
+              <a:uFillTx/>
+              <a:latin typeface="Arial"/>
             </a:endParaRPr>
           </a:p>
           <a:p>
@@ -1729,21 +1782,21 @@
               <a:buChar char=""/>
             </a:pPr>
             <a:r>
-              <a:rPr b="0" lang="en-US" sz="2000" strike="noStrike" u="none">
+              <a:rPr b="0" lang="en-IN" sz="2400" strike="noStrike" u="none">
                 <a:solidFill>
-                  <a:schemeClr val="dk1"/>
+                  <a:srgbClr val="000000"/>
                 </a:solidFill>
                 <a:uFillTx/>
-                <a:latin typeface="Calibri"/>
+                <a:latin typeface="Arial"/>
               </a:rPr>
               <a:t>Third Outline Level</a:t>
             </a:r>
-            <a:endParaRPr b="0" lang="en-US" sz="2000" strike="noStrike" u="none">
-              <a:solidFill>
-                <a:schemeClr val="dk1"/>
-              </a:solidFill>
-              <a:uFillTx/>
-              <a:latin typeface="Calibri"/>
+            <a:endParaRPr b="0" lang="en-IN" sz="2400" strike="noStrike" u="none">
+              <a:solidFill>
+                <a:srgbClr val="000000"/>
+              </a:solidFill>
+              <a:uFillTx/>
+              <a:latin typeface="Arial"/>
             </a:endParaRPr>
           </a:p>
           <a:p>
@@ -1759,21 +1812,21 @@
               <a:buChar char=""/>
             </a:pPr>
             <a:r>
-              <a:rPr b="0" lang="en-US" sz="2000" strike="noStrike" u="none">
+              <a:rPr b="0" lang="en-IN" sz="2000" strike="noStrike" u="none">
                 <a:solidFill>
-                  <a:schemeClr val="dk1"/>
+                  <a:srgbClr val="000000"/>
                 </a:solidFill>
                 <a:uFillTx/>
-                <a:latin typeface="Calibri"/>
+                <a:latin typeface="Arial"/>
               </a:rPr>
               <a:t>Fourth Outline Level</a:t>
             </a:r>
-            <a:endParaRPr b="0" lang="en-US" sz="2000" strike="noStrike" u="none">
-              <a:solidFill>
-                <a:schemeClr val="dk1"/>
-              </a:solidFill>
-              <a:uFillTx/>
-              <a:latin typeface="Calibri"/>
+            <a:endParaRPr b="0" lang="en-IN" sz="2000" strike="noStrike" u="none">
+              <a:solidFill>
+                <a:srgbClr val="000000"/>
+              </a:solidFill>
+              <a:uFillTx/>
+              <a:latin typeface="Arial"/>
             </a:endParaRPr>
           </a:p>
           <a:p>
@@ -1789,21 +1842,21 @@
               <a:buChar char=""/>
             </a:pPr>
             <a:r>
-              <a:rPr b="0" lang="en-US" sz="2000" strike="noStrike" u="none">
+              <a:rPr b="0" lang="en-IN" sz="2000" strike="noStrike" u="none">
                 <a:solidFill>
-                  <a:schemeClr val="dk1"/>
+                  <a:srgbClr val="000000"/>
                 </a:solidFill>
                 <a:uFillTx/>
-                <a:latin typeface="Calibri"/>
+                <a:latin typeface="Arial"/>
               </a:rPr>
               <a:t>Fifth Outline Level</a:t>
             </a:r>
-            <a:endParaRPr b="0" lang="en-US" sz="2000" strike="noStrike" u="none">
-              <a:solidFill>
-                <a:schemeClr val="dk1"/>
-              </a:solidFill>
-              <a:uFillTx/>
-              <a:latin typeface="Calibri"/>
+            <a:endParaRPr b="0" lang="en-IN" sz="2000" strike="noStrike" u="none">
+              <a:solidFill>
+                <a:srgbClr val="000000"/>
+              </a:solidFill>
+              <a:uFillTx/>
+              <a:latin typeface="Arial"/>
             </a:endParaRPr>
           </a:p>
           <a:p>
@@ -1819,21 +1872,21 @@
               <a:buChar char=""/>
             </a:pPr>
             <a:r>
-              <a:rPr b="0" lang="en-US" sz="2000" strike="noStrike" u="none">
+              <a:rPr b="0" lang="en-IN" sz="2000" strike="noStrike" u="none">
                 <a:solidFill>
-                  <a:schemeClr val="dk1"/>
+                  <a:srgbClr val="000000"/>
                 </a:solidFill>
                 <a:uFillTx/>
-                <a:latin typeface="Calibri"/>
+                <a:latin typeface="Arial"/>
               </a:rPr>
               <a:t>Sixth Outline Level</a:t>
             </a:r>
-            <a:endParaRPr b="0" lang="en-US" sz="2000" strike="noStrike" u="none">
-              <a:solidFill>
-                <a:schemeClr val="dk1"/>
-              </a:solidFill>
-              <a:uFillTx/>
-              <a:latin typeface="Calibri"/>
+            <a:endParaRPr b="0" lang="en-IN" sz="2000" strike="noStrike" u="none">
+              <a:solidFill>
+                <a:srgbClr val="000000"/>
+              </a:solidFill>
+              <a:uFillTx/>
+              <a:latin typeface="Arial"/>
             </a:endParaRPr>
           </a:p>
           <a:p>
@@ -1849,21 +1902,21 @@
               <a:buChar char=""/>
             </a:pPr>
             <a:r>
-              <a:rPr b="0" lang="en-US" sz="2000" strike="noStrike" u="none">
+              <a:rPr b="0" lang="en-IN" sz="2000" strike="noStrike" u="none">
                 <a:solidFill>
-                  <a:schemeClr val="dk1"/>
+                  <a:srgbClr val="000000"/>
                 </a:solidFill>
                 <a:uFillTx/>
-                <a:latin typeface="Calibri"/>
+                <a:latin typeface="Arial"/>
               </a:rPr>
               <a:t>Seventh Outline Level</a:t>
             </a:r>
-            <a:endParaRPr b="0" lang="en-US" sz="2000" strike="noStrike" u="none">
-              <a:solidFill>
-                <a:schemeClr val="dk1"/>
-              </a:solidFill>
-              <a:uFillTx/>
-              <a:latin typeface="Calibri"/>
+            <a:endParaRPr b="0" lang="en-IN" sz="2000" strike="noStrike" u="none">
+              <a:solidFill>
+                <a:srgbClr val="000000"/>
+              </a:solidFill>
+              <a:uFillTx/>
+              <a:latin typeface="Arial"/>
             </a:endParaRPr>
           </a:p>
         </p:txBody>
@@ -1914,7 +1967,7 @@
         <p:spPr>
           <a:xfrm>
             <a:off x="0" y="0"/>
-            <a:ext cx="14630040" cy="8229240"/>
+            <a:ext cx="14628960" cy="8228160"/>
           </a:xfrm>
           <a:prstGeom prst="rect">
             <a:avLst/>
@@ -1934,7 +1987,7 @@
         <p:spPr>
           <a:xfrm>
             <a:off x="0" y="0"/>
-            <a:ext cx="14630040" cy="8229240"/>
+            <a:ext cx="14628960" cy="8228160"/>
           </a:xfrm>
           <a:prstGeom prst="rect">
             <a:avLst/>
@@ -1957,6 +2010,11 @@
             <a:noAutofit/>
           </a:bodyPr>
           <a:p>
+            <a:pPr>
+              <a:lnSpc>
+                <a:spcPct val="100000"/>
+              </a:lnSpc>
+            </a:pPr>
             <a:endParaRPr b="0" lang="en-IN" sz="1800" strike="noStrike" u="none">
               <a:solidFill>
                 <a:srgbClr val="000000"/>
@@ -1982,7 +2040,7 @@
         <p:spPr>
           <a:xfrm>
             <a:off x="12839040" y="7749720"/>
-            <a:ext cx="1722240" cy="411120"/>
+            <a:ext cx="1721160" cy="410040"/>
           </a:xfrm>
           <a:prstGeom prst="rect">
             <a:avLst/>
@@ -2038,8 +2096,8 @@
         </p:nvSpPr>
         <p:spPr>
           <a:xfrm>
-            <a:off x="1005120" y="437760"/>
-            <a:ext cx="12617280" cy="1589400"/>
+            <a:off x="731520" y="328320"/>
+            <a:ext cx="13166640" cy="1373400"/>
           </a:xfrm>
           <a:prstGeom prst="rect">
             <a:avLst/>
@@ -2090,7 +2148,7 @@
         <p:spPr>
           <a:xfrm>
             <a:off x="4845600" y="7627320"/>
-            <a:ext cx="4936320" cy="436680"/>
+            <a:ext cx="4935240" cy="435600"/>
           </a:xfrm>
           <a:prstGeom prst="rect">
             <a:avLst/>
@@ -2165,7 +2223,7 @@
         <p:spPr>
           <a:xfrm>
             <a:off x="10332000" y="7627320"/>
-            <a:ext cx="3290400" cy="436680"/>
+            <a:ext cx="3289320" cy="435600"/>
           </a:xfrm>
           <a:prstGeom prst="rect">
             <a:avLst/>
@@ -2209,7 +2267,7 @@
                 <a:tab algn="l" pos="0"/>
               </a:tabLst>
             </a:pPr>
-            <a:fld id="{F274AB7B-3813-4E8E-B75B-FA1F8A5C2861}" type="slidenum">
+            <a:fld id="{264106D7-D0D9-4FE9-9964-0F216CAFF8B1}" type="slidenum">
               <a:rPr b="0" lang="en-IN" sz="1200" strike="noStrike" u="none">
                 <a:solidFill>
                   <a:schemeClr val="dk1">
@@ -2244,7 +2302,7 @@
         <p:spPr>
           <a:xfrm>
             <a:off x="1005120" y="7627320"/>
-            <a:ext cx="3290400" cy="436680"/>
+            <a:ext cx="3289320" cy="435600"/>
           </a:xfrm>
           <a:prstGeom prst="rect">
             <a:avLst/>
@@ -2306,7 +2364,7 @@
         </p:nvSpPr>
         <p:spPr>
           <a:xfrm>
-            <a:off x="730800" y="1924920"/>
+            <a:off x="731520" y="1925640"/>
             <a:ext cx="13167000" cy="4772520"/>
           </a:xfrm>
           <a:prstGeom prst="rect">
@@ -2324,7 +2382,7 @@
           <a:p>
             <a:pPr marL="432000" indent="-324000">
               <a:spcBef>
-                <a:spcPts val="1698"/>
+                <a:spcPts val="1417"/>
               </a:spcBef>
               <a:buClr>
                 <a:srgbClr val="000000"/>
@@ -2334,7 +2392,7 @@
               <a:buChar char=""/>
             </a:pPr>
             <a:r>
-              <a:rPr b="0" lang="en-IN" sz="3840" strike="noStrike" u="none">
+              <a:rPr b="0" lang="en-IN" sz="3200" strike="noStrike" u="none">
                 <a:solidFill>
                   <a:srgbClr val="000000"/>
                 </a:solidFill>
@@ -2343,7 +2401,7 @@
               </a:rPr>
               <a:t>Click to edit the outline text format</a:t>
             </a:r>
-            <a:endParaRPr b="0" lang="en-IN" sz="3840" strike="noStrike" u="none">
+            <a:endParaRPr b="0" lang="en-IN" sz="3200" strike="noStrike" u="none">
               <a:solidFill>
                 <a:srgbClr val="000000"/>
               </a:solidFill>
@@ -2354,7 +2412,7 @@
           <a:p>
             <a:pPr lvl="1" marL="864000" indent="-324000">
               <a:spcBef>
-                <a:spcPts val="1355"/>
+                <a:spcPts val="1134"/>
               </a:spcBef>
               <a:buClr>
                 <a:srgbClr val="000000"/>
@@ -2364,7 +2422,7 @@
               <a:buChar char=""/>
             </a:pPr>
             <a:r>
-              <a:rPr b="0" lang="en-IN" sz="3359" strike="noStrike" u="none">
+              <a:rPr b="0" lang="en-IN" sz="2800" strike="noStrike" u="none">
                 <a:solidFill>
                   <a:srgbClr val="000000"/>
                 </a:solidFill>
@@ -2373,7 +2431,7 @@
               </a:rPr>
               <a:t>Second Outline Level</a:t>
             </a:r>
-            <a:endParaRPr b="0" lang="en-IN" sz="3359" strike="noStrike" u="none">
+            <a:endParaRPr b="0" lang="en-IN" sz="2800" strike="noStrike" u="none">
               <a:solidFill>
                 <a:srgbClr val="000000"/>
               </a:solidFill>
@@ -2384,7 +2442,7 @@
           <a:p>
             <a:pPr lvl="2" marL="1296000" indent="-288000">
               <a:spcBef>
-                <a:spcPts val="1015"/>
+                <a:spcPts val="850"/>
               </a:spcBef>
               <a:buClr>
                 <a:srgbClr val="000000"/>
@@ -2394,7 +2452,7 @@
               <a:buChar char=""/>
             </a:pPr>
             <a:r>
-              <a:rPr b="0" lang="en-IN" sz="2880" strike="noStrike" u="none">
+              <a:rPr b="0" lang="en-IN" sz="2400" strike="noStrike" u="none">
                 <a:solidFill>
                   <a:srgbClr val="000000"/>
                 </a:solidFill>
@@ -2403,7 +2461,7 @@
               </a:rPr>
               <a:t>Third Outline Level</a:t>
             </a:r>
-            <a:endParaRPr b="0" lang="en-IN" sz="2880" strike="noStrike" u="none">
+            <a:endParaRPr b="0" lang="en-IN" sz="2400" strike="noStrike" u="none">
               <a:solidFill>
                 <a:srgbClr val="000000"/>
               </a:solidFill>
@@ -2414,7 +2472,7 @@
           <a:p>
             <a:pPr lvl="3" marL="1728000" indent="-216000">
               <a:spcBef>
-                <a:spcPts val="677"/>
+                <a:spcPts val="567"/>
               </a:spcBef>
               <a:buClr>
                 <a:srgbClr val="000000"/>
@@ -2422,6 +2480,396 @@
               <a:buSzPct val="75000"/>
               <a:buFont typeface="Symbol" charset="2"/>
               <a:buChar char=""/>
+            </a:pPr>
+            <a:r>
+              <a:rPr b="0" lang="en-IN" sz="2000" strike="noStrike" u="none">
+                <a:solidFill>
+                  <a:srgbClr val="000000"/>
+                </a:solidFill>
+                <a:uFillTx/>
+                <a:latin typeface="Arial"/>
+              </a:rPr>
+              <a:t>Fourth Outline Level</a:t>
+            </a:r>
+            <a:endParaRPr b="0" lang="en-IN" sz="2000" strike="noStrike" u="none">
+              <a:solidFill>
+                <a:srgbClr val="000000"/>
+              </a:solidFill>
+              <a:uFillTx/>
+              <a:latin typeface="Arial"/>
+            </a:endParaRPr>
+          </a:p>
+          <a:p>
+            <a:pPr lvl="4" marL="2160000" indent="-216000">
+              <a:spcBef>
+                <a:spcPts val="283"/>
+              </a:spcBef>
+              <a:buClr>
+                <a:srgbClr val="000000"/>
+              </a:buClr>
+              <a:buSzPct val="45000"/>
+              <a:buFont typeface="Wingdings" charset="2"/>
+              <a:buChar char=""/>
+            </a:pPr>
+            <a:r>
+              <a:rPr b="0" lang="en-IN" sz="2000" strike="noStrike" u="none">
+                <a:solidFill>
+                  <a:srgbClr val="000000"/>
+                </a:solidFill>
+                <a:uFillTx/>
+                <a:latin typeface="Arial"/>
+              </a:rPr>
+              <a:t>Fifth Outline Level</a:t>
+            </a:r>
+            <a:endParaRPr b="0" lang="en-IN" sz="2000" strike="noStrike" u="none">
+              <a:solidFill>
+                <a:srgbClr val="000000"/>
+              </a:solidFill>
+              <a:uFillTx/>
+              <a:latin typeface="Arial"/>
+            </a:endParaRPr>
+          </a:p>
+          <a:p>
+            <a:pPr lvl="5" marL="2592000" indent="-216000">
+              <a:spcBef>
+                <a:spcPts val="283"/>
+              </a:spcBef>
+              <a:buClr>
+                <a:srgbClr val="000000"/>
+              </a:buClr>
+              <a:buSzPct val="45000"/>
+              <a:buFont typeface="Wingdings" charset="2"/>
+              <a:buChar char=""/>
+            </a:pPr>
+            <a:r>
+              <a:rPr b="0" lang="en-IN" sz="2000" strike="noStrike" u="none">
+                <a:solidFill>
+                  <a:srgbClr val="000000"/>
+                </a:solidFill>
+                <a:uFillTx/>
+                <a:latin typeface="Arial"/>
+              </a:rPr>
+              <a:t>Sixth Outline Level</a:t>
+            </a:r>
+            <a:endParaRPr b="0" lang="en-IN" sz="2000" strike="noStrike" u="none">
+              <a:solidFill>
+                <a:srgbClr val="000000"/>
+              </a:solidFill>
+              <a:uFillTx/>
+              <a:latin typeface="Arial"/>
+            </a:endParaRPr>
+          </a:p>
+          <a:p>
+            <a:pPr lvl="6" marL="3024000" indent="-216000">
+              <a:spcBef>
+                <a:spcPts val="283"/>
+              </a:spcBef>
+              <a:buClr>
+                <a:srgbClr val="000000"/>
+              </a:buClr>
+              <a:buSzPct val="45000"/>
+              <a:buFont typeface="Wingdings" charset="2"/>
+              <a:buChar char=""/>
+            </a:pPr>
+            <a:r>
+              <a:rPr b="0" lang="en-IN" sz="2000" strike="noStrike" u="none">
+                <a:solidFill>
+                  <a:srgbClr val="000000"/>
+                </a:solidFill>
+                <a:uFillTx/>
+                <a:latin typeface="Arial"/>
+              </a:rPr>
+              <a:t>Seventh Outline Level</a:t>
+            </a:r>
+            <a:endParaRPr b="0" lang="en-IN" sz="2000" strike="noStrike" u="none">
+              <a:solidFill>
+                <a:srgbClr val="000000"/>
+              </a:solidFill>
+              <a:uFillTx/>
+              <a:latin typeface="Arial"/>
+            </a:endParaRPr>
+          </a:p>
+        </p:txBody>
+      </p:sp>
+    </p:spTree>
+  </p:cSld>
+  <p:clrMap bg1="lt1" tx1="dk1" bg2="lt2" tx2="dk2" accent1="accent1" accent2="accent2" accent3="accent3" accent4="accent4" accent5="accent5" accent6="accent6" hlink="hlink" folHlink="folHlink"/>
+  <p:sldLayoutIdLst>
+    <p:sldLayoutId id="2147483671" r:id="rId2"/>
+  </p:sldLayoutIdLst>
+</p:sldMaster>
+</file>
+
+<file path=ppt/slideMasters/slideMaster13.xml><?xml version="1.0" encoding="utf-8"?>
+<p:sldMaster xmlns:a="http://schemas.openxmlformats.org/drawingml/2006/main" xmlns:p="http://schemas.openxmlformats.org/presentationml/2006/main" xmlns:r="http://schemas.openxmlformats.org/officeDocument/2006/relationships" xmlns:p14="http://schemas.microsoft.com/office/powerpoint/2010/main" xmlns:p15="http://schemas.microsoft.com/office/powerpoint/2012/main" xmlns:mc="http://schemas.openxmlformats.org/markup-compatibility/2006">
+  <p:cSld>
+    <p:bg>
+      <p:bgPr>
+        <a:solidFill>
+          <a:srgbClr val="ffffff"/>
+        </a:solidFill>
+      </p:bgPr>
+    </p:bg>
+    <p:spTree>
+      <p:nvGrpSpPr>
+        <p:cNvPr id="1" name=""/>
+        <p:cNvGrpSpPr/>
+        <p:nvPr/>
+      </p:nvGrpSpPr>
+      <p:grpSpPr>
+        <a:xfrm>
+          <a:off x="0" y="0"/>
+          <a:ext cx="0" cy="0"/>
+          <a:chOff x="0" y="0"/>
+          <a:chExt cx="0" cy="0"/>
+        </a:xfrm>
+      </p:grpSpPr>
+      <p:pic>
+        <p:nvPicPr>
+          <p:cNvPr id="47" name="Image 0" descr="preencoded.png"/>
+          <p:cNvPicPr/>
+          <p:nvPr/>
+        </p:nvPicPr>
+        <p:blipFill>
+          <a:blip r:embed="rId2"/>
+          <a:stretch/>
+        </p:blipFill>
+        <p:spPr>
+          <a:xfrm>
+            <a:off x="0" y="0"/>
+            <a:ext cx="14628960" cy="8228160"/>
+          </a:xfrm>
+          <a:prstGeom prst="rect">
+            <a:avLst/>
+          </a:prstGeom>
+          <a:noFill/>
+          <a:ln w="0">
+            <a:noFill/>
+          </a:ln>
+        </p:spPr>
+      </p:pic>
+      <p:sp>
+        <p:nvSpPr>
+          <p:cNvPr id="48" name="Shape 0"/>
+          <p:cNvSpPr/>
+          <p:nvPr/>
+        </p:nvSpPr>
+        <p:spPr>
+          <a:xfrm>
+            <a:off x="0" y="0"/>
+            <a:ext cx="14628960" cy="8228160"/>
+          </a:xfrm>
+          <a:prstGeom prst="rect">
+            <a:avLst/>
+          </a:prstGeom>
+          <a:solidFill>
+            <a:srgbClr val="ffffff"/>
+          </a:solidFill>
+          <a:ln w="0">
+            <a:noFill/>
+          </a:ln>
+        </p:spPr>
+        <p:style>
+          <a:lnRef idx="0"/>
+          <a:fillRef idx="0"/>
+          <a:effectRef idx="0"/>
+          <a:fontRef idx="minor"/>
+        </p:style>
+        <p:txBody>
+          <a:bodyPr lIns="90000" rIns="90000" tIns="45000" bIns="45000" anchor="t">
+            <a:noAutofit/>
+          </a:bodyPr>
+          <a:p>
+            <a:pPr>
+              <a:lnSpc>
+                <a:spcPct val="100000"/>
+              </a:lnSpc>
+            </a:pPr>
+            <a:endParaRPr b="0" lang="en-IN" sz="1800" strike="noStrike" u="none">
+              <a:solidFill>
+                <a:srgbClr val="000000"/>
+              </a:solidFill>
+              <a:uFillTx/>
+              <a:latin typeface="Arial"/>
+            </a:endParaRPr>
+          </a:p>
+        </p:txBody>
+      </p:sp>
+      <p:pic>
+        <p:nvPicPr>
+          <p:cNvPr id="49" name="Image 1" descr="preencoded.png">
+            <a:hlinkClick r:id="rId3"/>
+          </p:cNvPr>
+          <p:cNvPicPr/>
+          <p:nvPr/>
+        </p:nvPicPr>
+        <p:blipFill>
+          <a:blip r:embed="rId4"/>
+          <a:stretch/>
+        </p:blipFill>
+        <p:spPr>
+          <a:xfrm>
+            <a:off x="12839040" y="7749720"/>
+            <a:ext cx="1721160" cy="410040"/>
+          </a:xfrm>
+          <a:prstGeom prst="rect">
+            <a:avLst/>
+          </a:prstGeom>
+          <a:noFill/>
+          <a:ln w="0">
+            <a:noFill/>
+          </a:ln>
+        </p:spPr>
+      </p:pic>
+      <p:sp>
+        <p:nvSpPr>
+          <p:cNvPr id="50" name="PlaceHolder 1"/>
+          <p:cNvSpPr>
+            <a:spLocks noGrp="1"/>
+          </p:cNvSpPr>
+          <p:nvPr>
+            <p:ph type="title"/>
+          </p:nvPr>
+        </p:nvSpPr>
+        <p:spPr>
+          <a:xfrm>
+            <a:off x="731520" y="328320"/>
+            <a:ext cx="13167000" cy="1373760"/>
+          </a:xfrm>
+          <a:prstGeom prst="rect">
+            <a:avLst/>
+          </a:prstGeom>
+          <a:noFill/>
+          <a:ln w="0">
+            <a:noFill/>
+          </a:ln>
+        </p:spPr>
+        <p:txBody>
+          <a:bodyPr lIns="0" rIns="0" tIns="0" bIns="0" anchor="ctr">
+            <a:noAutofit/>
+          </a:bodyPr>
+          <a:p>
+            <a:pPr indent="0" algn="ctr">
+              <a:buNone/>
+            </a:pPr>
+            <a:r>
+              <a:rPr b="0" lang="en-IN" sz="4400" strike="noStrike" u="none">
+                <a:solidFill>
+                  <a:srgbClr val="000000"/>
+                </a:solidFill>
+                <a:uFillTx/>
+                <a:latin typeface="Arial"/>
+              </a:rPr>
+              <a:t>Click to edit the title text format</a:t>
+            </a:r>
+            <a:endParaRPr b="0" lang="en-IN" sz="4400" strike="noStrike" u="none">
+              <a:solidFill>
+                <a:srgbClr val="000000"/>
+              </a:solidFill>
+              <a:uFillTx/>
+              <a:latin typeface="Arial"/>
+            </a:endParaRPr>
+          </a:p>
+        </p:txBody>
+      </p:sp>
+      <p:sp>
+        <p:nvSpPr>
+          <p:cNvPr id="51" name="PlaceHolder 2"/>
+          <p:cNvSpPr>
+            <a:spLocks noGrp="1"/>
+          </p:cNvSpPr>
+          <p:nvPr>
+            <p:ph type="body"/>
+          </p:nvPr>
+        </p:nvSpPr>
+        <p:spPr>
+          <a:xfrm>
+            <a:off x="731520" y="1925640"/>
+            <a:ext cx="13167000" cy="4772520"/>
+          </a:xfrm>
+          <a:prstGeom prst="rect">
+            <a:avLst/>
+          </a:prstGeom>
+          <a:noFill/>
+          <a:ln w="0">
+            <a:noFill/>
+          </a:ln>
+        </p:spPr>
+        <p:txBody>
+          <a:bodyPr lIns="0" rIns="0" tIns="0" bIns="0" anchor="t">
+            <a:normAutofit/>
+          </a:bodyPr>
+          <a:p>
+            <a:pPr marL="432000" indent="-324000">
+              <a:spcBef>
+                <a:spcPts val="1417"/>
+              </a:spcBef>
+              <a:buClr>
+                <a:srgbClr val="000000"/>
+              </a:buClr>
+              <a:buSzPct val="45000"/>
+              <a:buFont typeface="Wingdings" charset="2"/>
+              <a:buChar char=""/>
+            </a:pPr>
+            <a:r>
+              <a:rPr b="0" lang="en-IN" sz="3200" strike="noStrike" u="none">
+                <a:solidFill>
+                  <a:srgbClr val="000000"/>
+                </a:solidFill>
+                <a:uFillTx/>
+                <a:latin typeface="Arial"/>
+              </a:rPr>
+              <a:t>Click to edit the outline text format</a:t>
+            </a:r>
+            <a:endParaRPr b="0" lang="en-IN" sz="3200" strike="noStrike" u="none">
+              <a:solidFill>
+                <a:srgbClr val="000000"/>
+              </a:solidFill>
+              <a:uFillTx/>
+              <a:latin typeface="Arial"/>
+            </a:endParaRPr>
+          </a:p>
+          <a:p>
+            <a:pPr lvl="1" marL="864000" indent="-324000">
+              <a:spcBef>
+                <a:spcPts val="1134"/>
+              </a:spcBef>
+              <a:buClr>
+                <a:srgbClr val="000000"/>
+              </a:buClr>
+              <a:buSzPct val="75000"/>
+              <a:buFont typeface="Symbol" charset="2"/>
+              <a:buChar char=""/>
+            </a:pPr>
+            <a:r>
+              <a:rPr b="0" lang="en-IN" sz="2800" strike="noStrike" u="none">
+                <a:solidFill>
+                  <a:srgbClr val="000000"/>
+                </a:solidFill>
+                <a:uFillTx/>
+                <a:latin typeface="Arial"/>
+              </a:rPr>
+              <a:t>Second Outline Level</a:t>
+            </a:r>
+            <a:endParaRPr b="0" lang="en-IN" sz="2800" strike="noStrike" u="none">
+              <a:solidFill>
+                <a:srgbClr val="000000"/>
+              </a:solidFill>
+              <a:uFillTx/>
+              <a:latin typeface="Arial"/>
+            </a:endParaRPr>
+          </a:p>
+          <a:p>
+            <a:pPr lvl="2" marL="1296000" indent="-288000">
+              <a:spcBef>
+                <a:spcPts val="850"/>
+              </a:spcBef>
+              <a:buClr>
+                <a:srgbClr val="000000"/>
+              </a:buClr>
+              <a:buSzPct val="45000"/>
+              <a:buFont typeface="Wingdings" charset="2"/>
+              <a:buChar char=""/>
             </a:pPr>
             <a:r>
               <a:rPr b="0" lang="en-IN" sz="2400" strike="noStrike" u="none">
@@ -2431,9 +2879,39 @@
                 <a:uFillTx/>
                 <a:latin typeface="Arial"/>
               </a:rPr>
+              <a:t>Third Outline Level</a:t>
+            </a:r>
+            <a:endParaRPr b="0" lang="en-IN" sz="2400" strike="noStrike" u="none">
+              <a:solidFill>
+                <a:srgbClr val="000000"/>
+              </a:solidFill>
+              <a:uFillTx/>
+              <a:latin typeface="Arial"/>
+            </a:endParaRPr>
+          </a:p>
+          <a:p>
+            <a:pPr lvl="3" marL="1728000" indent="-216000">
+              <a:spcBef>
+                <a:spcPts val="567"/>
+              </a:spcBef>
+              <a:buClr>
+                <a:srgbClr val="000000"/>
+              </a:buClr>
+              <a:buSzPct val="75000"/>
+              <a:buFont typeface="Symbol" charset="2"/>
+              <a:buChar char=""/>
+            </a:pPr>
+            <a:r>
+              <a:rPr b="0" lang="en-IN" sz="2000" strike="noStrike" u="none">
+                <a:solidFill>
+                  <a:srgbClr val="000000"/>
+                </a:solidFill>
+                <a:uFillTx/>
+                <a:latin typeface="Arial"/>
+              </a:rPr>
               <a:t>Fourth Outline Level</a:t>
             </a:r>
-            <a:endParaRPr b="0" lang="en-IN" sz="2400" strike="noStrike" u="none">
+            <a:endParaRPr b="0" lang="en-IN" sz="2000" strike="noStrike" u="none">
               <a:solidFill>
                 <a:srgbClr val="000000"/>
               </a:solidFill>
@@ -2444,7 +2922,7 @@
           <a:p>
             <a:pPr lvl="4" marL="2160000" indent="-216000">
               <a:spcBef>
-                <a:spcPts val="334"/>
+                <a:spcPts val="283"/>
               </a:spcBef>
               <a:buClr>
                 <a:srgbClr val="000000"/>
@@ -2454,7 +2932,7 @@
               <a:buChar char=""/>
             </a:pPr>
             <a:r>
-              <a:rPr b="0" lang="en-IN" sz="2400" strike="noStrike" u="none">
+              <a:rPr b="0" lang="en-IN" sz="2000" strike="noStrike" u="none">
                 <a:solidFill>
                   <a:srgbClr val="000000"/>
                 </a:solidFill>
@@ -2463,7 +2941,7 @@
               </a:rPr>
               <a:t>Fifth Outline Level</a:t>
             </a:r>
-            <a:endParaRPr b="0" lang="en-IN" sz="2400" strike="noStrike" u="none">
+            <a:endParaRPr b="0" lang="en-IN" sz="2000" strike="noStrike" u="none">
               <a:solidFill>
                 <a:srgbClr val="000000"/>
               </a:solidFill>
@@ -2474,7 +2952,7 @@
           <a:p>
             <a:pPr lvl="5" marL="2592000" indent="-216000">
               <a:spcBef>
-                <a:spcPts val="334"/>
+                <a:spcPts val="283"/>
               </a:spcBef>
               <a:buClr>
                 <a:srgbClr val="000000"/>
@@ -2484,7 +2962,7 @@
               <a:buChar char=""/>
             </a:pPr>
             <a:r>
-              <a:rPr b="0" lang="en-IN" sz="2400" strike="noStrike" u="none">
+              <a:rPr b="0" lang="en-IN" sz="2000" strike="noStrike" u="none">
                 <a:solidFill>
                   <a:srgbClr val="000000"/>
                 </a:solidFill>
@@ -2493,7 +2971,7 @@
               </a:rPr>
               <a:t>Sixth Outline Level</a:t>
             </a:r>
-            <a:endParaRPr b="0" lang="en-IN" sz="2400" strike="noStrike" u="none">
+            <a:endParaRPr b="0" lang="en-IN" sz="2000" strike="noStrike" u="none">
               <a:solidFill>
                 <a:srgbClr val="000000"/>
               </a:solidFill>
@@ -2504,7 +2982,7 @@
           <a:p>
             <a:pPr lvl="6" marL="3024000" indent="-216000">
               <a:spcBef>
-                <a:spcPts val="334"/>
+                <a:spcPts val="283"/>
               </a:spcBef>
               <a:buClr>
                 <a:srgbClr val="000000"/>
@@ -2514,7 +2992,7 @@
               <a:buChar char=""/>
             </a:pPr>
             <a:r>
-              <a:rPr b="0" lang="en-IN" sz="2400" strike="noStrike" u="none">
+              <a:rPr b="0" lang="en-IN" sz="2000" strike="noStrike" u="none">
                 <a:solidFill>
                   <a:srgbClr val="000000"/>
                 </a:solidFill>
@@ -2523,7 +3001,7 @@
               </a:rPr>
               <a:t>Seventh Outline Level</a:t>
             </a:r>
-            <a:endParaRPr b="0" lang="en-IN" sz="2400" strike="noStrike" u="none">
+            <a:endParaRPr b="0" lang="en-IN" sz="2000" strike="noStrike" u="none">
               <a:solidFill>
                 <a:srgbClr val="000000"/>
               </a:solidFill>
@@ -2537,7 +3015,7 @@
   </p:cSld>
   <p:clrMap bg1="lt1" tx1="dk1" bg2="lt2" tx2="dk2" accent1="accent1" accent2="accent2" accent3="accent3" accent4="accent4" accent5="accent5" accent6="accent6" hlink="hlink" folHlink="folHlink"/>
   <p:sldLayoutIdLst>
-    <p:sldLayoutId id="2147483671" r:id="rId2"/>
+    <p:sldLayoutId id="2147483673" r:id="rId5"/>
   </p:sldLayoutIdLst>
 </p:sldMaster>
 </file>
@@ -2579,7 +3057,7 @@
         <p:spPr>
           <a:xfrm>
             <a:off x="0" y="0"/>
-            <a:ext cx="14630040" cy="8229240"/>
+            <a:ext cx="14628960" cy="8228160"/>
           </a:xfrm>
           <a:prstGeom prst="rect">
             <a:avLst/>
@@ -2599,7 +3077,7 @@
         <p:spPr>
           <a:xfrm>
             <a:off x="0" y="0"/>
-            <a:ext cx="14630040" cy="8229240"/>
+            <a:ext cx="14628960" cy="8228160"/>
           </a:xfrm>
           <a:prstGeom prst="rect">
             <a:avLst/>
@@ -2622,6 +3100,11 @@
             <a:noAutofit/>
           </a:bodyPr>
           <a:p>
+            <a:pPr>
+              <a:lnSpc>
+                <a:spcPct val="100000"/>
+              </a:lnSpc>
+            </a:pPr>
             <a:endParaRPr b="0" lang="en-IN" sz="1800" strike="noStrike" u="none">
               <a:solidFill>
                 <a:srgbClr val="000000"/>
@@ -2647,7 +3130,7 @@
         <p:spPr>
           <a:xfrm>
             <a:off x="12839040" y="7749720"/>
-            <a:ext cx="1722240" cy="411120"/>
+            <a:ext cx="1721160" cy="410040"/>
           </a:xfrm>
           <a:prstGeom prst="rect">
             <a:avLst/>
@@ -2704,7 +3187,7 @@
         <p:spPr>
           <a:xfrm>
             <a:off x="0" y="0"/>
-            <a:ext cx="14630040" cy="8229240"/>
+            <a:ext cx="14628960" cy="8228160"/>
           </a:xfrm>
           <a:prstGeom prst="rect">
             <a:avLst/>
@@ -2724,7 +3207,7 @@
         <p:spPr>
           <a:xfrm>
             <a:off x="0" y="0"/>
-            <a:ext cx="14630040" cy="8229240"/>
+            <a:ext cx="14628960" cy="8228160"/>
           </a:xfrm>
           <a:prstGeom prst="rect">
             <a:avLst/>
@@ -2747,6 +3230,11 @@
             <a:noAutofit/>
           </a:bodyPr>
           <a:p>
+            <a:pPr>
+              <a:lnSpc>
+                <a:spcPct val="100000"/>
+              </a:lnSpc>
+            </a:pPr>
             <a:endParaRPr b="0" lang="en-IN" sz="1800" strike="noStrike" u="none">
               <a:solidFill>
                 <a:srgbClr val="000000"/>
@@ -2772,7 +3260,7 @@
         <p:spPr>
           <a:xfrm>
             <a:off x="12839040" y="7749720"/>
-            <a:ext cx="1722240" cy="411120"/>
+            <a:ext cx="1721160" cy="410040"/>
           </a:xfrm>
           <a:prstGeom prst="rect">
             <a:avLst/>
@@ -2829,7 +3317,7 @@
         <p:spPr>
           <a:xfrm>
             <a:off x="0" y="0"/>
-            <a:ext cx="14630040" cy="8229240"/>
+            <a:ext cx="14628960" cy="8228160"/>
           </a:xfrm>
           <a:prstGeom prst="rect">
             <a:avLst/>
@@ -2849,7 +3337,7 @@
         <p:spPr>
           <a:xfrm>
             <a:off x="0" y="0"/>
-            <a:ext cx="14630040" cy="8229240"/>
+            <a:ext cx="14628960" cy="8228160"/>
           </a:xfrm>
           <a:prstGeom prst="rect">
             <a:avLst/>
@@ -2872,6 +3360,11 @@
             <a:noAutofit/>
           </a:bodyPr>
           <a:p>
+            <a:pPr>
+              <a:lnSpc>
+                <a:spcPct val="100000"/>
+              </a:lnSpc>
+            </a:pPr>
             <a:endParaRPr b="0" lang="en-IN" sz="1800" strike="noStrike" u="none">
               <a:solidFill>
                 <a:srgbClr val="000000"/>
@@ -2897,7 +3390,7 @@
         <p:spPr>
           <a:xfrm>
             <a:off x="12839040" y="7749720"/>
-            <a:ext cx="1722240" cy="411120"/>
+            <a:ext cx="1721160" cy="410040"/>
           </a:xfrm>
           <a:prstGeom prst="rect">
             <a:avLst/>
@@ -2936,25 +3429,25 @@
             <a:noAutofit/>
           </a:bodyPr>
           <a:p>
-            <a:pPr indent="0">
+            <a:pPr indent="0" algn="ctr">
               <a:buNone/>
             </a:pPr>
             <a:r>
-              <a:rPr b="0" lang="en-US" sz="1800" strike="noStrike" u="none">
+              <a:rPr b="0" lang="en-IN" sz="4400" strike="noStrike" u="none">
                 <a:solidFill>
-                  <a:schemeClr val="dk1"/>
+                  <a:srgbClr val="000000"/>
                 </a:solidFill>
                 <a:uFillTx/>
-                <a:latin typeface="Calibri"/>
+                <a:latin typeface="Arial"/>
               </a:rPr>
               <a:t>Click to edit the title text format</a:t>
             </a:r>
-            <a:endParaRPr b="0" lang="en-US" sz="1800" strike="noStrike" u="none">
-              <a:solidFill>
-                <a:schemeClr val="dk1"/>
-              </a:solidFill>
-              <a:uFillTx/>
-              <a:latin typeface="Calibri"/>
+            <a:endParaRPr b="0" lang="en-IN" sz="4400" strike="noStrike" u="none">
+              <a:solidFill>
+                <a:srgbClr val="000000"/>
+              </a:solidFill>
+              <a:uFillTx/>
+              <a:latin typeface="Arial"/>
             </a:endParaRPr>
           </a:p>
         </p:txBody>
@@ -2999,21 +3492,21 @@
               <a:buChar char=""/>
             </a:pPr>
             <a:r>
-              <a:rPr b="0" lang="en-US" sz="3200" strike="noStrike" u="none">
+              <a:rPr b="0" lang="en-IN" sz="3200" strike="noStrike" u="none">
                 <a:solidFill>
-                  <a:schemeClr val="dk1"/>
+                  <a:srgbClr val="000000"/>
                 </a:solidFill>
                 <a:uFillTx/>
-                <a:latin typeface="Calibri"/>
+                <a:latin typeface="Arial"/>
               </a:rPr>
               <a:t>Click to edit the outline text format</a:t>
             </a:r>
-            <a:endParaRPr b="0" lang="en-US" sz="3200" strike="noStrike" u="none">
-              <a:solidFill>
-                <a:schemeClr val="dk1"/>
-              </a:solidFill>
-              <a:uFillTx/>
-              <a:latin typeface="Calibri"/>
+            <a:endParaRPr b="0" lang="en-IN" sz="3200" strike="noStrike" u="none">
+              <a:solidFill>
+                <a:srgbClr val="000000"/>
+              </a:solidFill>
+              <a:uFillTx/>
+              <a:latin typeface="Arial"/>
             </a:endParaRPr>
           </a:p>
           <a:p>
@@ -3029,21 +3522,21 @@
               <a:buChar char=""/>
             </a:pPr>
             <a:r>
-              <a:rPr b="0" lang="en-US" sz="2400" strike="noStrike" u="none">
+              <a:rPr b="0" lang="en-IN" sz="2800" strike="noStrike" u="none">
                 <a:solidFill>
-                  <a:schemeClr val="dk1"/>
+                  <a:srgbClr val="000000"/>
                 </a:solidFill>
                 <a:uFillTx/>
-                <a:latin typeface="Calibri"/>
+                <a:latin typeface="Arial"/>
               </a:rPr>
               <a:t>Second Outline Level</a:t>
             </a:r>
-            <a:endParaRPr b="0" lang="en-US" sz="2400" strike="noStrike" u="none">
-              <a:solidFill>
-                <a:schemeClr val="dk1"/>
-              </a:solidFill>
-              <a:uFillTx/>
-              <a:latin typeface="Calibri"/>
+            <a:endParaRPr b="0" lang="en-IN" sz="2800" strike="noStrike" u="none">
+              <a:solidFill>
+                <a:srgbClr val="000000"/>
+              </a:solidFill>
+              <a:uFillTx/>
+              <a:latin typeface="Arial"/>
             </a:endParaRPr>
           </a:p>
           <a:p>
@@ -3059,21 +3552,21 @@
               <a:buChar char=""/>
             </a:pPr>
             <a:r>
-              <a:rPr b="0" lang="en-US" sz="2000" strike="noStrike" u="none">
+              <a:rPr b="0" lang="en-IN" sz="2400" strike="noStrike" u="none">
                 <a:solidFill>
-                  <a:schemeClr val="dk1"/>
+                  <a:srgbClr val="000000"/>
                 </a:solidFill>
                 <a:uFillTx/>
-                <a:latin typeface="Calibri"/>
+                <a:latin typeface="Arial"/>
               </a:rPr>
               <a:t>Third Outline Level</a:t>
             </a:r>
-            <a:endParaRPr b="0" lang="en-US" sz="2000" strike="noStrike" u="none">
-              <a:solidFill>
-                <a:schemeClr val="dk1"/>
-              </a:solidFill>
-              <a:uFillTx/>
-              <a:latin typeface="Calibri"/>
+            <a:endParaRPr b="0" lang="en-IN" sz="2400" strike="noStrike" u="none">
+              <a:solidFill>
+                <a:srgbClr val="000000"/>
+              </a:solidFill>
+              <a:uFillTx/>
+              <a:latin typeface="Arial"/>
             </a:endParaRPr>
           </a:p>
           <a:p>
@@ -3089,21 +3582,21 @@
               <a:buChar char=""/>
             </a:pPr>
             <a:r>
-              <a:rPr b="0" lang="en-US" sz="2000" strike="noStrike" u="none">
+              <a:rPr b="0" lang="en-IN" sz="2000" strike="noStrike" u="none">
                 <a:solidFill>
-                  <a:schemeClr val="dk1"/>
+                  <a:srgbClr val="000000"/>
                 </a:solidFill>
                 <a:uFillTx/>
-                <a:latin typeface="Calibri"/>
+                <a:latin typeface="Arial"/>
               </a:rPr>
               <a:t>Fourth Outline Level</a:t>
             </a:r>
-            <a:endParaRPr b="0" lang="en-US" sz="2000" strike="noStrike" u="none">
-              <a:solidFill>
-                <a:schemeClr val="dk1"/>
-              </a:solidFill>
-              <a:uFillTx/>
-              <a:latin typeface="Calibri"/>
+            <a:endParaRPr b="0" lang="en-IN" sz="2000" strike="noStrike" u="none">
+              <a:solidFill>
+                <a:srgbClr val="000000"/>
+              </a:solidFill>
+              <a:uFillTx/>
+              <a:latin typeface="Arial"/>
             </a:endParaRPr>
           </a:p>
           <a:p>
@@ -3119,21 +3612,21 @@
               <a:buChar char=""/>
             </a:pPr>
             <a:r>
-              <a:rPr b="0" lang="en-US" sz="2000" strike="noStrike" u="none">
+              <a:rPr b="0" lang="en-IN" sz="2000" strike="noStrike" u="none">
                 <a:solidFill>
-                  <a:schemeClr val="dk1"/>
+                  <a:srgbClr val="000000"/>
                 </a:solidFill>
                 <a:uFillTx/>
-                <a:latin typeface="Calibri"/>
+                <a:latin typeface="Arial"/>
               </a:rPr>
               <a:t>Fifth Outline Level</a:t>
             </a:r>
-            <a:endParaRPr b="0" lang="en-US" sz="2000" strike="noStrike" u="none">
-              <a:solidFill>
-                <a:schemeClr val="dk1"/>
-              </a:solidFill>
-              <a:uFillTx/>
-              <a:latin typeface="Calibri"/>
+            <a:endParaRPr b="0" lang="en-IN" sz="2000" strike="noStrike" u="none">
+              <a:solidFill>
+                <a:srgbClr val="000000"/>
+              </a:solidFill>
+              <a:uFillTx/>
+              <a:latin typeface="Arial"/>
             </a:endParaRPr>
           </a:p>
           <a:p>
@@ -3149,21 +3642,21 @@
               <a:buChar char=""/>
             </a:pPr>
             <a:r>
-              <a:rPr b="0" lang="en-US" sz="2000" strike="noStrike" u="none">
+              <a:rPr b="0" lang="en-IN" sz="2000" strike="noStrike" u="none">
                 <a:solidFill>
-                  <a:schemeClr val="dk1"/>
+                  <a:srgbClr val="000000"/>
                 </a:solidFill>
                 <a:uFillTx/>
-                <a:latin typeface="Calibri"/>
+                <a:latin typeface="Arial"/>
               </a:rPr>
               <a:t>Sixth Outline Level</a:t>
             </a:r>
-            <a:endParaRPr b="0" lang="en-US" sz="2000" strike="noStrike" u="none">
-              <a:solidFill>
-                <a:schemeClr val="dk1"/>
-              </a:solidFill>
-              <a:uFillTx/>
-              <a:latin typeface="Calibri"/>
+            <a:endParaRPr b="0" lang="en-IN" sz="2000" strike="noStrike" u="none">
+              <a:solidFill>
+                <a:srgbClr val="000000"/>
+              </a:solidFill>
+              <a:uFillTx/>
+              <a:latin typeface="Arial"/>
             </a:endParaRPr>
           </a:p>
           <a:p>
@@ -3179,21 +3672,21 @@
               <a:buChar char=""/>
             </a:pPr>
             <a:r>
-              <a:rPr b="0" lang="en-US" sz="2000" strike="noStrike" u="none">
+              <a:rPr b="0" lang="en-IN" sz="2000" strike="noStrike" u="none">
                 <a:solidFill>
-                  <a:schemeClr val="dk1"/>
+                  <a:srgbClr val="000000"/>
                 </a:solidFill>
                 <a:uFillTx/>
-                <a:latin typeface="Calibri"/>
+                <a:latin typeface="Arial"/>
               </a:rPr>
               <a:t>Seventh Outline Level</a:t>
             </a:r>
-            <a:endParaRPr b="0" lang="en-US" sz="2000" strike="noStrike" u="none">
-              <a:solidFill>
-                <a:schemeClr val="dk1"/>
-              </a:solidFill>
-              <a:uFillTx/>
-              <a:latin typeface="Calibri"/>
+            <a:endParaRPr b="0" lang="en-IN" sz="2000" strike="noStrike" u="none">
+              <a:solidFill>
+                <a:srgbClr val="000000"/>
+              </a:solidFill>
+              <a:uFillTx/>
+              <a:latin typeface="Arial"/>
             </a:endParaRPr>
           </a:p>
         </p:txBody>
@@ -3244,7 +3737,7 @@
         <p:spPr>
           <a:xfrm>
             <a:off x="0" y="0"/>
-            <a:ext cx="14630040" cy="8229240"/>
+            <a:ext cx="14628960" cy="8228160"/>
           </a:xfrm>
           <a:prstGeom prst="rect">
             <a:avLst/>
@@ -3264,7 +3757,7 @@
         <p:spPr>
           <a:xfrm>
             <a:off x="0" y="0"/>
-            <a:ext cx="14630040" cy="8229240"/>
+            <a:ext cx="14628960" cy="8228160"/>
           </a:xfrm>
           <a:prstGeom prst="rect">
             <a:avLst/>
@@ -3287,6 +3780,11 @@
             <a:noAutofit/>
           </a:bodyPr>
           <a:p>
+            <a:pPr>
+              <a:lnSpc>
+                <a:spcPct val="100000"/>
+              </a:lnSpc>
+            </a:pPr>
             <a:endParaRPr b="0" lang="en-IN" sz="1800" strike="noStrike" u="none">
               <a:solidFill>
                 <a:srgbClr val="000000"/>
@@ -3312,7 +3810,7 @@
         <p:spPr>
           <a:xfrm>
             <a:off x="12839040" y="7749720"/>
-            <a:ext cx="1722240" cy="411120"/>
+            <a:ext cx="1721160" cy="410040"/>
           </a:xfrm>
           <a:prstGeom prst="rect">
             <a:avLst/>
@@ -3351,25 +3849,25 @@
             <a:noAutofit/>
           </a:bodyPr>
           <a:p>
-            <a:pPr indent="0">
+            <a:pPr indent="0" algn="ctr">
               <a:buNone/>
             </a:pPr>
             <a:r>
-              <a:rPr b="0" lang="en-US" sz="1800" strike="noStrike" u="none">
+              <a:rPr b="0" lang="en-IN" sz="4400" strike="noStrike" u="none">
                 <a:solidFill>
-                  <a:schemeClr val="dk1"/>
+                  <a:srgbClr val="000000"/>
                 </a:solidFill>
                 <a:uFillTx/>
-                <a:latin typeface="Calibri"/>
+                <a:latin typeface="Arial"/>
               </a:rPr>
               <a:t>Click to edit the title text format</a:t>
             </a:r>
-            <a:endParaRPr b="0" lang="en-US" sz="1800" strike="noStrike" u="none">
-              <a:solidFill>
-                <a:schemeClr val="dk1"/>
-              </a:solidFill>
-              <a:uFillTx/>
-              <a:latin typeface="Calibri"/>
+            <a:endParaRPr b="0" lang="en-IN" sz="4400" strike="noStrike" u="none">
+              <a:solidFill>
+                <a:srgbClr val="000000"/>
+              </a:solidFill>
+              <a:uFillTx/>
+              <a:latin typeface="Arial"/>
             </a:endParaRPr>
           </a:p>
         </p:txBody>
@@ -3414,21 +3912,21 @@
               <a:buChar char=""/>
             </a:pPr>
             <a:r>
-              <a:rPr b="0" lang="en-US" sz="3200" strike="noStrike" u="none">
+              <a:rPr b="0" lang="en-IN" sz="3200" strike="noStrike" u="none">
                 <a:solidFill>
-                  <a:schemeClr val="dk1"/>
+                  <a:srgbClr val="000000"/>
                 </a:solidFill>
                 <a:uFillTx/>
-                <a:latin typeface="Calibri"/>
+                <a:latin typeface="Arial"/>
               </a:rPr>
               <a:t>Click to edit the outline text format</a:t>
             </a:r>
-            <a:endParaRPr b="0" lang="en-US" sz="3200" strike="noStrike" u="none">
-              <a:solidFill>
-                <a:schemeClr val="dk1"/>
-              </a:solidFill>
-              <a:uFillTx/>
-              <a:latin typeface="Calibri"/>
+            <a:endParaRPr b="0" lang="en-IN" sz="3200" strike="noStrike" u="none">
+              <a:solidFill>
+                <a:srgbClr val="000000"/>
+              </a:solidFill>
+              <a:uFillTx/>
+              <a:latin typeface="Arial"/>
             </a:endParaRPr>
           </a:p>
           <a:p>
@@ -3444,21 +3942,21 @@
               <a:buChar char=""/>
             </a:pPr>
             <a:r>
-              <a:rPr b="0" lang="en-US" sz="2400" strike="noStrike" u="none">
+              <a:rPr b="0" lang="en-IN" sz="2800" strike="noStrike" u="none">
                 <a:solidFill>
-                  <a:schemeClr val="dk1"/>
+                  <a:srgbClr val="000000"/>
                 </a:solidFill>
                 <a:uFillTx/>
-                <a:latin typeface="Calibri"/>
+                <a:latin typeface="Arial"/>
               </a:rPr>
               <a:t>Second Outline Level</a:t>
             </a:r>
-            <a:endParaRPr b="0" lang="en-US" sz="2400" strike="noStrike" u="none">
-              <a:solidFill>
-                <a:schemeClr val="dk1"/>
-              </a:solidFill>
-              <a:uFillTx/>
-              <a:latin typeface="Calibri"/>
+            <a:endParaRPr b="0" lang="en-IN" sz="2800" strike="noStrike" u="none">
+              <a:solidFill>
+                <a:srgbClr val="000000"/>
+              </a:solidFill>
+              <a:uFillTx/>
+              <a:latin typeface="Arial"/>
             </a:endParaRPr>
           </a:p>
           <a:p>
@@ -3474,21 +3972,21 @@
               <a:buChar char=""/>
             </a:pPr>
             <a:r>
-              <a:rPr b="0" lang="en-US" sz="2000" strike="noStrike" u="none">
+              <a:rPr b="0" lang="en-IN" sz="2400" strike="noStrike" u="none">
                 <a:solidFill>
-                  <a:schemeClr val="dk1"/>
+                  <a:srgbClr val="000000"/>
                 </a:solidFill>
                 <a:uFillTx/>
-                <a:latin typeface="Calibri"/>
+                <a:latin typeface="Arial"/>
               </a:rPr>
               <a:t>Third Outline Level</a:t>
             </a:r>
-            <a:endParaRPr b="0" lang="en-US" sz="2000" strike="noStrike" u="none">
-              <a:solidFill>
-                <a:schemeClr val="dk1"/>
-              </a:solidFill>
-              <a:uFillTx/>
-              <a:latin typeface="Calibri"/>
+            <a:endParaRPr b="0" lang="en-IN" sz="2400" strike="noStrike" u="none">
+              <a:solidFill>
+                <a:srgbClr val="000000"/>
+              </a:solidFill>
+              <a:uFillTx/>
+              <a:latin typeface="Arial"/>
             </a:endParaRPr>
           </a:p>
           <a:p>
@@ -3504,21 +4002,21 @@
               <a:buChar char=""/>
             </a:pPr>
             <a:r>
-              <a:rPr b="0" lang="en-US" sz="2000" strike="noStrike" u="none">
+              <a:rPr b="0" lang="en-IN" sz="2000" strike="noStrike" u="none">
                 <a:solidFill>
-                  <a:schemeClr val="dk1"/>
+                  <a:srgbClr val="000000"/>
                 </a:solidFill>
                 <a:uFillTx/>
-                <a:latin typeface="Calibri"/>
+                <a:latin typeface="Arial"/>
               </a:rPr>
               <a:t>Fourth Outline Level</a:t>
             </a:r>
-            <a:endParaRPr b="0" lang="en-US" sz="2000" strike="noStrike" u="none">
-              <a:solidFill>
-                <a:schemeClr val="dk1"/>
-              </a:solidFill>
-              <a:uFillTx/>
-              <a:latin typeface="Calibri"/>
+            <a:endParaRPr b="0" lang="en-IN" sz="2000" strike="noStrike" u="none">
+              <a:solidFill>
+                <a:srgbClr val="000000"/>
+              </a:solidFill>
+              <a:uFillTx/>
+              <a:latin typeface="Arial"/>
             </a:endParaRPr>
           </a:p>
           <a:p>
@@ -3534,21 +4032,21 @@
               <a:buChar char=""/>
             </a:pPr>
             <a:r>
-              <a:rPr b="0" lang="en-US" sz="2000" strike="noStrike" u="none">
+              <a:rPr b="0" lang="en-IN" sz="2000" strike="noStrike" u="none">
                 <a:solidFill>
-                  <a:schemeClr val="dk1"/>
+                  <a:srgbClr val="000000"/>
                 </a:solidFill>
                 <a:uFillTx/>
-                <a:latin typeface="Calibri"/>
+                <a:latin typeface="Arial"/>
               </a:rPr>
               <a:t>Fifth Outline Level</a:t>
             </a:r>
-            <a:endParaRPr b="0" lang="en-US" sz="2000" strike="noStrike" u="none">
-              <a:solidFill>
-                <a:schemeClr val="dk1"/>
-              </a:solidFill>
-              <a:uFillTx/>
-              <a:latin typeface="Calibri"/>
+            <a:endParaRPr b="0" lang="en-IN" sz="2000" strike="noStrike" u="none">
+              <a:solidFill>
+                <a:srgbClr val="000000"/>
+              </a:solidFill>
+              <a:uFillTx/>
+              <a:latin typeface="Arial"/>
             </a:endParaRPr>
           </a:p>
           <a:p>
@@ -3564,21 +4062,21 @@
               <a:buChar char=""/>
             </a:pPr>
             <a:r>
-              <a:rPr b="0" lang="en-US" sz="2000" strike="noStrike" u="none">
+              <a:rPr b="0" lang="en-IN" sz="2000" strike="noStrike" u="none">
                 <a:solidFill>
-                  <a:schemeClr val="dk1"/>
+                  <a:srgbClr val="000000"/>
                 </a:solidFill>
                 <a:uFillTx/>
-                <a:latin typeface="Calibri"/>
+                <a:latin typeface="Arial"/>
               </a:rPr>
               <a:t>Sixth Outline Level</a:t>
             </a:r>
-            <a:endParaRPr b="0" lang="en-US" sz="2000" strike="noStrike" u="none">
-              <a:solidFill>
-                <a:schemeClr val="dk1"/>
-              </a:solidFill>
-              <a:uFillTx/>
-              <a:latin typeface="Calibri"/>
+            <a:endParaRPr b="0" lang="en-IN" sz="2000" strike="noStrike" u="none">
+              <a:solidFill>
+                <a:srgbClr val="000000"/>
+              </a:solidFill>
+              <a:uFillTx/>
+              <a:latin typeface="Arial"/>
             </a:endParaRPr>
           </a:p>
           <a:p>
@@ -3594,21 +4092,21 @@
               <a:buChar char=""/>
             </a:pPr>
             <a:r>
-              <a:rPr b="0" lang="en-US" sz="2000" strike="noStrike" u="none">
+              <a:rPr b="0" lang="en-IN" sz="2000" strike="noStrike" u="none">
                 <a:solidFill>
-                  <a:schemeClr val="dk1"/>
+                  <a:srgbClr val="000000"/>
                 </a:solidFill>
                 <a:uFillTx/>
-                <a:latin typeface="Calibri"/>
+                <a:latin typeface="Arial"/>
               </a:rPr>
               <a:t>Seventh Outline Level</a:t>
             </a:r>
-            <a:endParaRPr b="0" lang="en-US" sz="2000" strike="noStrike" u="none">
-              <a:solidFill>
-                <a:schemeClr val="dk1"/>
-              </a:solidFill>
-              <a:uFillTx/>
-              <a:latin typeface="Calibri"/>
+            <a:endParaRPr b="0" lang="en-IN" sz="2000" strike="noStrike" u="none">
+              <a:solidFill>
+                <a:srgbClr val="000000"/>
+              </a:solidFill>
+              <a:uFillTx/>
+              <a:latin typeface="Arial"/>
             </a:endParaRPr>
           </a:p>
         </p:txBody>
@@ -3659,7 +4157,7 @@
         <p:spPr>
           <a:xfrm>
             <a:off x="0" y="0"/>
-            <a:ext cx="14630040" cy="8229240"/>
+            <a:ext cx="14628960" cy="8228160"/>
           </a:xfrm>
           <a:prstGeom prst="rect">
             <a:avLst/>
@@ -3679,7 +4177,7 @@
         <p:spPr>
           <a:xfrm>
             <a:off x="0" y="0"/>
-            <a:ext cx="14630040" cy="8229240"/>
+            <a:ext cx="14628960" cy="8228160"/>
           </a:xfrm>
           <a:prstGeom prst="rect">
             <a:avLst/>
@@ -3702,6 +4200,11 @@
             <a:noAutofit/>
           </a:bodyPr>
           <a:p>
+            <a:pPr>
+              <a:lnSpc>
+                <a:spcPct val="100000"/>
+              </a:lnSpc>
+            </a:pPr>
             <a:endParaRPr b="0" lang="en-IN" sz="1800" strike="noStrike" u="none">
               <a:solidFill>
                 <a:srgbClr val="000000"/>
@@ -3727,7 +4230,7 @@
         <p:spPr>
           <a:xfrm>
             <a:off x="12839040" y="7749720"/>
-            <a:ext cx="1722240" cy="411120"/>
+            <a:ext cx="1721160" cy="410040"/>
           </a:xfrm>
           <a:prstGeom prst="rect">
             <a:avLst/>
@@ -3784,7 +4287,7 @@
         <p:spPr>
           <a:xfrm>
             <a:off x="0" y="0"/>
-            <a:ext cx="14630040" cy="8229240"/>
+            <a:ext cx="14628960" cy="8228160"/>
           </a:xfrm>
           <a:prstGeom prst="rect">
             <a:avLst/>
@@ -3804,7 +4307,7 @@
         <p:spPr>
           <a:xfrm>
             <a:off x="0" y="0"/>
-            <a:ext cx="14630040" cy="8229240"/>
+            <a:ext cx="14628960" cy="8228160"/>
           </a:xfrm>
           <a:prstGeom prst="rect">
             <a:avLst/>
@@ -3827,6 +4330,11 @@
             <a:noAutofit/>
           </a:bodyPr>
           <a:p>
+            <a:pPr>
+              <a:lnSpc>
+                <a:spcPct val="100000"/>
+              </a:lnSpc>
+            </a:pPr>
             <a:endParaRPr b="0" lang="en-IN" sz="1800" strike="noStrike" u="none">
               <a:solidFill>
                 <a:srgbClr val="000000"/>
@@ -3852,7 +4360,7 @@
         <p:spPr>
           <a:xfrm>
             <a:off x="12839040" y="7749720"/>
-            <a:ext cx="1722240" cy="411120"/>
+            <a:ext cx="1721160" cy="410040"/>
           </a:xfrm>
           <a:prstGeom prst="rect">
             <a:avLst/>
@@ -3891,25 +4399,25 @@
             <a:noAutofit/>
           </a:bodyPr>
           <a:p>
-            <a:pPr indent="0">
+            <a:pPr indent="0" algn="ctr">
               <a:buNone/>
             </a:pPr>
             <a:r>
-              <a:rPr b="0" lang="en-US" sz="1800" strike="noStrike" u="none">
+              <a:rPr b="0" lang="en-IN" sz="4400" strike="noStrike" u="none">
                 <a:solidFill>
-                  <a:schemeClr val="dk1"/>
+                  <a:srgbClr val="000000"/>
                 </a:solidFill>
                 <a:uFillTx/>
-                <a:latin typeface="Calibri"/>
+                <a:latin typeface="Arial"/>
               </a:rPr>
               <a:t>Click to edit the title text format</a:t>
             </a:r>
-            <a:endParaRPr b="0" lang="en-US" sz="1800" strike="noStrike" u="none">
-              <a:solidFill>
-                <a:schemeClr val="dk1"/>
-              </a:solidFill>
-              <a:uFillTx/>
-              <a:latin typeface="Calibri"/>
+            <a:endParaRPr b="0" lang="en-IN" sz="4400" strike="noStrike" u="none">
+              <a:solidFill>
+                <a:srgbClr val="000000"/>
+              </a:solidFill>
+              <a:uFillTx/>
+              <a:latin typeface="Arial"/>
             </a:endParaRPr>
           </a:p>
         </p:txBody>
@@ -3954,21 +4462,21 @@
               <a:buChar char=""/>
             </a:pPr>
             <a:r>
-              <a:rPr b="0" lang="en-US" sz="3200" strike="noStrike" u="none">
+              <a:rPr b="0" lang="en-IN" sz="3200" strike="noStrike" u="none">
                 <a:solidFill>
-                  <a:schemeClr val="dk1"/>
+                  <a:srgbClr val="000000"/>
                 </a:solidFill>
                 <a:uFillTx/>
-                <a:latin typeface="Calibri"/>
+                <a:latin typeface="Arial"/>
               </a:rPr>
               <a:t>Click to edit the outline text format</a:t>
             </a:r>
-            <a:endParaRPr b="0" lang="en-US" sz="3200" strike="noStrike" u="none">
-              <a:solidFill>
-                <a:schemeClr val="dk1"/>
-              </a:solidFill>
-              <a:uFillTx/>
-              <a:latin typeface="Calibri"/>
+            <a:endParaRPr b="0" lang="en-IN" sz="3200" strike="noStrike" u="none">
+              <a:solidFill>
+                <a:srgbClr val="000000"/>
+              </a:solidFill>
+              <a:uFillTx/>
+              <a:latin typeface="Arial"/>
             </a:endParaRPr>
           </a:p>
           <a:p>
@@ -3984,21 +4492,21 @@
               <a:buChar char=""/>
             </a:pPr>
             <a:r>
-              <a:rPr b="0" lang="en-US" sz="2400" strike="noStrike" u="none">
+              <a:rPr b="0" lang="en-IN" sz="2800" strike="noStrike" u="none">
                 <a:solidFill>
-                  <a:schemeClr val="dk1"/>
+                  <a:srgbClr val="000000"/>
                 </a:solidFill>
                 <a:uFillTx/>
-                <a:latin typeface="Calibri"/>
+                <a:latin typeface="Arial"/>
               </a:rPr>
               <a:t>Second Outline Level</a:t>
             </a:r>
-            <a:endParaRPr b="0" lang="en-US" sz="2400" strike="noStrike" u="none">
-              <a:solidFill>
-                <a:schemeClr val="dk1"/>
-              </a:solidFill>
-              <a:uFillTx/>
-              <a:latin typeface="Calibri"/>
+            <a:endParaRPr b="0" lang="en-IN" sz="2800" strike="noStrike" u="none">
+              <a:solidFill>
+                <a:srgbClr val="000000"/>
+              </a:solidFill>
+              <a:uFillTx/>
+              <a:latin typeface="Arial"/>
             </a:endParaRPr>
           </a:p>
           <a:p>
@@ -4014,21 +4522,21 @@
               <a:buChar char=""/>
             </a:pPr>
             <a:r>
-              <a:rPr b="0" lang="en-US" sz="2000" strike="noStrike" u="none">
+              <a:rPr b="0" lang="en-IN" sz="2400" strike="noStrike" u="none">
                 <a:solidFill>
-                  <a:schemeClr val="dk1"/>
+                  <a:srgbClr val="000000"/>
                 </a:solidFill>
                 <a:uFillTx/>
-                <a:latin typeface="Calibri"/>
+                <a:latin typeface="Arial"/>
               </a:rPr>
               <a:t>Third Outline Level</a:t>
             </a:r>
-            <a:endParaRPr b="0" lang="en-US" sz="2000" strike="noStrike" u="none">
-              <a:solidFill>
-                <a:schemeClr val="dk1"/>
-              </a:solidFill>
-              <a:uFillTx/>
-              <a:latin typeface="Calibri"/>
+            <a:endParaRPr b="0" lang="en-IN" sz="2400" strike="noStrike" u="none">
+              <a:solidFill>
+                <a:srgbClr val="000000"/>
+              </a:solidFill>
+              <a:uFillTx/>
+              <a:latin typeface="Arial"/>
             </a:endParaRPr>
           </a:p>
           <a:p>
@@ -4044,21 +4552,21 @@
               <a:buChar char=""/>
             </a:pPr>
             <a:r>
-              <a:rPr b="0" lang="en-US" sz="2000" strike="noStrike" u="none">
+              <a:rPr b="0" lang="en-IN" sz="2000" strike="noStrike" u="none">
                 <a:solidFill>
-                  <a:schemeClr val="dk1"/>
+                  <a:srgbClr val="000000"/>
                 </a:solidFill>
                 <a:uFillTx/>
-                <a:latin typeface="Calibri"/>
+                <a:latin typeface="Arial"/>
               </a:rPr>
               <a:t>Fourth Outline Level</a:t>
             </a:r>
-            <a:endParaRPr b="0" lang="en-US" sz="2000" strike="noStrike" u="none">
-              <a:solidFill>
-                <a:schemeClr val="dk1"/>
-              </a:solidFill>
-              <a:uFillTx/>
-              <a:latin typeface="Calibri"/>
+            <a:endParaRPr b="0" lang="en-IN" sz="2000" strike="noStrike" u="none">
+              <a:solidFill>
+                <a:srgbClr val="000000"/>
+              </a:solidFill>
+              <a:uFillTx/>
+              <a:latin typeface="Arial"/>
             </a:endParaRPr>
           </a:p>
           <a:p>
@@ -4074,21 +4582,21 @@
               <a:buChar char=""/>
             </a:pPr>
             <a:r>
-              <a:rPr b="0" lang="en-US" sz="2000" strike="noStrike" u="none">
+              <a:rPr b="0" lang="en-IN" sz="2000" strike="noStrike" u="none">
                 <a:solidFill>
-                  <a:schemeClr val="dk1"/>
+                  <a:srgbClr val="000000"/>
                 </a:solidFill>
                 <a:uFillTx/>
-                <a:latin typeface="Calibri"/>
+                <a:latin typeface="Arial"/>
               </a:rPr>
               <a:t>Fifth Outline Level</a:t>
             </a:r>
-            <a:endParaRPr b="0" lang="en-US" sz="2000" strike="noStrike" u="none">
-              <a:solidFill>
-                <a:schemeClr val="dk1"/>
-              </a:solidFill>
-              <a:uFillTx/>
-              <a:latin typeface="Calibri"/>
+            <a:endParaRPr b="0" lang="en-IN" sz="2000" strike="noStrike" u="none">
+              <a:solidFill>
+                <a:srgbClr val="000000"/>
+              </a:solidFill>
+              <a:uFillTx/>
+              <a:latin typeface="Arial"/>
             </a:endParaRPr>
           </a:p>
           <a:p>
@@ -4104,21 +4612,21 @@
               <a:buChar char=""/>
             </a:pPr>
             <a:r>
-              <a:rPr b="0" lang="en-US" sz="2000" strike="noStrike" u="none">
+              <a:rPr b="0" lang="en-IN" sz="2000" strike="noStrike" u="none">
                 <a:solidFill>
-                  <a:schemeClr val="dk1"/>
+                  <a:srgbClr val="000000"/>
                 </a:solidFill>
                 <a:uFillTx/>
-                <a:latin typeface="Calibri"/>
+                <a:latin typeface="Arial"/>
               </a:rPr>
               <a:t>Sixth Outline Level</a:t>
             </a:r>
-            <a:endParaRPr b="0" lang="en-US" sz="2000" strike="noStrike" u="none">
-              <a:solidFill>
-                <a:schemeClr val="dk1"/>
-              </a:solidFill>
-              <a:uFillTx/>
-              <a:latin typeface="Calibri"/>
+            <a:endParaRPr b="0" lang="en-IN" sz="2000" strike="noStrike" u="none">
+              <a:solidFill>
+                <a:srgbClr val="000000"/>
+              </a:solidFill>
+              <a:uFillTx/>
+              <a:latin typeface="Arial"/>
             </a:endParaRPr>
           </a:p>
           <a:p>
@@ -4134,21 +4642,21 @@
               <a:buChar char=""/>
             </a:pPr>
             <a:r>
-              <a:rPr b="0" lang="en-US" sz="2000" strike="noStrike" u="none">
+              <a:rPr b="0" lang="en-IN" sz="2000" strike="noStrike" u="none">
                 <a:solidFill>
-                  <a:schemeClr val="dk1"/>
+                  <a:srgbClr val="000000"/>
                 </a:solidFill>
                 <a:uFillTx/>
-                <a:latin typeface="Calibri"/>
+                <a:latin typeface="Arial"/>
               </a:rPr>
               <a:t>Seventh Outline Level</a:t>
             </a:r>
-            <a:endParaRPr b="0" lang="en-US" sz="2000" strike="noStrike" u="none">
-              <a:solidFill>
-                <a:schemeClr val="dk1"/>
-              </a:solidFill>
-              <a:uFillTx/>
-              <a:latin typeface="Calibri"/>
+            <a:endParaRPr b="0" lang="en-IN" sz="2000" strike="noStrike" u="none">
+              <a:solidFill>
+                <a:srgbClr val="000000"/>
+              </a:solidFill>
+              <a:uFillTx/>
+              <a:latin typeface="Arial"/>
             </a:endParaRPr>
           </a:p>
         </p:txBody>
@@ -4199,7 +4707,7 @@
         <p:spPr>
           <a:xfrm>
             <a:off x="0" y="0"/>
-            <a:ext cx="14630040" cy="8229240"/>
+            <a:ext cx="14628960" cy="8228160"/>
           </a:xfrm>
           <a:prstGeom prst="rect">
             <a:avLst/>
@@ -4219,7 +4727,7 @@
         <p:spPr>
           <a:xfrm>
             <a:off x="0" y="0"/>
-            <a:ext cx="14630040" cy="8229240"/>
+            <a:ext cx="14628960" cy="8228160"/>
           </a:xfrm>
           <a:prstGeom prst="rect">
             <a:avLst/>
@@ -4242,6 +4750,11 @@
             <a:noAutofit/>
           </a:bodyPr>
           <a:p>
+            <a:pPr>
+              <a:lnSpc>
+                <a:spcPct val="100000"/>
+              </a:lnSpc>
+            </a:pPr>
             <a:endParaRPr b="0" lang="en-IN" sz="1800" strike="noStrike" u="none">
               <a:solidFill>
                 <a:srgbClr val="000000"/>
@@ -4267,7 +4780,7 @@
         <p:spPr>
           <a:xfrm>
             <a:off x="12839040" y="7749720"/>
-            <a:ext cx="1722240" cy="411120"/>
+            <a:ext cx="1721160" cy="410040"/>
           </a:xfrm>
           <a:prstGeom prst="rect">
             <a:avLst/>
@@ -4324,7 +4837,7 @@
         <p:spPr>
           <a:xfrm>
             <a:off x="0" y="0"/>
-            <a:ext cx="14630040" cy="8229240"/>
+            <a:ext cx="14628960" cy="8228160"/>
           </a:xfrm>
           <a:prstGeom prst="rect">
             <a:avLst/>
@@ -4344,7 +4857,7 @@
         <p:spPr>
           <a:xfrm>
             <a:off x="0" y="0"/>
-            <a:ext cx="14630040" cy="8229240"/>
+            <a:ext cx="14628960" cy="8228160"/>
           </a:xfrm>
           <a:prstGeom prst="rect">
             <a:avLst/>
@@ -4367,6 +4880,11 @@
             <a:noAutofit/>
           </a:bodyPr>
           <a:p>
+            <a:pPr>
+              <a:lnSpc>
+                <a:spcPct val="100000"/>
+              </a:lnSpc>
+            </a:pPr>
             <a:endParaRPr b="0" lang="en-IN" sz="1800" strike="noStrike" u="none">
               <a:solidFill>
                 <a:srgbClr val="000000"/>
@@ -4392,7 +4910,7 @@
         <p:spPr>
           <a:xfrm>
             <a:off x="12839040" y="7749720"/>
-            <a:ext cx="1722240" cy="411120"/>
+            <a:ext cx="1721160" cy="410040"/>
           </a:xfrm>
           <a:prstGeom prst="rect">
             <a:avLst/>
@@ -4431,25 +4949,25 @@
             <a:noAutofit/>
           </a:bodyPr>
           <a:p>
-            <a:pPr indent="0">
+            <a:pPr indent="0" algn="ctr">
               <a:buNone/>
             </a:pPr>
             <a:r>
-              <a:rPr b="0" lang="en-US" sz="1800" strike="noStrike" u="none">
+              <a:rPr b="0" lang="en-IN" sz="4400" strike="noStrike" u="none">
                 <a:solidFill>
-                  <a:schemeClr val="dk1"/>
+                  <a:srgbClr val="000000"/>
                 </a:solidFill>
                 <a:uFillTx/>
-                <a:latin typeface="Calibri"/>
+                <a:latin typeface="Arial"/>
               </a:rPr>
               <a:t>Click to edit the title text format</a:t>
             </a:r>
-            <a:endParaRPr b="0" lang="en-US" sz="1800" strike="noStrike" u="none">
-              <a:solidFill>
-                <a:schemeClr val="dk1"/>
-              </a:solidFill>
-              <a:uFillTx/>
-              <a:latin typeface="Calibri"/>
+            <a:endParaRPr b="0" lang="en-IN" sz="4400" strike="noStrike" u="none">
+              <a:solidFill>
+                <a:srgbClr val="000000"/>
+              </a:solidFill>
+              <a:uFillTx/>
+              <a:latin typeface="Arial"/>
             </a:endParaRPr>
           </a:p>
         </p:txBody>
@@ -4494,21 +5012,21 @@
               <a:buChar char=""/>
             </a:pPr>
             <a:r>
-              <a:rPr b="0" lang="en-US" sz="3200" strike="noStrike" u="none">
+              <a:rPr b="0" lang="en-IN" sz="3200" strike="noStrike" u="none">
                 <a:solidFill>
-                  <a:schemeClr val="dk1"/>
+                  <a:srgbClr val="000000"/>
                 </a:solidFill>
                 <a:uFillTx/>
-                <a:latin typeface="Calibri"/>
+                <a:latin typeface="Arial"/>
               </a:rPr>
               <a:t>Click to edit the outline text format</a:t>
             </a:r>
-            <a:endParaRPr b="0" lang="en-US" sz="3200" strike="noStrike" u="none">
-              <a:solidFill>
-                <a:schemeClr val="dk1"/>
-              </a:solidFill>
-              <a:uFillTx/>
-              <a:latin typeface="Calibri"/>
+            <a:endParaRPr b="0" lang="en-IN" sz="3200" strike="noStrike" u="none">
+              <a:solidFill>
+                <a:srgbClr val="000000"/>
+              </a:solidFill>
+              <a:uFillTx/>
+              <a:latin typeface="Arial"/>
             </a:endParaRPr>
           </a:p>
           <a:p>
@@ -4524,21 +5042,21 @@
               <a:buChar char=""/>
             </a:pPr>
             <a:r>
-              <a:rPr b="0" lang="en-US" sz="2400" strike="noStrike" u="none">
+              <a:rPr b="0" lang="en-IN" sz="2800" strike="noStrike" u="none">
                 <a:solidFill>
-                  <a:schemeClr val="dk1"/>
+                  <a:srgbClr val="000000"/>
                 </a:solidFill>
                 <a:uFillTx/>
-                <a:latin typeface="Calibri"/>
+                <a:latin typeface="Arial"/>
               </a:rPr>
               <a:t>Second Outline Level</a:t>
             </a:r>
-            <a:endParaRPr b="0" lang="en-US" sz="2400" strike="noStrike" u="none">
-              <a:solidFill>
-                <a:schemeClr val="dk1"/>
-              </a:solidFill>
-              <a:uFillTx/>
-              <a:latin typeface="Calibri"/>
+            <a:endParaRPr b="0" lang="en-IN" sz="2800" strike="noStrike" u="none">
+              <a:solidFill>
+                <a:srgbClr val="000000"/>
+              </a:solidFill>
+              <a:uFillTx/>
+              <a:latin typeface="Arial"/>
             </a:endParaRPr>
           </a:p>
           <a:p>
@@ -4554,21 +5072,21 @@
               <a:buChar char=""/>
             </a:pPr>
             <a:r>
-              <a:rPr b="0" lang="en-US" sz="2000" strike="noStrike" u="none">
+              <a:rPr b="0" lang="en-IN" sz="2400" strike="noStrike" u="none">
                 <a:solidFill>
-                  <a:schemeClr val="dk1"/>
+                  <a:srgbClr val="000000"/>
                 </a:solidFill>
                 <a:uFillTx/>
-                <a:latin typeface="Calibri"/>
+                <a:latin typeface="Arial"/>
               </a:rPr>
               <a:t>Third Outline Level</a:t>
             </a:r>
-            <a:endParaRPr b="0" lang="en-US" sz="2000" strike="noStrike" u="none">
-              <a:solidFill>
-                <a:schemeClr val="dk1"/>
-              </a:solidFill>
-              <a:uFillTx/>
-              <a:latin typeface="Calibri"/>
+            <a:endParaRPr b="0" lang="en-IN" sz="2400" strike="noStrike" u="none">
+              <a:solidFill>
+                <a:srgbClr val="000000"/>
+              </a:solidFill>
+              <a:uFillTx/>
+              <a:latin typeface="Arial"/>
             </a:endParaRPr>
           </a:p>
           <a:p>
@@ -4584,21 +5102,21 @@
               <a:buChar char=""/>
             </a:pPr>
             <a:r>
-              <a:rPr b="0" lang="en-US" sz="2000" strike="noStrike" u="none">
+              <a:rPr b="0" lang="en-IN" sz="2000" strike="noStrike" u="none">
                 <a:solidFill>
-                  <a:schemeClr val="dk1"/>
+                  <a:srgbClr val="000000"/>
                 </a:solidFill>
                 <a:uFillTx/>
-                <a:latin typeface="Calibri"/>
+                <a:latin typeface="Arial"/>
               </a:rPr>
               <a:t>Fourth Outline Level</a:t>
             </a:r>
-            <a:endParaRPr b="0" lang="en-US" sz="2000" strike="noStrike" u="none">
-              <a:solidFill>
-                <a:schemeClr val="dk1"/>
-              </a:solidFill>
-              <a:uFillTx/>
-              <a:latin typeface="Calibri"/>
+            <a:endParaRPr b="0" lang="en-IN" sz="2000" strike="noStrike" u="none">
+              <a:solidFill>
+                <a:srgbClr val="000000"/>
+              </a:solidFill>
+              <a:uFillTx/>
+              <a:latin typeface="Arial"/>
             </a:endParaRPr>
           </a:p>
           <a:p>
@@ -4614,21 +5132,21 @@
               <a:buChar char=""/>
             </a:pPr>
             <a:r>
-              <a:rPr b="0" lang="en-US" sz="2000" strike="noStrike" u="none">
+              <a:rPr b="0" lang="en-IN" sz="2000" strike="noStrike" u="none">
                 <a:solidFill>
-                  <a:schemeClr val="dk1"/>
+                  <a:srgbClr val="000000"/>
                 </a:solidFill>
                 <a:uFillTx/>
-                <a:latin typeface="Calibri"/>
+                <a:latin typeface="Arial"/>
               </a:rPr>
               <a:t>Fifth Outline Level</a:t>
             </a:r>
-            <a:endParaRPr b="0" lang="en-US" sz="2000" strike="noStrike" u="none">
-              <a:solidFill>
-                <a:schemeClr val="dk1"/>
-              </a:solidFill>
-              <a:uFillTx/>
-              <a:latin typeface="Calibri"/>
+            <a:endParaRPr b="0" lang="en-IN" sz="2000" strike="noStrike" u="none">
+              <a:solidFill>
+                <a:srgbClr val="000000"/>
+              </a:solidFill>
+              <a:uFillTx/>
+              <a:latin typeface="Arial"/>
             </a:endParaRPr>
           </a:p>
           <a:p>
@@ -4644,21 +5162,21 @@
               <a:buChar char=""/>
             </a:pPr>
             <a:r>
-              <a:rPr b="0" lang="en-US" sz="2000" strike="noStrike" u="none">
+              <a:rPr b="0" lang="en-IN" sz="2000" strike="noStrike" u="none">
                 <a:solidFill>
-                  <a:schemeClr val="dk1"/>
+                  <a:srgbClr val="000000"/>
                 </a:solidFill>
                 <a:uFillTx/>
-                <a:latin typeface="Calibri"/>
+                <a:latin typeface="Arial"/>
               </a:rPr>
               <a:t>Sixth Outline Level</a:t>
             </a:r>
-            <a:endParaRPr b="0" lang="en-US" sz="2000" strike="noStrike" u="none">
-              <a:solidFill>
-                <a:schemeClr val="dk1"/>
-              </a:solidFill>
-              <a:uFillTx/>
-              <a:latin typeface="Calibri"/>
+            <a:endParaRPr b="0" lang="en-IN" sz="2000" strike="noStrike" u="none">
+              <a:solidFill>
+                <a:srgbClr val="000000"/>
+              </a:solidFill>
+              <a:uFillTx/>
+              <a:latin typeface="Arial"/>
             </a:endParaRPr>
           </a:p>
           <a:p>
@@ -4674,21 +5192,21 @@
               <a:buChar char=""/>
             </a:pPr>
             <a:r>
-              <a:rPr b="0" lang="en-US" sz="2000" strike="noStrike" u="none">
+              <a:rPr b="0" lang="en-IN" sz="2000" strike="noStrike" u="none">
                 <a:solidFill>
-                  <a:schemeClr val="dk1"/>
+                  <a:srgbClr val="000000"/>
                 </a:solidFill>
                 <a:uFillTx/>
-                <a:latin typeface="Calibri"/>
+                <a:latin typeface="Arial"/>
               </a:rPr>
               <a:t>Seventh Outline Level</a:t>
             </a:r>
-            <a:endParaRPr b="0" lang="en-US" sz="2000" strike="noStrike" u="none">
-              <a:solidFill>
-                <a:schemeClr val="dk1"/>
-              </a:solidFill>
-              <a:uFillTx/>
-              <a:latin typeface="Calibri"/>
+            <a:endParaRPr b="0" lang="en-IN" sz="2000" strike="noStrike" u="none">
+              <a:solidFill>
+                <a:srgbClr val="000000"/>
+              </a:solidFill>
+              <a:uFillTx/>
+              <a:latin typeface="Arial"/>
             </a:endParaRPr>
           </a:p>
         </p:txBody>
@@ -4721,7 +5239,7 @@
       </p:grpSpPr>
       <p:pic>
         <p:nvPicPr>
-          <p:cNvPr id="53" name="" descr=""/>
+          <p:cNvPr id="58" name="" descr=""/>
           <p:cNvPicPr/>
           <p:nvPr/>
         </p:nvPicPr>
@@ -4732,7 +5250,7 @@
         <p:spPr>
           <a:xfrm>
             <a:off x="1646640" y="1129320"/>
-            <a:ext cx="11312280" cy="4534920"/>
+            <a:ext cx="11311200" cy="4533840"/>
           </a:xfrm>
           <a:prstGeom prst="rect">
             <a:avLst/>
@@ -4745,7 +5263,7 @@
       </p:pic>
       <p:pic>
         <p:nvPicPr>
-          <p:cNvPr id="54" name="" descr=""/>
+          <p:cNvPr id="59" name="" descr=""/>
           <p:cNvPicPr/>
           <p:nvPr/>
         </p:nvPicPr>
@@ -4756,7 +5274,7 @@
         <p:spPr>
           <a:xfrm>
             <a:off x="12311280" y="0"/>
-            <a:ext cx="2341800" cy="1130040"/>
+            <a:ext cx="2340720" cy="1128960"/>
           </a:xfrm>
           <a:prstGeom prst="rect">
             <a:avLst/>
@@ -4769,14 +5287,14 @@
       </p:pic>
       <p:sp>
         <p:nvSpPr>
-          <p:cNvPr id="55" name=""/>
+          <p:cNvPr id="60" name=""/>
           <p:cNvSpPr/>
           <p:nvPr/>
         </p:nvSpPr>
         <p:spPr>
           <a:xfrm>
             <a:off x="3888000" y="5831280"/>
-            <a:ext cx="8207640" cy="1511640"/>
+            <a:ext cx="8206560" cy="1510560"/>
           </a:xfrm>
           <a:prstGeom prst="rect">
             <a:avLst/>
@@ -4854,13 +5372,13 @@
       </p:grpSpPr>
       <p:graphicFrame>
         <p:nvGraphicFramePr>
-          <p:cNvPr id="56" name="Table 1"/>
+          <p:cNvPr id="61" name="Table 1"/>
           <p:cNvGraphicFramePr/>
           <p:nvPr/>
         </p:nvGraphicFramePr>
         <p:xfrm>
           <a:off x="2438280" y="1449720"/>
-          <a:ext cx="9753120" cy="4560480"/>
+          <a:ext cx="9752760" cy="4559400"/>
         </p:xfrm>
         <a:graphic>
           <a:graphicData uri="http://schemas.openxmlformats.org/drawingml/2006/table">
@@ -4877,6 +5395,11 @@
                       <a:noAutofit/>
                     </a:bodyPr>
                     <a:p>
+                      <a:pPr>
+                        <a:lnSpc>
+                          <a:spcPct val="100000"/>
+                        </a:lnSpc>
+                      </a:pPr>
                       <a:endParaRPr b="1" lang="en-IN" sz="1800" strike="noStrike" u="none">
                         <a:solidFill>
                           <a:schemeClr val="lt1"/>
@@ -4922,6 +5445,11 @@
                       <a:noAutofit/>
                     </a:bodyPr>
                     <a:p>
+                      <a:pPr>
+                        <a:lnSpc>
+                          <a:spcPct val="100000"/>
+                        </a:lnSpc>
+                      </a:pPr>
                       <a:endParaRPr b="1" lang="en-IN" sz="1800" strike="noStrike" u="none">
                         <a:solidFill>
                           <a:schemeClr val="lt1"/>
@@ -5584,14 +6112,14 @@
       </p:graphicFrame>
       <p:sp>
         <p:nvSpPr>
-          <p:cNvPr id="57" name="TextBox 3"/>
+          <p:cNvPr id="62" name="TextBox 3"/>
           <p:cNvSpPr/>
           <p:nvPr/>
         </p:nvSpPr>
         <p:spPr>
           <a:xfrm>
             <a:off x="7890840" y="1591200"/>
-            <a:ext cx="3364560" cy="516600"/>
+            <a:ext cx="3363480" cy="516600"/>
           </a:xfrm>
           <a:prstGeom prst="rect">
             <a:avLst/>
@@ -5639,14 +6167,14 @@
       </p:sp>
       <p:sp>
         <p:nvSpPr>
-          <p:cNvPr id="58" name="TextBox 4"/>
+          <p:cNvPr id="63" name="TextBox 4"/>
           <p:cNvSpPr/>
           <p:nvPr/>
         </p:nvSpPr>
         <p:spPr>
           <a:xfrm>
             <a:off x="3583080" y="1590840"/>
-            <a:ext cx="2299320" cy="516600"/>
+            <a:ext cx="2298240" cy="516600"/>
           </a:xfrm>
           <a:prstGeom prst="rect">
             <a:avLst/>
@@ -5724,14 +6252,14 @@
       </p:grpSpPr>
       <p:sp>
         <p:nvSpPr>
-          <p:cNvPr id="59" name="Text 0"/>
+          <p:cNvPr id="64" name=""/>
           <p:cNvSpPr/>
           <p:nvPr/>
         </p:nvSpPr>
         <p:spPr>
           <a:xfrm>
-            <a:off x="793800" y="2721240"/>
-            <a:ext cx="10259640" cy="708480"/>
+            <a:off x="720000" y="540000"/>
+            <a:ext cx="12239280" cy="6839280"/>
           </a:xfrm>
           <a:prstGeom prst="rect">
             <a:avLst/>
@@ -5748,328 +6276,141 @@
           <a:fontRef idx="minor"/>
         </p:style>
         <p:txBody>
-          <a:bodyPr wrap="none" lIns="0" rIns="0" tIns="0" bIns="0" anchor="t">
+          <a:bodyPr lIns="90000" rIns="90000" tIns="45000" bIns="45000" anchor="t">
             <a:noAutofit/>
           </a:bodyPr>
           <a:p>
-            <a:pPr defTabSz="914400">
-              <a:lnSpc>
-                <a:spcPts val="5550"/>
-              </a:lnSpc>
-              <a:tabLst>
-                <a:tab algn="l" pos="0"/>
-              </a:tabLst>
-            </a:pPr>
-            <a:r>
-              <a:rPr b="1" lang="en-US" sz="4450" strike="noStrike" u="none">
-                <a:solidFill>
-                  <a:srgbClr val="403c4e"/>
-                </a:solidFill>
-                <a:uFillTx/>
-                <a:latin typeface="Merriweather Bold"/>
-                <a:ea typeface="Merriweather Bold"/>
-              </a:rPr>
-              <a:t>Introduction to ESP32-CAM Module</a:t>
-            </a:r>
-            <a:endParaRPr b="0" lang="en-IN" sz="4450" strike="noStrike" u="none">
-              <a:solidFill>
-                <a:srgbClr val="000000"/>
-              </a:solidFill>
-              <a:uFillTx/>
-              <a:latin typeface="Arial"/>
-            </a:endParaRPr>
-          </a:p>
-        </p:txBody>
-      </p:sp>
-      <p:sp>
-        <p:nvSpPr>
-          <p:cNvPr id="60" name="Text 1"/>
-          <p:cNvSpPr/>
-          <p:nvPr/>
-        </p:nvSpPr>
-        <p:spPr>
-          <a:xfrm>
-            <a:off x="793800" y="3997080"/>
-            <a:ext cx="2835000" cy="353880"/>
-          </a:xfrm>
-          <a:prstGeom prst="rect">
-            <a:avLst/>
-          </a:prstGeom>
-          <a:noFill/>
-          <a:ln w="0">
-            <a:noFill/>
-          </a:ln>
-        </p:spPr>
-        <p:style>
-          <a:lnRef idx="0"/>
-          <a:fillRef idx="0"/>
-          <a:effectRef idx="0"/>
-          <a:fontRef idx="minor"/>
-        </p:style>
-        <p:txBody>
-          <a:bodyPr wrap="none" lIns="0" rIns="0" tIns="0" bIns="0" anchor="t">
-            <a:noAutofit/>
-          </a:bodyPr>
-          <a:p>
-            <a:pPr defTabSz="914400">
-              <a:lnSpc>
-                <a:spcPts val="2750"/>
-              </a:lnSpc>
-              <a:tabLst>
-                <a:tab algn="l" pos="0"/>
-              </a:tabLst>
-            </a:pPr>
-            <a:r>
-              <a:rPr b="1" lang="en-US" sz="2200" strike="noStrike" u="none">
-                <a:solidFill>
-                  <a:srgbClr val="403c4e"/>
-                </a:solidFill>
-                <a:uFillTx/>
-                <a:latin typeface="Merriweather Bold"/>
-                <a:ea typeface="Merriweather Bold"/>
-              </a:rPr>
-              <a:t>ESP32-CAM</a:t>
-            </a:r>
-            <a:endParaRPr b="0" lang="en-IN" sz="2200" strike="noStrike" u="none">
-              <a:solidFill>
-                <a:srgbClr val="000000"/>
-              </a:solidFill>
-              <a:uFillTx/>
-              <a:latin typeface="Arial"/>
-            </a:endParaRPr>
-          </a:p>
-        </p:txBody>
-      </p:sp>
-      <p:sp>
-        <p:nvSpPr>
-          <p:cNvPr id="61" name="Text 2"/>
-          <p:cNvSpPr/>
-          <p:nvPr/>
-        </p:nvSpPr>
-        <p:spPr>
-          <a:xfrm>
-            <a:off x="793800" y="4578480"/>
-            <a:ext cx="6244200" cy="725400"/>
-          </a:xfrm>
-          <a:prstGeom prst="rect">
-            <a:avLst/>
-          </a:prstGeom>
-          <a:noFill/>
-          <a:ln w="0">
-            <a:noFill/>
-          </a:ln>
-        </p:spPr>
-        <p:style>
-          <a:lnRef idx="0"/>
-          <a:fillRef idx="0"/>
-          <a:effectRef idx="0"/>
-          <a:fontRef idx="minor"/>
-        </p:style>
-        <p:txBody>
-          <a:bodyPr lIns="0" rIns="0" tIns="0" bIns="0" anchor="t">
-            <a:noAutofit/>
-          </a:bodyPr>
-          <a:p>
-            <a:pPr defTabSz="914400">
-              <a:lnSpc>
-                <a:spcPts val="2849"/>
-              </a:lnSpc>
-              <a:tabLst>
-                <a:tab algn="l" pos="0"/>
-              </a:tabLst>
-            </a:pPr>
-            <a:r>
-              <a:rPr b="0" lang="en-US" sz="1750" strike="noStrike" u="none">
-                <a:solidFill>
-                  <a:srgbClr val="403c4e"/>
-                </a:solidFill>
-                <a:uFillTx/>
-                <a:latin typeface="Open Sans"/>
-                <a:ea typeface="Open Sans"/>
-              </a:rPr>
-              <a:t>The ESP32-CAM is a low-cost, versatile microcontroller with an integrated camera sensor.</a:t>
-            </a:r>
-            <a:endParaRPr b="0" lang="en-IN" sz="1750" strike="noStrike" u="none">
-              <a:solidFill>
-                <a:srgbClr val="000000"/>
-              </a:solidFill>
-              <a:uFillTx/>
-              <a:latin typeface="Arial"/>
-            </a:endParaRPr>
-          </a:p>
-        </p:txBody>
-      </p:sp>
-      <p:sp>
-        <p:nvSpPr>
-          <p:cNvPr id="62" name="Text 3"/>
-          <p:cNvSpPr/>
-          <p:nvPr/>
-        </p:nvSpPr>
-        <p:spPr>
-          <a:xfrm>
-            <a:off x="7599600" y="3997080"/>
-            <a:ext cx="2835000" cy="353880"/>
-          </a:xfrm>
-          <a:prstGeom prst="rect">
-            <a:avLst/>
-          </a:prstGeom>
-          <a:noFill/>
-          <a:ln w="0">
-            <a:noFill/>
-          </a:ln>
-        </p:spPr>
-        <p:style>
-          <a:lnRef idx="0"/>
-          <a:fillRef idx="0"/>
-          <a:effectRef idx="0"/>
-          <a:fontRef idx="minor"/>
-        </p:style>
-        <p:txBody>
-          <a:bodyPr wrap="none" lIns="0" rIns="0" tIns="0" bIns="0" anchor="t">
-            <a:noAutofit/>
-          </a:bodyPr>
-          <a:p>
-            <a:pPr defTabSz="914400">
-              <a:lnSpc>
-                <a:spcPts val="2750"/>
-              </a:lnSpc>
-              <a:tabLst>
-                <a:tab algn="l" pos="0"/>
-              </a:tabLst>
-            </a:pPr>
-            <a:r>
-              <a:rPr b="1" lang="en-US" sz="2200" strike="noStrike" u="none">
-                <a:solidFill>
-                  <a:srgbClr val="403c4e"/>
-                </a:solidFill>
-                <a:uFillTx/>
-                <a:latin typeface="Merriweather Bold"/>
-                <a:ea typeface="Merriweather Bold"/>
-              </a:rPr>
-              <a:t>Features</a:t>
-            </a:r>
-            <a:endParaRPr b="0" lang="en-IN" sz="2200" strike="noStrike" u="none">
-              <a:solidFill>
-                <a:srgbClr val="000000"/>
-              </a:solidFill>
-              <a:uFillTx/>
-              <a:latin typeface="Arial"/>
-            </a:endParaRPr>
-          </a:p>
-        </p:txBody>
-      </p:sp>
-      <p:sp>
-        <p:nvSpPr>
-          <p:cNvPr id="63" name="Text 4"/>
-          <p:cNvSpPr/>
-          <p:nvPr/>
-        </p:nvSpPr>
-        <p:spPr>
-          <a:xfrm>
-            <a:off x="7599600" y="4578480"/>
-            <a:ext cx="6244200" cy="725400"/>
-          </a:xfrm>
-          <a:prstGeom prst="rect">
-            <a:avLst/>
-          </a:prstGeom>
-          <a:noFill/>
-          <a:ln w="0">
-            <a:noFill/>
-          </a:ln>
-        </p:spPr>
-        <p:style>
-          <a:lnRef idx="0"/>
-          <a:fillRef idx="0"/>
-          <a:effectRef idx="0"/>
-          <a:fontRef idx="minor"/>
-        </p:style>
-        <p:txBody>
-          <a:bodyPr lIns="0" rIns="0" tIns="0" bIns="0" anchor="t">
-            <a:noAutofit/>
-          </a:bodyPr>
-          <a:p>
-            <a:pPr defTabSz="914400">
-              <a:lnSpc>
-                <a:spcPts val="2849"/>
-              </a:lnSpc>
-              <a:tabLst>
-                <a:tab algn="l" pos="0"/>
-              </a:tabLst>
-            </a:pPr>
-            <a:r>
-              <a:rPr b="0" lang="en-US" sz="1750" strike="noStrike" u="none">
-                <a:solidFill>
-                  <a:srgbClr val="403c4e"/>
-                </a:solidFill>
-                <a:uFillTx/>
-                <a:latin typeface="Open Sans"/>
-                <a:ea typeface="Open Sans"/>
-              </a:rPr>
-              <a:t>It includes built-in Wi-Fi and Bluetooth connectivity, making it ideal for IoT applications.</a:t>
-            </a:r>
-            <a:endParaRPr b="0" lang="en-IN" sz="1750" strike="noStrike" u="none">
-              <a:solidFill>
-                <a:srgbClr val="000000"/>
-              </a:solidFill>
-              <a:uFillTx/>
-              <a:latin typeface="Arial"/>
-            </a:endParaRPr>
-          </a:p>
-        </p:txBody>
-      </p:sp>
-      <p:sp>
-        <p:nvSpPr>
-          <p:cNvPr id="64" name="Rectangle 6"/>
-          <p:cNvSpPr/>
-          <p:nvPr/>
-        </p:nvSpPr>
-        <p:spPr>
-          <a:xfrm>
-            <a:off x="12857400" y="7738920"/>
-            <a:ext cx="1772640" cy="412200"/>
-          </a:xfrm>
-          <a:prstGeom prst="rect">
-            <a:avLst/>
-          </a:prstGeom>
-          <a:solidFill>
-            <a:schemeClr val="bg1"/>
-          </a:solidFill>
-          <a:ln>
-            <a:solidFill>
-              <a:srgbClr val="ffffff"/>
-            </a:solidFill>
-          </a:ln>
-        </p:spPr>
-        <p:style>
-          <a:lnRef idx="2">
-            <a:schemeClr val="accent1">
-              <a:shade val="15000"/>
-            </a:schemeClr>
-          </a:lnRef>
-          <a:fillRef idx="1">
-            <a:schemeClr val="accent1"/>
-          </a:fillRef>
-          <a:effectRef idx="0">
-            <a:schemeClr val="accent1"/>
-          </a:effectRef>
-          <a:fontRef idx="minor"/>
-        </p:style>
-        <p:txBody>
-          <a:bodyPr lIns="90000" rIns="90000" tIns="45000" bIns="45000" anchor="ctr">
-            <a:noAutofit/>
-          </a:bodyPr>
-          <a:p>
-            <a:pPr algn="ctr" defTabSz="914400">
+            <a:pPr>
               <a:lnSpc>
                 <a:spcPct val="100000"/>
               </a:lnSpc>
             </a:pPr>
+            <a:r>
+              <a:rPr b="1" lang="en-IN" sz="1800" strike="noStrike" u="none">
+                <a:solidFill>
+                  <a:srgbClr val="000000"/>
+                </a:solidFill>
+                <a:uFillTx/>
+                <a:latin typeface="Arial"/>
+              </a:rPr>
+              <a:t>Problem Statement</a:t>
+            </a:r>
             <a:endParaRPr b="0" lang="en-IN" sz="1800" strike="noStrike" u="none">
               <a:solidFill>
-                <a:schemeClr val="lt1"/>
-              </a:solidFill>
-              <a:uFillTx/>
-              <a:latin typeface="Calibri"/>
+                <a:srgbClr val="000000"/>
+              </a:solidFill>
+              <a:uFillTx/>
+              <a:latin typeface="Arial"/>
+            </a:endParaRPr>
+          </a:p>
+          <a:p>
+            <a:pPr>
+              <a:lnSpc>
+                <a:spcPct val="100000"/>
+              </a:lnSpc>
+            </a:pPr>
+            <a:r>
+              <a:rPr b="0" lang="en-IN" sz="1600" strike="noStrike" u="none">
+                <a:solidFill>
+                  <a:srgbClr val="000000"/>
+                </a:solidFill>
+                <a:uFillTx/>
+                <a:latin typeface="Arial"/>
+              </a:rPr>
+              <a:t>With the growing need for enhanced security and remote monitoring in residential and commercial spaces, there is a demand for cost-effective, easily deployable, and intelligent surveillance solutions. Traditional security systems, such as physical keys, RFID-based access, and biometric authentication, often lack real-time monitoring capabilities and remote access control. Existing surveillance solutions may also be expensive, complex to install, or limited in their ability to provide instant updates</a:t>
+            </a:r>
+            <a:endParaRPr b="0" lang="en-IN" sz="1600" strike="noStrike" u="none">
+              <a:solidFill>
+                <a:srgbClr val="000000"/>
+              </a:solidFill>
+              <a:uFillTx/>
+              <a:latin typeface="Arial"/>
+            </a:endParaRPr>
+          </a:p>
+          <a:p>
+            <a:pPr>
+              <a:lnSpc>
+                <a:spcPct val="100000"/>
+              </a:lnSpc>
+            </a:pPr>
+            <a:endParaRPr b="0" lang="en-IN" sz="1000" strike="noStrike" u="none">
+              <a:solidFill>
+                <a:srgbClr val="000000"/>
+              </a:solidFill>
+              <a:uFillTx/>
+              <a:latin typeface="Arial"/>
+            </a:endParaRPr>
+          </a:p>
+          <a:p>
+            <a:pPr>
+              <a:lnSpc>
+                <a:spcPct val="100000"/>
+              </a:lnSpc>
+            </a:pPr>
+            <a:r>
+              <a:rPr b="0" lang="en-IN" sz="1000" strike="noStrike" u="none">
+                <a:solidFill>
+                  <a:srgbClr val="000000"/>
+                </a:solidFill>
+                <a:uFillTx/>
+                <a:latin typeface="Arial"/>
+              </a:rPr>
+              <a:t>.</a:t>
+            </a:r>
+            <a:r>
+              <a:rPr b="1" lang="en-IN" sz="1800" strike="noStrike" u="none">
+                <a:solidFill>
+                  <a:srgbClr val="000000"/>
+                </a:solidFill>
+                <a:uFillTx/>
+                <a:latin typeface="Arial"/>
+              </a:rPr>
+              <a:t>Methadology</a:t>
+            </a:r>
+            <a:endParaRPr b="0" lang="en-IN" sz="1800" strike="noStrike" u="none">
+              <a:solidFill>
+                <a:srgbClr val="000000"/>
+              </a:solidFill>
+              <a:uFillTx/>
+              <a:latin typeface="Arial"/>
+            </a:endParaRPr>
+          </a:p>
+          <a:p>
+            <a:pPr>
+              <a:lnSpc>
+                <a:spcPct val="100000"/>
+              </a:lnSpc>
+            </a:pPr>
+            <a:r>
+              <a:rPr b="0" lang="en-IN" sz="1600" strike="noStrike" u="none">
+                <a:solidFill>
+                  <a:srgbClr val="000000"/>
+                </a:solidFill>
+                <a:uFillTx/>
+                <a:latin typeface="Arial"/>
+              </a:rPr>
+              <a:t>To address these challenges, there is a need for an IoT-enabled surveillance system that can capture and transmit real-time visual data on demand, providing instant alerts to users through a user-friendly interface, such as a Telegram chatbot. This system should be designed for affordability, ease of deployment, and privacy-conscious operation, ensuring secure data transmission while maintaining ethical use and compliance with data protection regulations.</a:t>
+            </a:r>
+            <a:endParaRPr b="0" lang="en-IN" sz="1600" strike="noStrike" u="none">
+              <a:solidFill>
+                <a:srgbClr val="000000"/>
+              </a:solidFill>
+              <a:uFillTx/>
+              <a:latin typeface="Arial"/>
+            </a:endParaRPr>
+          </a:p>
+          <a:p>
+            <a:pPr>
+              <a:lnSpc>
+                <a:spcPct val="100000"/>
+              </a:lnSpc>
+            </a:pPr>
+            <a:endParaRPr b="0" lang="en-IN" sz="1600" strike="noStrike" u="none">
+              <a:solidFill>
+                <a:srgbClr val="000000"/>
+              </a:solidFill>
+              <a:uFillTx/>
+              <a:latin typeface="Arial"/>
             </a:endParaRPr>
           </a:p>
         </p:txBody>
@@ -6104,146 +6445,16 @@
           <a:chExt cx="0" cy="0"/>
         </a:xfrm>
       </p:grpSpPr>
-      <p:pic>
-        <p:nvPicPr>
-          <p:cNvPr id="65" name="Image 0" descr="preencoded.png"/>
-          <p:cNvPicPr/>
-          <p:nvPr/>
-        </p:nvPicPr>
-        <p:blipFill>
-          <a:blip r:embed="rId1"/>
-          <a:stretch/>
-        </p:blipFill>
-        <p:spPr>
-          <a:xfrm>
-            <a:off x="0" y="0"/>
-            <a:ext cx="14630040" cy="2835000"/>
-          </a:xfrm>
-          <a:prstGeom prst="rect">
-            <a:avLst/>
-          </a:prstGeom>
-          <a:noFill/>
-          <a:ln w="0">
-            <a:noFill/>
-          </a:ln>
-        </p:spPr>
-      </p:pic>
       <p:sp>
         <p:nvSpPr>
-          <p:cNvPr id="66" name="Text 0"/>
+          <p:cNvPr id="65" name="Text 0"/>
           <p:cNvSpPr/>
           <p:nvPr/>
         </p:nvSpPr>
         <p:spPr>
           <a:xfrm>
-            <a:off x="793800" y="3810960"/>
-            <a:ext cx="13042440" cy="1417320"/>
-          </a:xfrm>
-          <a:prstGeom prst="rect">
-            <a:avLst/>
-          </a:prstGeom>
-          <a:noFill/>
-          <a:ln w="0">
-            <a:noFill/>
-          </a:ln>
-        </p:spPr>
-        <p:style>
-          <a:lnRef idx="0"/>
-          <a:fillRef idx="0"/>
-          <a:effectRef idx="0"/>
-          <a:fontRef idx="minor"/>
-        </p:style>
-        <p:txBody>
-          <a:bodyPr lIns="0" rIns="0" tIns="0" bIns="0" anchor="t">
-            <a:noAutofit/>
-          </a:bodyPr>
-          <a:p>
-            <a:pPr defTabSz="914400">
-              <a:lnSpc>
-                <a:spcPts val="5550"/>
-              </a:lnSpc>
-              <a:tabLst>
-                <a:tab algn="l" pos="0"/>
-              </a:tabLst>
-            </a:pPr>
-            <a:r>
-              <a:rPr b="1" lang="en-US" sz="4450" strike="noStrike" u="none">
-                <a:solidFill>
-                  <a:srgbClr val="403c4e"/>
-                </a:solidFill>
-                <a:uFillTx/>
-                <a:latin typeface="Merriweather Bold"/>
-                <a:ea typeface="Merriweather Bold"/>
-              </a:rPr>
-              <a:t>Connecting ESP32-CAM to a Telegram Chatbot</a:t>
-            </a:r>
-            <a:endParaRPr b="0" lang="en-IN" sz="4450" strike="noStrike" u="none">
-              <a:solidFill>
-                <a:srgbClr val="000000"/>
-              </a:solidFill>
-              <a:uFillTx/>
-              <a:latin typeface="Arial"/>
-            </a:endParaRPr>
-          </a:p>
-        </p:txBody>
-      </p:sp>
-      <p:sp>
-        <p:nvSpPr>
-          <p:cNvPr id="67" name="Shape 1"/>
-          <p:cNvSpPr/>
-          <p:nvPr/>
-        </p:nvSpPr>
-        <p:spPr>
-          <a:xfrm>
-            <a:off x="793800" y="5568840"/>
-            <a:ext cx="6407640" cy="1684800"/>
-          </a:xfrm>
-          <a:prstGeom prst="roundRect">
-            <a:avLst>
-              <a:gd name="adj" fmla="val 5654"/>
-            </a:avLst>
-          </a:prstGeom>
-          <a:solidFill>
-            <a:srgbClr val="ffd8cc"/>
-          </a:solidFill>
-          <a:ln w="7620">
-            <a:solidFill>
-              <a:srgbClr val="e5beb2"/>
-            </a:solidFill>
-            <a:round/>
-          </a:ln>
-        </p:spPr>
-        <p:style>
-          <a:lnRef idx="0"/>
-          <a:fillRef idx="0"/>
-          <a:effectRef idx="0"/>
-          <a:fontRef idx="minor"/>
-        </p:style>
-        <p:txBody>
-          <a:bodyPr lIns="90000" rIns="90000" tIns="45000" bIns="45000" anchor="t">
-            <a:noAutofit/>
-          </a:bodyPr>
-          <a:p>
-            <a:endParaRPr b="0" lang="en-IN" sz="1800" strike="noStrike" u="none">
-              <a:solidFill>
-                <a:srgbClr val="000000"/>
-              </a:solidFill>
-              <a:uFillTx/>
-              <a:latin typeface="Arial"/>
-            </a:endParaRPr>
-          </a:p>
-        </p:txBody>
-      </p:sp>
-      <p:sp>
-        <p:nvSpPr>
-          <p:cNvPr id="68" name="Text 2"/>
-          <p:cNvSpPr/>
-          <p:nvPr/>
-        </p:nvSpPr>
-        <p:spPr>
-          <a:xfrm>
-            <a:off x="1028160" y="5803200"/>
-            <a:ext cx="2835000" cy="353880"/>
+            <a:off x="793800" y="2721240"/>
+            <a:ext cx="10258560" cy="707400"/>
           </a:xfrm>
           <a:prstGeom prst="rect">
             <a:avLst/>
@@ -6266,14 +6477,14 @@
           <a:p>
             <a:pPr defTabSz="914400">
               <a:lnSpc>
-                <a:spcPts val="2750"/>
+                <a:spcPts val="5550"/>
               </a:lnSpc>
               <a:tabLst>
                 <a:tab algn="l" pos="0"/>
               </a:tabLst>
             </a:pPr>
             <a:r>
-              <a:rPr b="1" lang="en-US" sz="2200" strike="noStrike" u="none">
+              <a:rPr b="1" lang="en-US" sz="4450" strike="noStrike" u="none">
                 <a:solidFill>
                   <a:srgbClr val="403c4e"/>
                 </a:solidFill>
@@ -6281,9 +6492,9 @@
                 <a:latin typeface="Merriweather Bold"/>
                 <a:ea typeface="Merriweather Bold"/>
               </a:rPr>
-              <a:t>Telegram Bot API</a:t>
+              <a:t>Introduction to ESP32-CAM Module</a:t>
             </a:r>
-            <a:endParaRPr b="0" lang="en-IN" sz="2200" strike="noStrike" u="none">
+            <a:endParaRPr b="0" lang="en-IN" sz="4450" strike="noStrike" u="none">
               <a:solidFill>
                 <a:srgbClr val="000000"/>
               </a:solidFill>
@@ -6295,120 +6506,14 @@
       </p:sp>
       <p:sp>
         <p:nvSpPr>
-          <p:cNvPr id="69" name="Text 3"/>
+          <p:cNvPr id="66" name="Text 1"/>
           <p:cNvSpPr/>
           <p:nvPr/>
         </p:nvSpPr>
         <p:spPr>
           <a:xfrm>
-            <a:off x="1028160" y="6293520"/>
-            <a:ext cx="5938920" cy="725400"/>
-          </a:xfrm>
-          <a:prstGeom prst="rect">
-            <a:avLst/>
-          </a:prstGeom>
-          <a:noFill/>
-          <a:ln w="0">
-            <a:noFill/>
-          </a:ln>
-        </p:spPr>
-        <p:style>
-          <a:lnRef idx="0"/>
-          <a:fillRef idx="0"/>
-          <a:effectRef idx="0"/>
-          <a:fontRef idx="minor"/>
-        </p:style>
-        <p:txBody>
-          <a:bodyPr lIns="0" rIns="0" tIns="0" bIns="0" anchor="t">
-            <a:noAutofit/>
-          </a:bodyPr>
-          <a:p>
-            <a:pPr defTabSz="914400">
-              <a:lnSpc>
-                <a:spcPts val="2849"/>
-              </a:lnSpc>
-              <a:tabLst>
-                <a:tab algn="l" pos="0"/>
-              </a:tabLst>
-            </a:pPr>
-            <a:r>
-              <a:rPr b="0" lang="en-US" sz="1750" strike="noStrike" u="none">
-                <a:solidFill>
-                  <a:srgbClr val="403c4e"/>
-                </a:solidFill>
-                <a:uFillTx/>
-                <a:latin typeface="Open Sans"/>
-                <a:ea typeface="Open Sans"/>
-              </a:rPr>
-              <a:t>Use the Telegram Bot API to communicate with the chatbot.</a:t>
-            </a:r>
-            <a:endParaRPr b="0" lang="en-IN" sz="1750" strike="noStrike" u="none">
-              <a:solidFill>
-                <a:srgbClr val="000000"/>
-              </a:solidFill>
-              <a:uFillTx/>
-              <a:latin typeface="Arial"/>
-            </a:endParaRPr>
-          </a:p>
-        </p:txBody>
-      </p:sp>
-      <p:sp>
-        <p:nvSpPr>
-          <p:cNvPr id="70" name="Shape 4"/>
-          <p:cNvSpPr/>
-          <p:nvPr/>
-        </p:nvSpPr>
-        <p:spPr>
-          <a:xfrm>
-            <a:off x="7428600" y="5568840"/>
-            <a:ext cx="6407640" cy="1684800"/>
-          </a:xfrm>
-          <a:prstGeom prst="roundRect">
-            <a:avLst>
-              <a:gd name="adj" fmla="val 5654"/>
-            </a:avLst>
-          </a:prstGeom>
-          <a:solidFill>
-            <a:srgbClr val="ffd8cc"/>
-          </a:solidFill>
-          <a:ln w="7620">
-            <a:solidFill>
-              <a:srgbClr val="e5beb2"/>
-            </a:solidFill>
-            <a:round/>
-          </a:ln>
-        </p:spPr>
-        <p:style>
-          <a:lnRef idx="0"/>
-          <a:fillRef idx="0"/>
-          <a:effectRef idx="0"/>
-          <a:fontRef idx="minor"/>
-        </p:style>
-        <p:txBody>
-          <a:bodyPr lIns="90000" rIns="90000" tIns="45000" bIns="45000" anchor="t">
-            <a:noAutofit/>
-          </a:bodyPr>
-          <a:p>
-            <a:endParaRPr b="0" lang="en-IN" sz="1800" strike="noStrike" u="none">
-              <a:solidFill>
-                <a:srgbClr val="000000"/>
-              </a:solidFill>
-              <a:uFillTx/>
-              <a:latin typeface="Arial"/>
-            </a:endParaRPr>
-          </a:p>
-        </p:txBody>
-      </p:sp>
-      <p:sp>
-        <p:nvSpPr>
-          <p:cNvPr id="71" name="Text 5"/>
-          <p:cNvSpPr/>
-          <p:nvPr/>
-        </p:nvSpPr>
-        <p:spPr>
-          <a:xfrm>
-            <a:off x="7662960" y="5803200"/>
-            <a:ext cx="2835000" cy="353880"/>
+            <a:off x="793800" y="3997080"/>
+            <a:ext cx="2833920" cy="352800"/>
           </a:xfrm>
           <a:prstGeom prst="rect">
             <a:avLst/>
@@ -6460,14 +6565,14 @@
       </p:sp>
       <p:sp>
         <p:nvSpPr>
-          <p:cNvPr id="72" name="Text 6"/>
+          <p:cNvPr id="67" name="Text 2"/>
           <p:cNvSpPr/>
           <p:nvPr/>
         </p:nvSpPr>
         <p:spPr>
           <a:xfrm>
-            <a:off x="7662960" y="6293520"/>
-            <a:ext cx="5938920" cy="725400"/>
+            <a:off x="793800" y="4578480"/>
+            <a:ext cx="6243120" cy="724320"/>
           </a:xfrm>
           <a:prstGeom prst="rect">
             <a:avLst/>
@@ -6505,7 +6610,7 @@
                 <a:latin typeface="Open Sans"/>
                 <a:ea typeface="Open Sans"/>
               </a:rPr>
-              <a:t>Program the ESP32-CAM to send image data to the chatbot.</a:t>
+              <a:t>The ESP32-CAM is a low-cost, versatile microcontroller with an integrated camera sensor.</a:t>
             </a:r>
             <a:endParaRPr b="0" lang="en-IN" sz="1750" strike="noStrike" u="none">
               <a:solidFill>
@@ -6519,14 +6624,132 @@
       </p:sp>
       <p:sp>
         <p:nvSpPr>
-          <p:cNvPr id="73" name="Rectangle 10"/>
+          <p:cNvPr id="68" name="Text 3"/>
           <p:cNvSpPr/>
           <p:nvPr/>
         </p:nvSpPr>
         <p:spPr>
           <a:xfrm>
-            <a:off x="12790440" y="7705440"/>
-            <a:ext cx="1761480" cy="523800"/>
+            <a:off x="7599600" y="3997080"/>
+            <a:ext cx="2833920" cy="352800"/>
+          </a:xfrm>
+          <a:prstGeom prst="rect">
+            <a:avLst/>
+          </a:prstGeom>
+          <a:noFill/>
+          <a:ln w="0">
+            <a:noFill/>
+          </a:ln>
+        </p:spPr>
+        <p:style>
+          <a:lnRef idx="0"/>
+          <a:fillRef idx="0"/>
+          <a:effectRef idx="0"/>
+          <a:fontRef idx="minor"/>
+        </p:style>
+        <p:txBody>
+          <a:bodyPr wrap="none" lIns="0" rIns="0" tIns="0" bIns="0" anchor="t">
+            <a:noAutofit/>
+          </a:bodyPr>
+          <a:p>
+            <a:pPr defTabSz="914400">
+              <a:lnSpc>
+                <a:spcPts val="2750"/>
+              </a:lnSpc>
+              <a:tabLst>
+                <a:tab algn="l" pos="0"/>
+              </a:tabLst>
+            </a:pPr>
+            <a:r>
+              <a:rPr b="1" lang="en-US" sz="2200" strike="noStrike" u="none">
+                <a:solidFill>
+                  <a:srgbClr val="403c4e"/>
+                </a:solidFill>
+                <a:uFillTx/>
+                <a:latin typeface="Merriweather Bold"/>
+                <a:ea typeface="Merriweather Bold"/>
+              </a:rPr>
+              <a:t>Features</a:t>
+            </a:r>
+            <a:endParaRPr b="0" lang="en-IN" sz="2200" strike="noStrike" u="none">
+              <a:solidFill>
+                <a:srgbClr val="000000"/>
+              </a:solidFill>
+              <a:uFillTx/>
+              <a:latin typeface="Arial"/>
+            </a:endParaRPr>
+          </a:p>
+        </p:txBody>
+      </p:sp>
+      <p:sp>
+        <p:nvSpPr>
+          <p:cNvPr id="69" name="Text 4"/>
+          <p:cNvSpPr/>
+          <p:nvPr/>
+        </p:nvSpPr>
+        <p:spPr>
+          <a:xfrm>
+            <a:off x="7599600" y="4578480"/>
+            <a:ext cx="6243120" cy="724320"/>
+          </a:xfrm>
+          <a:prstGeom prst="rect">
+            <a:avLst/>
+          </a:prstGeom>
+          <a:noFill/>
+          <a:ln w="0">
+            <a:noFill/>
+          </a:ln>
+        </p:spPr>
+        <p:style>
+          <a:lnRef idx="0"/>
+          <a:fillRef idx="0"/>
+          <a:effectRef idx="0"/>
+          <a:fontRef idx="minor"/>
+        </p:style>
+        <p:txBody>
+          <a:bodyPr lIns="0" rIns="0" tIns="0" bIns="0" anchor="t">
+            <a:noAutofit/>
+          </a:bodyPr>
+          <a:p>
+            <a:pPr defTabSz="914400">
+              <a:lnSpc>
+                <a:spcPts val="2849"/>
+              </a:lnSpc>
+              <a:tabLst>
+                <a:tab algn="l" pos="0"/>
+              </a:tabLst>
+            </a:pPr>
+            <a:r>
+              <a:rPr b="0" lang="en-US" sz="1750" strike="noStrike" u="none">
+                <a:solidFill>
+                  <a:srgbClr val="403c4e"/>
+                </a:solidFill>
+                <a:uFillTx/>
+                <a:latin typeface="Open Sans"/>
+                <a:ea typeface="Open Sans"/>
+              </a:rPr>
+              <a:t>It includes built-in Wi-Fi and Bluetooth connectivity, making it ideal for IoT applications.</a:t>
+            </a:r>
+            <a:endParaRPr b="0" lang="en-IN" sz="1750" strike="noStrike" u="none">
+              <a:solidFill>
+                <a:srgbClr val="000000"/>
+              </a:solidFill>
+              <a:uFillTx/>
+              <a:latin typeface="Arial"/>
+            </a:endParaRPr>
+          </a:p>
+        </p:txBody>
+      </p:sp>
+      <p:sp>
+        <p:nvSpPr>
+          <p:cNvPr id="70" name="Rectangle 6"/>
+          <p:cNvSpPr/>
+          <p:nvPr/>
+        </p:nvSpPr>
+        <p:spPr>
+          <a:xfrm>
+            <a:off x="12857400" y="7738920"/>
+            <a:ext cx="1771560" cy="411120"/>
           </a:xfrm>
           <a:prstGeom prst="rect">
             <a:avLst/>
@@ -6606,7 +6829,7 @@
       </p:grpSpPr>
       <p:pic>
         <p:nvPicPr>
-          <p:cNvPr id="74" name="Image 0" descr="preencoded.png"/>
+          <p:cNvPr id="71" name="Image 0" descr="preencoded.png"/>
           <p:cNvPicPr/>
           <p:nvPr/>
         </p:nvPicPr>
@@ -6617,7 +6840,7 @@
         <p:spPr>
           <a:xfrm>
             <a:off x="0" y="0"/>
-            <a:ext cx="5486040" cy="8229240"/>
+            <a:ext cx="14628960" cy="2833920"/>
           </a:xfrm>
           <a:prstGeom prst="rect">
             <a:avLst/>
@@ -6630,14 +6853,14 @@
       </p:pic>
       <p:sp>
         <p:nvSpPr>
-          <p:cNvPr id="75" name="Text 0"/>
+          <p:cNvPr id="72" name="Text 0"/>
           <p:cNvSpPr/>
           <p:nvPr/>
         </p:nvSpPr>
         <p:spPr>
           <a:xfrm>
-            <a:off x="6280200" y="1784160"/>
-            <a:ext cx="7556040" cy="1417320"/>
+            <a:off x="793800" y="3810960"/>
+            <a:ext cx="13041360" cy="1416240"/>
           </a:xfrm>
           <a:prstGeom prst="rect">
             <a:avLst/>
@@ -6675,7 +6898,7 @@
                 <a:latin typeface="Merriweather Bold"/>
                 <a:ea typeface="Merriweather Bold"/>
               </a:rPr>
-              <a:t>Programming the ESP32-CAM for Image Capture</a:t>
+              <a:t>Connecting ESP32-CAM to a Telegram Chatbot</a:t>
             </a:r>
             <a:endParaRPr b="0" lang="en-IN" sz="4450" strike="noStrike" u="none">
               <a:solidFill>
@@ -6689,25 +6912,28 @@
       </p:sp>
       <p:sp>
         <p:nvSpPr>
-          <p:cNvPr id="76" name="Shape 1"/>
+          <p:cNvPr id="73" name="Shape 1"/>
           <p:cNvSpPr/>
           <p:nvPr/>
         </p:nvSpPr>
         <p:spPr>
           <a:xfrm>
-            <a:off x="6605280" y="3542040"/>
-            <a:ext cx="30240" cy="2903040"/>
+            <a:off x="793800" y="5568840"/>
+            <a:ext cx="6406560" cy="1683720"/>
           </a:xfrm>
           <a:prstGeom prst="roundRect">
             <a:avLst>
-              <a:gd name="adj" fmla="val 312558"/>
+              <a:gd name="adj" fmla="val 5654"/>
             </a:avLst>
           </a:prstGeom>
           <a:solidFill>
-            <a:srgbClr val="e5beb2"/>
+            <a:srgbClr val="ffd8cc"/>
           </a:solidFill>
-          <a:ln w="0">
-            <a:noFill/>
+          <a:ln w="7620">
+            <a:solidFill>
+              <a:srgbClr val="e5beb2"/>
+            </a:solidFill>
+            <a:round/>
           </a:ln>
         </p:spPr>
         <p:style>
@@ -6721,6 +6947,11 @@
             <a:noAutofit/>
           </a:bodyPr>
           <a:p>
+            <a:pPr>
+              <a:lnSpc>
+                <a:spcPct val="100000"/>
+              </a:lnSpc>
+            </a:pPr>
             <a:endParaRPr b="0" lang="en-IN" sz="1800" strike="noStrike" u="none">
               <a:solidFill>
                 <a:srgbClr val="000000"/>
@@ -6733,23 +6964,19 @@
       </p:sp>
       <p:sp>
         <p:nvSpPr>
-          <p:cNvPr id="77" name="Shape 2"/>
+          <p:cNvPr id="74" name="Text 2"/>
           <p:cNvSpPr/>
           <p:nvPr/>
         </p:nvSpPr>
         <p:spPr>
           <a:xfrm>
-            <a:off x="6845040" y="4037040"/>
-            <a:ext cx="793440" cy="30240"/>
-          </a:xfrm>
-          <a:prstGeom prst="roundRect">
-            <a:avLst>
-              <a:gd name="adj" fmla="val 312558"/>
-            </a:avLst>
-          </a:prstGeom>
-          <a:solidFill>
-            <a:srgbClr val="e5beb2"/>
-          </a:solidFill>
+            <a:off x="1028160" y="5803200"/>
+            <a:ext cx="2833920" cy="352800"/>
+          </a:xfrm>
+          <a:prstGeom prst="rect">
+            <a:avLst/>
+          </a:prstGeom>
+          <a:noFill/>
           <a:ln w="0">
             <a:noFill/>
           </a:ln>
@@ -6761,11 +6988,30 @@
           <a:fontRef idx="minor"/>
         </p:style>
         <p:txBody>
-          <a:bodyPr lIns="90000" rIns="90000" tIns="-23400" bIns="-23400" anchor="t">
+          <a:bodyPr wrap="none" lIns="0" rIns="0" tIns="0" bIns="0" anchor="t">
             <a:noAutofit/>
           </a:bodyPr>
           <a:p>
-            <a:endParaRPr b="0" lang="en-IN" sz="1800" strike="noStrike" u="none">
+            <a:pPr defTabSz="914400">
+              <a:lnSpc>
+                <a:spcPts val="2750"/>
+              </a:lnSpc>
+              <a:tabLst>
+                <a:tab algn="l" pos="0"/>
+              </a:tabLst>
+            </a:pPr>
+            <a:r>
+              <a:rPr b="1" lang="en-US" sz="2200" strike="noStrike" u="none">
+                <a:solidFill>
+                  <a:srgbClr val="403c4e"/>
+                </a:solidFill>
+                <a:uFillTx/>
+                <a:latin typeface="Merriweather Bold"/>
+                <a:ea typeface="Merriweather Bold"/>
+              </a:rPr>
+              <a:t>Telegram Bot API</a:t>
+            </a:r>
+            <a:endParaRPr b="0" lang="en-IN" sz="2200" strike="noStrike" u="none">
               <a:solidFill>
                 <a:srgbClr val="000000"/>
               </a:solidFill>
@@ -6777,18 +7023,77 @@
       </p:sp>
       <p:sp>
         <p:nvSpPr>
-          <p:cNvPr id="78" name="Shape 3"/>
+          <p:cNvPr id="75" name="Text 3"/>
           <p:cNvSpPr/>
           <p:nvPr/>
         </p:nvSpPr>
         <p:spPr>
           <a:xfrm>
-            <a:off x="6365160" y="3797280"/>
-            <a:ext cx="510120" cy="510120"/>
+            <a:off x="1028160" y="6293520"/>
+            <a:ext cx="5937840" cy="724320"/>
+          </a:xfrm>
+          <a:prstGeom prst="rect">
+            <a:avLst/>
+          </a:prstGeom>
+          <a:noFill/>
+          <a:ln w="0">
+            <a:noFill/>
+          </a:ln>
+        </p:spPr>
+        <p:style>
+          <a:lnRef idx="0"/>
+          <a:fillRef idx="0"/>
+          <a:effectRef idx="0"/>
+          <a:fontRef idx="minor"/>
+        </p:style>
+        <p:txBody>
+          <a:bodyPr lIns="0" rIns="0" tIns="0" bIns="0" anchor="t">
+            <a:noAutofit/>
+          </a:bodyPr>
+          <a:p>
+            <a:pPr defTabSz="914400">
+              <a:lnSpc>
+                <a:spcPts val="2849"/>
+              </a:lnSpc>
+              <a:tabLst>
+                <a:tab algn="l" pos="0"/>
+              </a:tabLst>
+            </a:pPr>
+            <a:r>
+              <a:rPr b="0" lang="en-US" sz="1750" strike="noStrike" u="none">
+                <a:solidFill>
+                  <a:srgbClr val="403c4e"/>
+                </a:solidFill>
+                <a:uFillTx/>
+                <a:latin typeface="Open Sans"/>
+                <a:ea typeface="Open Sans"/>
+              </a:rPr>
+              <a:t>Use the Telegram Bot API to communicate with the chatbot.</a:t>
+            </a:r>
+            <a:endParaRPr b="0" lang="en-IN" sz="1750" strike="noStrike" u="none">
+              <a:solidFill>
+                <a:srgbClr val="000000"/>
+              </a:solidFill>
+              <a:uFillTx/>
+              <a:latin typeface="Arial"/>
+            </a:endParaRPr>
+          </a:p>
+        </p:txBody>
+      </p:sp>
+      <p:sp>
+        <p:nvSpPr>
+          <p:cNvPr id="76" name="Shape 4"/>
+          <p:cNvSpPr/>
+          <p:nvPr/>
+        </p:nvSpPr>
+        <p:spPr>
+          <a:xfrm>
+            <a:off x="7428600" y="5568840"/>
+            <a:ext cx="6406560" cy="1683720"/>
           </a:xfrm>
           <a:prstGeom prst="roundRect">
             <a:avLst>
-              <a:gd name="adj" fmla="val 18669"/>
+              <a:gd name="adj" fmla="val 5654"/>
             </a:avLst>
           </a:prstGeom>
           <a:solidFill>
@@ -6812,6 +7117,11 @@
             <a:noAutofit/>
           </a:bodyPr>
           <a:p>
+            <a:pPr>
+              <a:lnSpc>
+                <a:spcPct val="100000"/>
+              </a:lnSpc>
+            </a:pPr>
             <a:endParaRPr b="0" lang="en-IN" sz="1800" strike="noStrike" u="none">
               <a:solidFill>
                 <a:srgbClr val="000000"/>
@@ -6824,14 +7134,14 @@
       </p:sp>
       <p:sp>
         <p:nvSpPr>
-          <p:cNvPr id="79" name="Text 4"/>
+          <p:cNvPr id="77" name="Text 5"/>
           <p:cNvSpPr/>
           <p:nvPr/>
         </p:nvSpPr>
         <p:spPr>
           <a:xfrm>
-            <a:off x="6542280" y="3882240"/>
-            <a:ext cx="155520" cy="339840"/>
+            <a:off x="7662960" y="5803200"/>
+            <a:ext cx="2833920" cy="352800"/>
           </a:xfrm>
           <a:prstGeom prst="rect">
             <a:avLst/>
@@ -6852,16 +7162,16 @@
             <a:noAutofit/>
           </a:bodyPr>
           <a:p>
-            <a:pPr algn="ctr" defTabSz="914400">
+            <a:pPr defTabSz="914400">
               <a:lnSpc>
-                <a:spcPts val="2650"/>
+                <a:spcPts val="2750"/>
               </a:lnSpc>
               <a:tabLst>
                 <a:tab algn="l" pos="0"/>
               </a:tabLst>
             </a:pPr>
             <a:r>
-              <a:rPr b="1" lang="en-US" sz="2650" strike="noStrike" u="none">
+              <a:rPr b="1" lang="en-US" sz="2200" strike="noStrike" u="none">
                 <a:solidFill>
                   <a:srgbClr val="403c4e"/>
                 </a:solidFill>
@@ -6869,9 +7179,9 @@
                 <a:latin typeface="Merriweather Bold"/>
                 <a:ea typeface="Merriweather Bold"/>
               </a:rPr>
-              <a:t>1</a:t>
+              <a:t>ESP32-CAM</a:t>
             </a:r>
-            <a:endParaRPr b="0" lang="en-IN" sz="2650" strike="noStrike" u="none">
+            <a:endParaRPr b="0" lang="en-IN" sz="2200" strike="noStrike" u="none">
               <a:solidFill>
                 <a:srgbClr val="000000"/>
               </a:solidFill>
@@ -6883,14 +7193,14 @@
       </p:sp>
       <p:sp>
         <p:nvSpPr>
-          <p:cNvPr id="80" name="Text 5"/>
+          <p:cNvPr id="78" name="Text 6"/>
           <p:cNvSpPr/>
           <p:nvPr/>
         </p:nvSpPr>
         <p:spPr>
           <a:xfrm>
-            <a:off x="7867800" y="3768840"/>
-            <a:ext cx="5968440" cy="362520"/>
+            <a:off x="7662960" y="6293520"/>
+            <a:ext cx="5937840" cy="724320"/>
           </a:xfrm>
           <a:prstGeom prst="rect">
             <a:avLst/>
@@ -6907,7 +7217,7 @@
           <a:fontRef idx="minor"/>
         </p:style>
         <p:txBody>
-          <a:bodyPr wrap="none" lIns="0" rIns="0" tIns="0" bIns="0" anchor="t">
+          <a:bodyPr lIns="0" rIns="0" tIns="0" bIns="0" anchor="t">
             <a:noAutofit/>
           </a:bodyPr>
           <a:p>
@@ -6928,7 +7238,7 @@
                 <a:latin typeface="Open Sans"/>
                 <a:ea typeface="Open Sans"/>
               </a:rPr>
-              <a:t>Initialize the camera sensor.</a:t>
+              <a:t>Program the ESP32-CAM to send image data to the chatbot.</a:t>
             </a:r>
             <a:endParaRPr b="0" lang="en-IN" sz="1750" strike="noStrike" u="none">
               <a:solidFill>
@@ -6942,432 +7252,14 @@
       </p:sp>
       <p:sp>
         <p:nvSpPr>
-          <p:cNvPr id="81" name="Shape 6"/>
+          <p:cNvPr id="79" name="Rectangle 10"/>
           <p:cNvSpPr/>
           <p:nvPr/>
         </p:nvSpPr>
         <p:spPr>
           <a:xfrm>
-            <a:off x="6845040" y="5080320"/>
-            <a:ext cx="793440" cy="30240"/>
-          </a:xfrm>
-          <a:prstGeom prst="roundRect">
-            <a:avLst>
-              <a:gd name="adj" fmla="val 312558"/>
-            </a:avLst>
-          </a:prstGeom>
-          <a:solidFill>
-            <a:srgbClr val="e5beb2"/>
-          </a:solidFill>
-          <a:ln w="0">
-            <a:noFill/>
-          </a:ln>
-        </p:spPr>
-        <p:style>
-          <a:lnRef idx="0"/>
-          <a:fillRef idx="0"/>
-          <a:effectRef idx="0"/>
-          <a:fontRef idx="minor"/>
-        </p:style>
-        <p:txBody>
-          <a:bodyPr lIns="90000" rIns="90000" tIns="-23400" bIns="-23400" anchor="t">
-            <a:noAutofit/>
-          </a:bodyPr>
-          <a:p>
-            <a:endParaRPr b="0" lang="en-IN" sz="1800" strike="noStrike" u="none">
-              <a:solidFill>
-                <a:srgbClr val="000000"/>
-              </a:solidFill>
-              <a:uFillTx/>
-              <a:latin typeface="Arial"/>
-            </a:endParaRPr>
-          </a:p>
-        </p:txBody>
-      </p:sp>
-      <p:sp>
-        <p:nvSpPr>
-          <p:cNvPr id="82" name="Shape 7"/>
-          <p:cNvSpPr/>
-          <p:nvPr/>
-        </p:nvSpPr>
-        <p:spPr>
-          <a:xfrm>
-            <a:off x="6365160" y="4840560"/>
-            <a:ext cx="510120" cy="510120"/>
-          </a:xfrm>
-          <a:prstGeom prst="roundRect">
-            <a:avLst>
-              <a:gd name="adj" fmla="val 18669"/>
-            </a:avLst>
-          </a:prstGeom>
-          <a:solidFill>
-            <a:srgbClr val="ffd8cc"/>
-          </a:solidFill>
-          <a:ln w="7620">
-            <a:solidFill>
-              <a:srgbClr val="e5beb2"/>
-            </a:solidFill>
-            <a:round/>
-          </a:ln>
-        </p:spPr>
-        <p:style>
-          <a:lnRef idx="0"/>
-          <a:fillRef idx="0"/>
-          <a:effectRef idx="0"/>
-          <a:fontRef idx="minor"/>
-        </p:style>
-        <p:txBody>
-          <a:bodyPr lIns="90000" rIns="90000" tIns="45000" bIns="45000" anchor="t">
-            <a:noAutofit/>
-          </a:bodyPr>
-          <a:p>
-            <a:endParaRPr b="0" lang="en-IN" sz="1800" strike="noStrike" u="none">
-              <a:solidFill>
-                <a:srgbClr val="000000"/>
-              </a:solidFill>
-              <a:uFillTx/>
-              <a:latin typeface="Arial"/>
-            </a:endParaRPr>
-          </a:p>
-        </p:txBody>
-      </p:sp>
-      <p:sp>
-        <p:nvSpPr>
-          <p:cNvPr id="83" name="Text 8"/>
-          <p:cNvSpPr/>
-          <p:nvPr/>
-        </p:nvSpPr>
-        <p:spPr>
-          <a:xfrm>
-            <a:off x="6517440" y="4925520"/>
-            <a:ext cx="205560" cy="339840"/>
-          </a:xfrm>
-          <a:prstGeom prst="rect">
-            <a:avLst/>
-          </a:prstGeom>
-          <a:noFill/>
-          <a:ln w="0">
-            <a:noFill/>
-          </a:ln>
-        </p:spPr>
-        <p:style>
-          <a:lnRef idx="0"/>
-          <a:fillRef idx="0"/>
-          <a:effectRef idx="0"/>
-          <a:fontRef idx="minor"/>
-        </p:style>
-        <p:txBody>
-          <a:bodyPr wrap="none" lIns="0" rIns="0" tIns="0" bIns="0" anchor="t">
-            <a:noAutofit/>
-          </a:bodyPr>
-          <a:p>
-            <a:pPr algn="ctr" defTabSz="914400">
-              <a:lnSpc>
-                <a:spcPts val="2650"/>
-              </a:lnSpc>
-              <a:tabLst>
-                <a:tab algn="l" pos="0"/>
-              </a:tabLst>
-            </a:pPr>
-            <a:r>
-              <a:rPr b="1" lang="en-US" sz="2650" strike="noStrike" u="none">
-                <a:solidFill>
-                  <a:srgbClr val="403c4e"/>
-                </a:solidFill>
-                <a:uFillTx/>
-                <a:latin typeface="Merriweather Bold"/>
-                <a:ea typeface="Merriweather Bold"/>
-              </a:rPr>
-              <a:t>2</a:t>
-            </a:r>
-            <a:endParaRPr b="0" lang="en-IN" sz="2650" strike="noStrike" u="none">
-              <a:solidFill>
-                <a:srgbClr val="000000"/>
-              </a:solidFill>
-              <a:uFillTx/>
-              <a:latin typeface="Arial"/>
-            </a:endParaRPr>
-          </a:p>
-        </p:txBody>
-      </p:sp>
-      <p:sp>
-        <p:nvSpPr>
-          <p:cNvPr id="84" name="Text 9"/>
-          <p:cNvSpPr/>
-          <p:nvPr/>
-        </p:nvSpPr>
-        <p:spPr>
-          <a:xfrm>
-            <a:off x="7867800" y="4812120"/>
-            <a:ext cx="5968440" cy="362520"/>
-          </a:xfrm>
-          <a:prstGeom prst="rect">
-            <a:avLst/>
-          </a:prstGeom>
-          <a:noFill/>
-          <a:ln w="0">
-            <a:noFill/>
-          </a:ln>
-        </p:spPr>
-        <p:style>
-          <a:lnRef idx="0"/>
-          <a:fillRef idx="0"/>
-          <a:effectRef idx="0"/>
-          <a:fontRef idx="minor"/>
-        </p:style>
-        <p:txBody>
-          <a:bodyPr wrap="none" lIns="0" rIns="0" tIns="0" bIns="0" anchor="t">
-            <a:noAutofit/>
-          </a:bodyPr>
-          <a:p>
-            <a:pPr defTabSz="914400">
-              <a:lnSpc>
-                <a:spcPts val="2849"/>
-              </a:lnSpc>
-              <a:tabLst>
-                <a:tab algn="l" pos="0"/>
-              </a:tabLst>
-            </a:pPr>
-            <a:r>
-              <a:rPr b="0" lang="en-US" sz="1750" strike="noStrike" u="none">
-                <a:solidFill>
-                  <a:srgbClr val="403c4e"/>
-                </a:solidFill>
-                <a:uFillTx/>
-                <a:latin typeface="Open Sans"/>
-                <a:ea typeface="Open Sans"/>
-              </a:rPr>
-              <a:t>Capture an image using the camera driver.</a:t>
-            </a:r>
-            <a:endParaRPr b="0" lang="en-IN" sz="1750" strike="noStrike" u="none">
-              <a:solidFill>
-                <a:srgbClr val="000000"/>
-              </a:solidFill>
-              <a:uFillTx/>
-              <a:latin typeface="Arial"/>
-            </a:endParaRPr>
-          </a:p>
-        </p:txBody>
-      </p:sp>
-      <p:sp>
-        <p:nvSpPr>
-          <p:cNvPr id="85" name="Shape 10"/>
-          <p:cNvSpPr/>
-          <p:nvPr/>
-        </p:nvSpPr>
-        <p:spPr>
-          <a:xfrm>
-            <a:off x="6845040" y="6123600"/>
-            <a:ext cx="793440" cy="30240"/>
-          </a:xfrm>
-          <a:prstGeom prst="roundRect">
-            <a:avLst>
-              <a:gd name="adj" fmla="val 312558"/>
-            </a:avLst>
-          </a:prstGeom>
-          <a:solidFill>
-            <a:srgbClr val="e5beb2"/>
-          </a:solidFill>
-          <a:ln w="0">
-            <a:noFill/>
-          </a:ln>
-        </p:spPr>
-        <p:style>
-          <a:lnRef idx="0"/>
-          <a:fillRef idx="0"/>
-          <a:effectRef idx="0"/>
-          <a:fontRef idx="minor"/>
-        </p:style>
-        <p:txBody>
-          <a:bodyPr lIns="90000" rIns="90000" tIns="-23400" bIns="-23400" anchor="t">
-            <a:noAutofit/>
-          </a:bodyPr>
-          <a:p>
-            <a:endParaRPr b="0" lang="en-IN" sz="1800" strike="noStrike" u="none">
-              <a:solidFill>
-                <a:srgbClr val="000000"/>
-              </a:solidFill>
-              <a:uFillTx/>
-              <a:latin typeface="Arial"/>
-            </a:endParaRPr>
-          </a:p>
-        </p:txBody>
-      </p:sp>
-      <p:sp>
-        <p:nvSpPr>
-          <p:cNvPr id="86" name="Shape 11"/>
-          <p:cNvSpPr/>
-          <p:nvPr/>
-        </p:nvSpPr>
-        <p:spPr>
-          <a:xfrm>
-            <a:off x="6365160" y="5883840"/>
-            <a:ext cx="510120" cy="510120"/>
-          </a:xfrm>
-          <a:prstGeom prst="roundRect">
-            <a:avLst>
-              <a:gd name="adj" fmla="val 18669"/>
-            </a:avLst>
-          </a:prstGeom>
-          <a:solidFill>
-            <a:srgbClr val="ffd8cc"/>
-          </a:solidFill>
-          <a:ln w="7620">
-            <a:solidFill>
-              <a:srgbClr val="e5beb2"/>
-            </a:solidFill>
-            <a:round/>
-          </a:ln>
-        </p:spPr>
-        <p:style>
-          <a:lnRef idx="0"/>
-          <a:fillRef idx="0"/>
-          <a:effectRef idx="0"/>
-          <a:fontRef idx="minor"/>
-        </p:style>
-        <p:txBody>
-          <a:bodyPr lIns="90000" rIns="90000" tIns="45000" bIns="45000" anchor="t">
-            <a:noAutofit/>
-          </a:bodyPr>
-          <a:p>
-            <a:endParaRPr b="0" lang="en-IN" sz="1800" strike="noStrike" u="none">
-              <a:solidFill>
-                <a:srgbClr val="000000"/>
-              </a:solidFill>
-              <a:uFillTx/>
-              <a:latin typeface="Arial"/>
-            </a:endParaRPr>
-          </a:p>
-        </p:txBody>
-      </p:sp>
-      <p:sp>
-        <p:nvSpPr>
-          <p:cNvPr id="87" name="Text 12"/>
-          <p:cNvSpPr/>
-          <p:nvPr/>
-        </p:nvSpPr>
-        <p:spPr>
-          <a:xfrm>
-            <a:off x="6523920" y="5968800"/>
-            <a:ext cx="192240" cy="339840"/>
-          </a:xfrm>
-          <a:prstGeom prst="rect">
-            <a:avLst/>
-          </a:prstGeom>
-          <a:noFill/>
-          <a:ln w="0">
-            <a:noFill/>
-          </a:ln>
-        </p:spPr>
-        <p:style>
-          <a:lnRef idx="0"/>
-          <a:fillRef idx="0"/>
-          <a:effectRef idx="0"/>
-          <a:fontRef idx="minor"/>
-        </p:style>
-        <p:txBody>
-          <a:bodyPr wrap="none" lIns="0" rIns="0" tIns="0" bIns="0" anchor="t">
-            <a:noAutofit/>
-          </a:bodyPr>
-          <a:p>
-            <a:pPr algn="ctr" defTabSz="914400">
-              <a:lnSpc>
-                <a:spcPts val="2650"/>
-              </a:lnSpc>
-              <a:tabLst>
-                <a:tab algn="l" pos="0"/>
-              </a:tabLst>
-            </a:pPr>
-            <a:r>
-              <a:rPr b="1" lang="en-US" sz="2650" strike="noStrike" u="none">
-                <a:solidFill>
-                  <a:srgbClr val="403c4e"/>
-                </a:solidFill>
-                <a:uFillTx/>
-                <a:latin typeface="Merriweather Bold"/>
-                <a:ea typeface="Merriweather Bold"/>
-              </a:rPr>
-              <a:t>3</a:t>
-            </a:r>
-            <a:endParaRPr b="0" lang="en-IN" sz="2650" strike="noStrike" u="none">
-              <a:solidFill>
-                <a:srgbClr val="000000"/>
-              </a:solidFill>
-              <a:uFillTx/>
-              <a:latin typeface="Arial"/>
-            </a:endParaRPr>
-          </a:p>
-        </p:txBody>
-      </p:sp>
-      <p:sp>
-        <p:nvSpPr>
-          <p:cNvPr id="88" name="Text 13"/>
-          <p:cNvSpPr/>
-          <p:nvPr/>
-        </p:nvSpPr>
-        <p:spPr>
-          <a:xfrm>
-            <a:off x="7867800" y="5855400"/>
-            <a:ext cx="5968440" cy="362520"/>
-          </a:xfrm>
-          <a:prstGeom prst="rect">
-            <a:avLst/>
-          </a:prstGeom>
-          <a:noFill/>
-          <a:ln w="0">
-            <a:noFill/>
-          </a:ln>
-        </p:spPr>
-        <p:style>
-          <a:lnRef idx="0"/>
-          <a:fillRef idx="0"/>
-          <a:effectRef idx="0"/>
-          <a:fontRef idx="minor"/>
-        </p:style>
-        <p:txBody>
-          <a:bodyPr wrap="none" lIns="0" rIns="0" tIns="0" bIns="0" anchor="t">
-            <a:noAutofit/>
-          </a:bodyPr>
-          <a:p>
-            <a:pPr defTabSz="914400">
-              <a:lnSpc>
-                <a:spcPts val="2849"/>
-              </a:lnSpc>
-              <a:tabLst>
-                <a:tab algn="l" pos="0"/>
-              </a:tabLst>
-            </a:pPr>
-            <a:r>
-              <a:rPr b="0" lang="en-US" sz="1750" strike="noStrike" u="none">
-                <a:solidFill>
-                  <a:srgbClr val="403c4e"/>
-                </a:solidFill>
-                <a:uFillTx/>
-                <a:latin typeface="Open Sans"/>
-                <a:ea typeface="Open Sans"/>
-              </a:rPr>
-              <a:t>Convert the image to a suitable format for transmission.</a:t>
-            </a:r>
-            <a:endParaRPr b="0" lang="en-IN" sz="1750" strike="noStrike" u="none">
-              <a:solidFill>
-                <a:srgbClr val="000000"/>
-              </a:solidFill>
-              <a:uFillTx/>
-              <a:latin typeface="Arial"/>
-            </a:endParaRPr>
-          </a:p>
-        </p:txBody>
-      </p:sp>
-      <p:sp>
-        <p:nvSpPr>
-          <p:cNvPr id="89" name="Rectangle 16"/>
-          <p:cNvSpPr/>
-          <p:nvPr/>
-        </p:nvSpPr>
-        <p:spPr>
-          <a:xfrm>
-            <a:off x="12745800" y="7716600"/>
-            <a:ext cx="1806120" cy="512640"/>
+            <a:off x="12790440" y="7705440"/>
+            <a:ext cx="1760400" cy="522720"/>
           </a:xfrm>
           <a:prstGeom prst="rect">
             <a:avLst/>
@@ -7447,7 +7339,7 @@
       </p:grpSpPr>
       <p:pic>
         <p:nvPicPr>
-          <p:cNvPr id="90" name="Image 0" descr="preencoded.png"/>
+          <p:cNvPr id="80" name="Image 0" descr="preencoded.png"/>
           <p:cNvPicPr/>
           <p:nvPr/>
         </p:nvPicPr>
@@ -7457,8 +7349,8 @@
         </p:blipFill>
         <p:spPr>
           <a:xfrm>
-            <a:off x="9144000" y="0"/>
-            <a:ext cx="5486040" cy="8229240"/>
+            <a:off x="0" y="0"/>
+            <a:ext cx="5484960" cy="8228160"/>
           </a:xfrm>
           <a:prstGeom prst="rect">
             <a:avLst/>
@@ -7471,14 +7363,890 @@
       </p:pic>
       <p:sp>
         <p:nvSpPr>
-          <p:cNvPr id="91" name="Text 0"/>
+          <p:cNvPr id="81" name="Text 0"/>
           <p:cNvSpPr/>
           <p:nvPr/>
         </p:nvSpPr>
         <p:spPr>
           <a:xfrm>
+            <a:off x="6120000" y="203040"/>
+            <a:ext cx="7554960" cy="1416240"/>
+          </a:xfrm>
+          <a:prstGeom prst="rect">
+            <a:avLst/>
+          </a:prstGeom>
+          <a:noFill/>
+          <a:ln w="0">
+            <a:noFill/>
+          </a:ln>
+        </p:spPr>
+        <p:style>
+          <a:lnRef idx="0"/>
+          <a:fillRef idx="0"/>
+          <a:effectRef idx="0"/>
+          <a:fontRef idx="minor"/>
+        </p:style>
+        <p:txBody>
+          <a:bodyPr lIns="0" rIns="0" tIns="0" bIns="0" anchor="t">
+            <a:noAutofit/>
+          </a:bodyPr>
+          <a:p>
+            <a:pPr defTabSz="914400">
+              <a:lnSpc>
+                <a:spcPts val="5550"/>
+              </a:lnSpc>
+              <a:tabLst>
+                <a:tab algn="l" pos="0"/>
+              </a:tabLst>
+            </a:pPr>
+            <a:r>
+              <a:rPr b="1" lang="en-US" sz="4450" strike="noStrike" u="none">
+                <a:solidFill>
+                  <a:srgbClr val="403c4e"/>
+                </a:solidFill>
+                <a:uFillTx/>
+                <a:latin typeface="Merriweather Bold"/>
+                <a:ea typeface="Merriweather Bold"/>
+              </a:rPr>
+              <a:t>Programming the ESP32-CAM for Image Capture</a:t>
+            </a:r>
+            <a:endParaRPr b="0" lang="en-IN" sz="4450" strike="noStrike" u="none">
+              <a:solidFill>
+                <a:srgbClr val="000000"/>
+              </a:solidFill>
+              <a:uFillTx/>
+              <a:latin typeface="Arial"/>
+            </a:endParaRPr>
+          </a:p>
+        </p:txBody>
+      </p:sp>
+      <p:sp>
+        <p:nvSpPr>
+          <p:cNvPr id="82" name="Shape 1"/>
+          <p:cNvSpPr/>
+          <p:nvPr/>
+        </p:nvSpPr>
+        <p:spPr>
+          <a:xfrm>
+            <a:off x="6605280" y="3542040"/>
+            <a:ext cx="29160" cy="2901960"/>
+          </a:xfrm>
+          <a:prstGeom prst="roundRect">
+            <a:avLst>
+              <a:gd name="adj" fmla="val 312558"/>
+            </a:avLst>
+          </a:prstGeom>
+          <a:solidFill>
+            <a:srgbClr val="e5beb2"/>
+          </a:solidFill>
+          <a:ln w="0">
+            <a:noFill/>
+          </a:ln>
+        </p:spPr>
+        <p:style>
+          <a:lnRef idx="0"/>
+          <a:fillRef idx="0"/>
+          <a:effectRef idx="0"/>
+          <a:fontRef idx="minor"/>
+        </p:style>
+        <p:txBody>
+          <a:bodyPr lIns="90000" rIns="90000" tIns="45000" bIns="45000" anchor="t">
+            <a:noAutofit/>
+          </a:bodyPr>
+          <a:p>
+            <a:pPr>
+              <a:lnSpc>
+                <a:spcPct val="100000"/>
+              </a:lnSpc>
+            </a:pPr>
+            <a:endParaRPr b="0" lang="en-IN" sz="1800" strike="noStrike" u="none">
+              <a:solidFill>
+                <a:srgbClr val="000000"/>
+              </a:solidFill>
+              <a:uFillTx/>
+              <a:latin typeface="Arial"/>
+            </a:endParaRPr>
+          </a:p>
+        </p:txBody>
+      </p:sp>
+      <p:sp>
+        <p:nvSpPr>
+          <p:cNvPr id="83" name="Shape 2"/>
+          <p:cNvSpPr/>
+          <p:nvPr/>
+        </p:nvSpPr>
+        <p:spPr>
+          <a:xfrm>
+            <a:off x="6845040" y="4037040"/>
+            <a:ext cx="792360" cy="29160"/>
+          </a:xfrm>
+          <a:prstGeom prst="roundRect">
+            <a:avLst>
+              <a:gd name="adj" fmla="val 312558"/>
+            </a:avLst>
+          </a:prstGeom>
+          <a:solidFill>
+            <a:srgbClr val="e5beb2"/>
+          </a:solidFill>
+          <a:ln w="0">
+            <a:noFill/>
+          </a:ln>
+        </p:spPr>
+        <p:style>
+          <a:lnRef idx="0"/>
+          <a:fillRef idx="0"/>
+          <a:effectRef idx="0"/>
+          <a:fontRef idx="minor"/>
+        </p:style>
+        <p:txBody>
+          <a:bodyPr lIns="90000" rIns="90000" tIns="-23400" bIns="-23400" anchor="t">
+            <a:noAutofit/>
+          </a:bodyPr>
+          <a:p>
+            <a:pPr>
+              <a:lnSpc>
+                <a:spcPct val="100000"/>
+              </a:lnSpc>
+            </a:pPr>
+            <a:endParaRPr b="0" lang="en-IN" sz="1800" strike="noStrike" u="none">
+              <a:solidFill>
+                <a:srgbClr val="000000"/>
+              </a:solidFill>
+              <a:uFillTx/>
+              <a:latin typeface="Arial"/>
+            </a:endParaRPr>
+          </a:p>
+        </p:txBody>
+      </p:sp>
+      <p:sp>
+        <p:nvSpPr>
+          <p:cNvPr id="84" name="Shape 3"/>
+          <p:cNvSpPr/>
+          <p:nvPr/>
+        </p:nvSpPr>
+        <p:spPr>
+          <a:xfrm>
+            <a:off x="6365160" y="3797280"/>
+            <a:ext cx="509040" cy="509040"/>
+          </a:xfrm>
+          <a:prstGeom prst="roundRect">
+            <a:avLst>
+              <a:gd name="adj" fmla="val 18669"/>
+            </a:avLst>
+          </a:prstGeom>
+          <a:solidFill>
+            <a:srgbClr val="ffd8cc"/>
+          </a:solidFill>
+          <a:ln w="7620">
+            <a:solidFill>
+              <a:srgbClr val="e5beb2"/>
+            </a:solidFill>
+            <a:round/>
+          </a:ln>
+        </p:spPr>
+        <p:style>
+          <a:lnRef idx="0"/>
+          <a:fillRef idx="0"/>
+          <a:effectRef idx="0"/>
+          <a:fontRef idx="minor"/>
+        </p:style>
+        <p:txBody>
+          <a:bodyPr lIns="90000" rIns="90000" tIns="45000" bIns="45000" anchor="t">
+            <a:noAutofit/>
+          </a:bodyPr>
+          <a:p>
+            <a:pPr>
+              <a:lnSpc>
+                <a:spcPct val="100000"/>
+              </a:lnSpc>
+            </a:pPr>
+            <a:endParaRPr b="0" lang="en-IN" sz="1800" strike="noStrike" u="none">
+              <a:solidFill>
+                <a:srgbClr val="000000"/>
+              </a:solidFill>
+              <a:uFillTx/>
+              <a:latin typeface="Arial"/>
+            </a:endParaRPr>
+          </a:p>
+        </p:txBody>
+      </p:sp>
+      <p:sp>
+        <p:nvSpPr>
+          <p:cNvPr id="85" name="Text 4"/>
+          <p:cNvSpPr/>
+          <p:nvPr/>
+        </p:nvSpPr>
+        <p:spPr>
+          <a:xfrm>
+            <a:off x="6542280" y="3882240"/>
+            <a:ext cx="154440" cy="338760"/>
+          </a:xfrm>
+          <a:prstGeom prst="rect">
+            <a:avLst/>
+          </a:prstGeom>
+          <a:noFill/>
+          <a:ln w="0">
+            <a:noFill/>
+          </a:ln>
+        </p:spPr>
+        <p:style>
+          <a:lnRef idx="0"/>
+          <a:fillRef idx="0"/>
+          <a:effectRef idx="0"/>
+          <a:fontRef idx="minor"/>
+        </p:style>
+        <p:txBody>
+          <a:bodyPr wrap="none" lIns="0" rIns="0" tIns="0" bIns="0" anchor="t">
+            <a:noAutofit/>
+          </a:bodyPr>
+          <a:p>
+            <a:pPr algn="ctr" defTabSz="914400">
+              <a:lnSpc>
+                <a:spcPts val="2650"/>
+              </a:lnSpc>
+              <a:tabLst>
+                <a:tab algn="l" pos="0"/>
+              </a:tabLst>
+            </a:pPr>
+            <a:r>
+              <a:rPr b="1" lang="en-US" sz="2650" strike="noStrike" u="none">
+                <a:solidFill>
+                  <a:srgbClr val="403c4e"/>
+                </a:solidFill>
+                <a:uFillTx/>
+                <a:latin typeface="Merriweather Bold"/>
+                <a:ea typeface="Merriweather Bold"/>
+              </a:rPr>
+              <a:t>1</a:t>
+            </a:r>
+            <a:endParaRPr b="0" lang="en-IN" sz="2650" strike="noStrike" u="none">
+              <a:solidFill>
+                <a:srgbClr val="000000"/>
+              </a:solidFill>
+              <a:uFillTx/>
+              <a:latin typeface="Arial"/>
+            </a:endParaRPr>
+          </a:p>
+        </p:txBody>
+      </p:sp>
+      <p:sp>
+        <p:nvSpPr>
+          <p:cNvPr id="86" name="Text 5"/>
+          <p:cNvSpPr/>
+          <p:nvPr/>
+        </p:nvSpPr>
+        <p:spPr>
+          <a:xfrm>
+            <a:off x="7867800" y="3768840"/>
+            <a:ext cx="5967360" cy="361440"/>
+          </a:xfrm>
+          <a:prstGeom prst="rect">
+            <a:avLst/>
+          </a:prstGeom>
+          <a:noFill/>
+          <a:ln w="0">
+            <a:noFill/>
+          </a:ln>
+        </p:spPr>
+        <p:style>
+          <a:lnRef idx="0"/>
+          <a:fillRef idx="0"/>
+          <a:effectRef idx="0"/>
+          <a:fontRef idx="minor"/>
+        </p:style>
+        <p:txBody>
+          <a:bodyPr wrap="none" lIns="0" rIns="0" tIns="0" bIns="0" anchor="t">
+            <a:noAutofit/>
+          </a:bodyPr>
+          <a:p>
+            <a:pPr defTabSz="914400">
+              <a:lnSpc>
+                <a:spcPts val="2849"/>
+              </a:lnSpc>
+              <a:tabLst>
+                <a:tab algn="l" pos="0"/>
+              </a:tabLst>
+            </a:pPr>
+            <a:r>
+              <a:rPr b="0" lang="en-US" sz="1750" strike="noStrike" u="none">
+                <a:solidFill>
+                  <a:srgbClr val="403c4e"/>
+                </a:solidFill>
+                <a:uFillTx/>
+                <a:latin typeface="Open Sans"/>
+                <a:ea typeface="Open Sans"/>
+              </a:rPr>
+              <a:t>Initialize the camera sensor.</a:t>
+            </a:r>
+            <a:endParaRPr b="0" lang="en-IN" sz="1750" strike="noStrike" u="none">
+              <a:solidFill>
+                <a:srgbClr val="000000"/>
+              </a:solidFill>
+              <a:uFillTx/>
+              <a:latin typeface="Arial"/>
+            </a:endParaRPr>
+          </a:p>
+        </p:txBody>
+      </p:sp>
+      <p:sp>
+        <p:nvSpPr>
+          <p:cNvPr id="87" name="Shape 6"/>
+          <p:cNvSpPr/>
+          <p:nvPr/>
+        </p:nvSpPr>
+        <p:spPr>
+          <a:xfrm>
+            <a:off x="6845040" y="5080320"/>
+            <a:ext cx="792360" cy="29160"/>
+          </a:xfrm>
+          <a:prstGeom prst="roundRect">
+            <a:avLst>
+              <a:gd name="adj" fmla="val 312558"/>
+            </a:avLst>
+          </a:prstGeom>
+          <a:solidFill>
+            <a:srgbClr val="e5beb2"/>
+          </a:solidFill>
+          <a:ln w="0">
+            <a:noFill/>
+          </a:ln>
+        </p:spPr>
+        <p:style>
+          <a:lnRef idx="0"/>
+          <a:fillRef idx="0"/>
+          <a:effectRef idx="0"/>
+          <a:fontRef idx="minor"/>
+        </p:style>
+        <p:txBody>
+          <a:bodyPr lIns="90000" rIns="90000" tIns="-23400" bIns="-23400" anchor="t">
+            <a:noAutofit/>
+          </a:bodyPr>
+          <a:p>
+            <a:pPr>
+              <a:lnSpc>
+                <a:spcPct val="100000"/>
+              </a:lnSpc>
+            </a:pPr>
+            <a:endParaRPr b="0" lang="en-IN" sz="1800" strike="noStrike" u="none">
+              <a:solidFill>
+                <a:srgbClr val="000000"/>
+              </a:solidFill>
+              <a:uFillTx/>
+              <a:latin typeface="Arial"/>
+            </a:endParaRPr>
+          </a:p>
+        </p:txBody>
+      </p:sp>
+      <p:sp>
+        <p:nvSpPr>
+          <p:cNvPr id="88" name="Shape 7"/>
+          <p:cNvSpPr/>
+          <p:nvPr/>
+        </p:nvSpPr>
+        <p:spPr>
+          <a:xfrm>
+            <a:off x="6365160" y="4840560"/>
+            <a:ext cx="509040" cy="509040"/>
+          </a:xfrm>
+          <a:prstGeom prst="roundRect">
+            <a:avLst>
+              <a:gd name="adj" fmla="val 18669"/>
+            </a:avLst>
+          </a:prstGeom>
+          <a:solidFill>
+            <a:srgbClr val="ffd8cc"/>
+          </a:solidFill>
+          <a:ln w="7620">
+            <a:solidFill>
+              <a:srgbClr val="e5beb2"/>
+            </a:solidFill>
+            <a:round/>
+          </a:ln>
+        </p:spPr>
+        <p:style>
+          <a:lnRef idx="0"/>
+          <a:fillRef idx="0"/>
+          <a:effectRef idx="0"/>
+          <a:fontRef idx="minor"/>
+        </p:style>
+        <p:txBody>
+          <a:bodyPr lIns="90000" rIns="90000" tIns="45000" bIns="45000" anchor="t">
+            <a:noAutofit/>
+          </a:bodyPr>
+          <a:p>
+            <a:pPr>
+              <a:lnSpc>
+                <a:spcPct val="100000"/>
+              </a:lnSpc>
+            </a:pPr>
+            <a:endParaRPr b="0" lang="en-IN" sz="1800" strike="noStrike" u="none">
+              <a:solidFill>
+                <a:srgbClr val="000000"/>
+              </a:solidFill>
+              <a:uFillTx/>
+              <a:latin typeface="Arial"/>
+            </a:endParaRPr>
+          </a:p>
+        </p:txBody>
+      </p:sp>
+      <p:sp>
+        <p:nvSpPr>
+          <p:cNvPr id="89" name="Text 8"/>
+          <p:cNvSpPr/>
+          <p:nvPr/>
+        </p:nvSpPr>
+        <p:spPr>
+          <a:xfrm>
+            <a:off x="6517440" y="4925520"/>
+            <a:ext cx="204480" cy="338760"/>
+          </a:xfrm>
+          <a:prstGeom prst="rect">
+            <a:avLst/>
+          </a:prstGeom>
+          <a:noFill/>
+          <a:ln w="0">
+            <a:noFill/>
+          </a:ln>
+        </p:spPr>
+        <p:style>
+          <a:lnRef idx="0"/>
+          <a:fillRef idx="0"/>
+          <a:effectRef idx="0"/>
+          <a:fontRef idx="minor"/>
+        </p:style>
+        <p:txBody>
+          <a:bodyPr wrap="none" lIns="0" rIns="0" tIns="0" bIns="0" anchor="t">
+            <a:noAutofit/>
+          </a:bodyPr>
+          <a:p>
+            <a:pPr algn="ctr" defTabSz="914400">
+              <a:lnSpc>
+                <a:spcPts val="2650"/>
+              </a:lnSpc>
+              <a:tabLst>
+                <a:tab algn="l" pos="0"/>
+              </a:tabLst>
+            </a:pPr>
+            <a:r>
+              <a:rPr b="1" lang="en-US" sz="2650" strike="noStrike" u="none">
+                <a:solidFill>
+                  <a:srgbClr val="403c4e"/>
+                </a:solidFill>
+                <a:uFillTx/>
+                <a:latin typeface="Merriweather Bold"/>
+                <a:ea typeface="Merriweather Bold"/>
+              </a:rPr>
+              <a:t>2</a:t>
+            </a:r>
+            <a:endParaRPr b="0" lang="en-IN" sz="2650" strike="noStrike" u="none">
+              <a:solidFill>
+                <a:srgbClr val="000000"/>
+              </a:solidFill>
+              <a:uFillTx/>
+              <a:latin typeface="Arial"/>
+            </a:endParaRPr>
+          </a:p>
+        </p:txBody>
+      </p:sp>
+      <p:sp>
+        <p:nvSpPr>
+          <p:cNvPr id="90" name="Text 9"/>
+          <p:cNvSpPr/>
+          <p:nvPr/>
+        </p:nvSpPr>
+        <p:spPr>
+          <a:xfrm>
+            <a:off x="7867800" y="4812120"/>
+            <a:ext cx="5967360" cy="361440"/>
+          </a:xfrm>
+          <a:prstGeom prst="rect">
+            <a:avLst/>
+          </a:prstGeom>
+          <a:noFill/>
+          <a:ln w="0">
+            <a:noFill/>
+          </a:ln>
+        </p:spPr>
+        <p:style>
+          <a:lnRef idx="0"/>
+          <a:fillRef idx="0"/>
+          <a:effectRef idx="0"/>
+          <a:fontRef idx="minor"/>
+        </p:style>
+        <p:txBody>
+          <a:bodyPr wrap="none" lIns="0" rIns="0" tIns="0" bIns="0" anchor="t">
+            <a:noAutofit/>
+          </a:bodyPr>
+          <a:p>
+            <a:pPr defTabSz="914400">
+              <a:lnSpc>
+                <a:spcPts val="2849"/>
+              </a:lnSpc>
+              <a:tabLst>
+                <a:tab algn="l" pos="0"/>
+              </a:tabLst>
+            </a:pPr>
+            <a:r>
+              <a:rPr b="0" lang="en-US" sz="1750" strike="noStrike" u="none">
+                <a:solidFill>
+                  <a:srgbClr val="403c4e"/>
+                </a:solidFill>
+                <a:uFillTx/>
+                <a:latin typeface="Open Sans"/>
+                <a:ea typeface="Open Sans"/>
+              </a:rPr>
+              <a:t>Capture an image using the camera driver.</a:t>
+            </a:r>
+            <a:endParaRPr b="0" lang="en-IN" sz="1750" strike="noStrike" u="none">
+              <a:solidFill>
+                <a:srgbClr val="000000"/>
+              </a:solidFill>
+              <a:uFillTx/>
+              <a:latin typeface="Arial"/>
+            </a:endParaRPr>
+          </a:p>
+        </p:txBody>
+      </p:sp>
+      <p:sp>
+        <p:nvSpPr>
+          <p:cNvPr id="91" name="Shape 10"/>
+          <p:cNvSpPr/>
+          <p:nvPr/>
+        </p:nvSpPr>
+        <p:spPr>
+          <a:xfrm>
+            <a:off x="6845040" y="6123600"/>
+            <a:ext cx="792360" cy="29160"/>
+          </a:xfrm>
+          <a:prstGeom prst="roundRect">
+            <a:avLst>
+              <a:gd name="adj" fmla="val 312558"/>
+            </a:avLst>
+          </a:prstGeom>
+          <a:solidFill>
+            <a:srgbClr val="e5beb2"/>
+          </a:solidFill>
+          <a:ln w="0">
+            <a:noFill/>
+          </a:ln>
+        </p:spPr>
+        <p:style>
+          <a:lnRef idx="0"/>
+          <a:fillRef idx="0"/>
+          <a:effectRef idx="0"/>
+          <a:fontRef idx="minor"/>
+        </p:style>
+        <p:txBody>
+          <a:bodyPr lIns="90000" rIns="90000" tIns="-23400" bIns="-23400" anchor="t">
+            <a:noAutofit/>
+          </a:bodyPr>
+          <a:p>
+            <a:pPr>
+              <a:lnSpc>
+                <a:spcPct val="100000"/>
+              </a:lnSpc>
+            </a:pPr>
+            <a:endParaRPr b="0" lang="en-IN" sz="1800" strike="noStrike" u="none">
+              <a:solidFill>
+                <a:srgbClr val="000000"/>
+              </a:solidFill>
+              <a:uFillTx/>
+              <a:latin typeface="Arial"/>
+            </a:endParaRPr>
+          </a:p>
+        </p:txBody>
+      </p:sp>
+      <p:sp>
+        <p:nvSpPr>
+          <p:cNvPr id="92" name="Shape 11"/>
+          <p:cNvSpPr/>
+          <p:nvPr/>
+        </p:nvSpPr>
+        <p:spPr>
+          <a:xfrm>
+            <a:off x="6365160" y="5883840"/>
+            <a:ext cx="509040" cy="509040"/>
+          </a:xfrm>
+          <a:prstGeom prst="roundRect">
+            <a:avLst>
+              <a:gd name="adj" fmla="val 18669"/>
+            </a:avLst>
+          </a:prstGeom>
+          <a:solidFill>
+            <a:srgbClr val="ffd8cc"/>
+          </a:solidFill>
+          <a:ln w="7620">
+            <a:solidFill>
+              <a:srgbClr val="e5beb2"/>
+            </a:solidFill>
+            <a:round/>
+          </a:ln>
+        </p:spPr>
+        <p:style>
+          <a:lnRef idx="0"/>
+          <a:fillRef idx="0"/>
+          <a:effectRef idx="0"/>
+          <a:fontRef idx="minor"/>
+        </p:style>
+        <p:txBody>
+          <a:bodyPr lIns="90000" rIns="90000" tIns="45000" bIns="45000" anchor="t">
+            <a:noAutofit/>
+          </a:bodyPr>
+          <a:p>
+            <a:pPr>
+              <a:lnSpc>
+                <a:spcPct val="100000"/>
+              </a:lnSpc>
+            </a:pPr>
+            <a:endParaRPr b="0" lang="en-IN" sz="1800" strike="noStrike" u="none">
+              <a:solidFill>
+                <a:srgbClr val="000000"/>
+              </a:solidFill>
+              <a:uFillTx/>
+              <a:latin typeface="Arial"/>
+            </a:endParaRPr>
+          </a:p>
+        </p:txBody>
+      </p:sp>
+      <p:sp>
+        <p:nvSpPr>
+          <p:cNvPr id="93" name="Text 12"/>
+          <p:cNvSpPr/>
+          <p:nvPr/>
+        </p:nvSpPr>
+        <p:spPr>
+          <a:xfrm>
+            <a:off x="6523920" y="5968800"/>
+            <a:ext cx="191160" cy="338760"/>
+          </a:xfrm>
+          <a:prstGeom prst="rect">
+            <a:avLst/>
+          </a:prstGeom>
+          <a:noFill/>
+          <a:ln w="0">
+            <a:noFill/>
+          </a:ln>
+        </p:spPr>
+        <p:style>
+          <a:lnRef idx="0"/>
+          <a:fillRef idx="0"/>
+          <a:effectRef idx="0"/>
+          <a:fontRef idx="minor"/>
+        </p:style>
+        <p:txBody>
+          <a:bodyPr wrap="none" lIns="0" rIns="0" tIns="0" bIns="0" anchor="t">
+            <a:noAutofit/>
+          </a:bodyPr>
+          <a:p>
+            <a:pPr algn="ctr" defTabSz="914400">
+              <a:lnSpc>
+                <a:spcPts val="2650"/>
+              </a:lnSpc>
+              <a:tabLst>
+                <a:tab algn="l" pos="0"/>
+              </a:tabLst>
+            </a:pPr>
+            <a:r>
+              <a:rPr b="1" lang="en-US" sz="2650" strike="noStrike" u="none">
+                <a:solidFill>
+                  <a:srgbClr val="403c4e"/>
+                </a:solidFill>
+                <a:uFillTx/>
+                <a:latin typeface="Merriweather Bold"/>
+                <a:ea typeface="Merriweather Bold"/>
+              </a:rPr>
+              <a:t>3</a:t>
+            </a:r>
+            <a:endParaRPr b="0" lang="en-IN" sz="2650" strike="noStrike" u="none">
+              <a:solidFill>
+                <a:srgbClr val="000000"/>
+              </a:solidFill>
+              <a:uFillTx/>
+              <a:latin typeface="Arial"/>
+            </a:endParaRPr>
+          </a:p>
+        </p:txBody>
+      </p:sp>
+      <p:sp>
+        <p:nvSpPr>
+          <p:cNvPr id="94" name="Text 13"/>
+          <p:cNvSpPr/>
+          <p:nvPr/>
+        </p:nvSpPr>
+        <p:spPr>
+          <a:xfrm>
+            <a:off x="7867800" y="5855400"/>
+            <a:ext cx="5967360" cy="361440"/>
+          </a:xfrm>
+          <a:prstGeom prst="rect">
+            <a:avLst/>
+          </a:prstGeom>
+          <a:noFill/>
+          <a:ln w="0">
+            <a:noFill/>
+          </a:ln>
+        </p:spPr>
+        <p:style>
+          <a:lnRef idx="0"/>
+          <a:fillRef idx="0"/>
+          <a:effectRef idx="0"/>
+          <a:fontRef idx="minor"/>
+        </p:style>
+        <p:txBody>
+          <a:bodyPr wrap="none" lIns="0" rIns="0" tIns="0" bIns="0" anchor="t">
+            <a:noAutofit/>
+          </a:bodyPr>
+          <a:p>
+            <a:pPr defTabSz="914400">
+              <a:lnSpc>
+                <a:spcPts val="2849"/>
+              </a:lnSpc>
+              <a:tabLst>
+                <a:tab algn="l" pos="0"/>
+              </a:tabLst>
+            </a:pPr>
+            <a:r>
+              <a:rPr b="0" lang="en-US" sz="1750" strike="noStrike" u="none">
+                <a:solidFill>
+                  <a:srgbClr val="403c4e"/>
+                </a:solidFill>
+                <a:uFillTx/>
+                <a:latin typeface="Open Sans"/>
+                <a:ea typeface="Open Sans"/>
+              </a:rPr>
+              <a:t>Convert the image to a suitable format for transmission.</a:t>
+            </a:r>
+            <a:endParaRPr b="0" lang="en-IN" sz="1750" strike="noStrike" u="none">
+              <a:solidFill>
+                <a:srgbClr val="000000"/>
+              </a:solidFill>
+              <a:uFillTx/>
+              <a:latin typeface="Arial"/>
+            </a:endParaRPr>
+          </a:p>
+        </p:txBody>
+      </p:sp>
+      <p:sp>
+        <p:nvSpPr>
+          <p:cNvPr id="95" name="Rectangle 16"/>
+          <p:cNvSpPr/>
+          <p:nvPr/>
+        </p:nvSpPr>
+        <p:spPr>
+          <a:xfrm>
+            <a:off x="12745800" y="7716600"/>
+            <a:ext cx="1805040" cy="511560"/>
+          </a:xfrm>
+          <a:prstGeom prst="rect">
+            <a:avLst/>
+          </a:prstGeom>
+          <a:solidFill>
+            <a:schemeClr val="bg1"/>
+          </a:solidFill>
+          <a:ln>
+            <a:solidFill>
+              <a:srgbClr val="ffffff"/>
+            </a:solidFill>
+          </a:ln>
+        </p:spPr>
+        <p:style>
+          <a:lnRef idx="2">
+            <a:schemeClr val="accent1">
+              <a:shade val="15000"/>
+            </a:schemeClr>
+          </a:lnRef>
+          <a:fillRef idx="1">
+            <a:schemeClr val="accent1"/>
+          </a:fillRef>
+          <a:effectRef idx="0">
+            <a:schemeClr val="accent1"/>
+          </a:effectRef>
+          <a:fontRef idx="minor"/>
+        </p:style>
+        <p:txBody>
+          <a:bodyPr lIns="90000" rIns="90000" tIns="45000" bIns="45000" anchor="ctr">
+            <a:noAutofit/>
+          </a:bodyPr>
+          <a:p>
+            <a:pPr algn="ctr" defTabSz="914400">
+              <a:lnSpc>
+                <a:spcPct val="100000"/>
+              </a:lnSpc>
+            </a:pPr>
+            <a:endParaRPr b="0" lang="en-IN" sz="1800" strike="noStrike" u="none">
+              <a:solidFill>
+                <a:schemeClr val="lt1"/>
+              </a:solidFill>
+              <a:uFillTx/>
+              <a:latin typeface="Calibri"/>
+            </a:endParaRPr>
+          </a:p>
+        </p:txBody>
+      </p:sp>
+    </p:spTree>
+  </p:cSld>
+  <mc:AlternateContent>
+    <mc:Choice Requires="p14">
+      <p:transition spd="slow" p14:dur="2000"/>
+    </mc:Choice>
+    <mc:Fallback>
+      <p:transition spd="slow"/>
+    </mc:Fallback>
+  </mc:AlternateContent>
+</p:sld>
+</file>
+
+<file path=ppt/slides/slide7.xml><?xml version="1.0" encoding="utf-8"?>
+<p:sld xmlns:a="http://schemas.openxmlformats.org/drawingml/2006/main" xmlns:p="http://schemas.openxmlformats.org/presentationml/2006/main" xmlns:r="http://schemas.openxmlformats.org/officeDocument/2006/relationships" xmlns:p14="http://schemas.microsoft.com/office/powerpoint/2010/main" xmlns:p15="http://schemas.microsoft.com/office/powerpoint/2012/main" xmlns:mc="http://schemas.openxmlformats.org/markup-compatibility/2006">
+  <p:cSld>
+    <p:spTree>
+      <p:nvGrpSpPr>
+        <p:cNvPr id="1" name=""/>
+        <p:cNvGrpSpPr/>
+        <p:nvPr/>
+      </p:nvGrpSpPr>
+      <p:grpSpPr>
+        <a:xfrm>
+          <a:off x="0" y="0"/>
+          <a:ext cx="0" cy="0"/>
+          <a:chOff x="0" y="0"/>
+          <a:chExt cx="0" cy="0"/>
+        </a:xfrm>
+      </p:grpSpPr>
+      <p:pic>
+        <p:nvPicPr>
+          <p:cNvPr id="96" name="Image 0" descr="preencoded.png"/>
+          <p:cNvPicPr/>
+          <p:nvPr/>
+        </p:nvPicPr>
+        <p:blipFill>
+          <a:blip r:embed="rId1"/>
+          <a:stretch/>
+        </p:blipFill>
+        <p:spPr>
+          <a:xfrm>
+            <a:off x="9144000" y="0"/>
+            <a:ext cx="5484960" cy="8228160"/>
+          </a:xfrm>
+          <a:prstGeom prst="rect">
+            <a:avLst/>
+          </a:prstGeom>
+          <a:noFill/>
+          <a:ln w="0">
+            <a:noFill/>
+          </a:ln>
+        </p:spPr>
+      </p:pic>
+      <p:sp>
+        <p:nvSpPr>
+          <p:cNvPr id="97" name="Text 0"/>
+          <p:cNvSpPr/>
+          <p:nvPr/>
+        </p:nvSpPr>
+        <p:spPr>
+          <a:xfrm>
             <a:off x="793800" y="1874880"/>
-            <a:ext cx="7556040" cy="1417320"/>
+            <a:ext cx="7554960" cy="1416240"/>
           </a:xfrm>
           <a:prstGeom prst="rect">
             <a:avLst/>
@@ -7530,7 +8298,7 @@
       </p:sp>
       <p:pic>
         <p:nvPicPr>
-          <p:cNvPr id="92" name="Image 1" descr="preencoded.png"/>
+          <p:cNvPr id="98" name="Image 1" descr="preencoded.png"/>
           <p:cNvPicPr/>
           <p:nvPr/>
         </p:nvPicPr>
@@ -7541,7 +8309,7 @@
         <p:spPr>
           <a:xfrm>
             <a:off x="793800" y="3632760"/>
-            <a:ext cx="1133640" cy="1360440"/>
+            <a:ext cx="1132560" cy="1359360"/>
           </a:xfrm>
           <a:prstGeom prst="rect">
             <a:avLst/>
@@ -7554,14 +8322,14 @@
       </p:pic>
       <p:sp>
         <p:nvSpPr>
-          <p:cNvPr id="93" name="Text 1"/>
+          <p:cNvPr id="99" name="Text 1"/>
           <p:cNvSpPr/>
           <p:nvPr/>
         </p:nvSpPr>
         <p:spPr>
           <a:xfrm>
             <a:off x="2268000" y="3859560"/>
-            <a:ext cx="6081840" cy="725400"/>
+            <a:ext cx="6080760" cy="724320"/>
           </a:xfrm>
           <a:prstGeom prst="rect">
             <a:avLst/>
@@ -7613,7 +8381,7 @@
       </p:sp>
       <p:pic>
         <p:nvPicPr>
-          <p:cNvPr id="94" name="Image 2" descr="preencoded.png"/>
+          <p:cNvPr id="100" name="Image 2" descr="preencoded.png"/>
           <p:cNvPicPr/>
           <p:nvPr/>
         </p:nvPicPr>
@@ -7624,7 +8392,7 @@
         <p:spPr>
           <a:xfrm>
             <a:off x="793800" y="4993560"/>
-            <a:ext cx="1133640" cy="1360440"/>
+            <a:ext cx="1132560" cy="1359360"/>
           </a:xfrm>
           <a:prstGeom prst="rect">
             <a:avLst/>
@@ -7637,14 +8405,14 @@
       </p:pic>
       <p:sp>
         <p:nvSpPr>
-          <p:cNvPr id="95" name="Text 2"/>
+          <p:cNvPr id="101" name="Text 2"/>
           <p:cNvSpPr/>
           <p:nvPr/>
         </p:nvSpPr>
         <p:spPr>
           <a:xfrm>
             <a:off x="2268000" y="5220360"/>
-            <a:ext cx="6081840" cy="725400"/>
+            <a:ext cx="6080760" cy="724320"/>
           </a:xfrm>
           <a:prstGeom prst="rect">
             <a:avLst/>
@@ -8396,6 +9164,178 @@
 </file>
 
 <file path=ppt/theme/theme13.xml><?xml version="1.0" encoding="utf-8"?>
+<a:theme xmlns:a="http://schemas.openxmlformats.org/drawingml/2006/main" xmlns:r="http://schemas.openxmlformats.org/officeDocument/2006/relationships" name="Office Theme">
+  <a:themeElements>
+    <a:clrScheme name="Office">
+      <a:dk1>
+        <a:srgbClr val="000000"/>
+      </a:dk1>
+      <a:lt1>
+        <a:srgbClr val="ffffff"/>
+      </a:lt1>
+      <a:dk2>
+        <a:srgbClr val="44546a"/>
+      </a:dk2>
+      <a:lt2>
+        <a:srgbClr val="e7e6e6"/>
+      </a:lt2>
+      <a:accent1>
+        <a:srgbClr val="4472c4"/>
+      </a:accent1>
+      <a:accent2>
+        <a:srgbClr val="ed7d31"/>
+      </a:accent2>
+      <a:accent3>
+        <a:srgbClr val="a5a5a5"/>
+      </a:accent3>
+      <a:accent4>
+        <a:srgbClr val="ffc000"/>
+      </a:accent4>
+      <a:accent5>
+        <a:srgbClr val="5b9bd5"/>
+      </a:accent5>
+      <a:accent6>
+        <a:srgbClr val="70ad47"/>
+      </a:accent6>
+      <a:hlink>
+        <a:srgbClr val="0563c1"/>
+      </a:hlink>
+      <a:folHlink>
+        <a:srgbClr val="954f72"/>
+      </a:folHlink>
+    </a:clrScheme>
+    <a:fontScheme name="Office">
+      <a:majorFont>
+        <a:latin typeface="Calibri Light" panose="020F0302020204030204" pitchFamily="0" charset="1"/>
+        <a:ea typeface=""/>
+        <a:cs typeface=""/>
+      </a:majorFont>
+      <a:minorFont>
+        <a:latin typeface="Calibri" panose="020F0502020204030204" pitchFamily="0" charset="1"/>
+        <a:ea typeface=""/>
+        <a:cs typeface=""/>
+      </a:minorFont>
+    </a:fontScheme>
+    <a:fmtScheme>
+      <a:fillStyleLst>
+        <a:solidFill>
+          <a:schemeClr val="phClr"/>
+        </a:solidFill>
+        <a:gradFill>
+          <a:gsLst>
+            <a:gs pos="0">
+              <a:schemeClr val="phClr">
+                <a:lumMod val="110000"/>
+                <a:tint val="67000"/>
+              </a:schemeClr>
+            </a:gs>
+            <a:gs pos="50000">
+              <a:schemeClr val="phClr">
+                <a:lumMod val="105000"/>
+                <a:tint val="73000"/>
+              </a:schemeClr>
+            </a:gs>
+            <a:gs pos="100000">
+              <a:schemeClr val="phClr">
+                <a:lumMod val="105000"/>
+                <a:tint val="81000"/>
+              </a:schemeClr>
+            </a:gs>
+          </a:gsLst>
+          <a:lin ang="5400000" scaled="0"/>
+          <a:tileRect l="0" t="0" r="0" b="0"/>
+        </a:gradFill>
+        <a:gradFill>
+          <a:gsLst>
+            <a:gs pos="0">
+              <a:schemeClr val="phClr">
+                <a:lumMod val="102000"/>
+                <a:tint val="94000"/>
+              </a:schemeClr>
+            </a:gs>
+            <a:gs pos="50000">
+              <a:schemeClr val="phClr">
+                <a:lumMod val="100000"/>
+                <a:shade val="100000"/>
+              </a:schemeClr>
+            </a:gs>
+            <a:gs pos="100000">
+              <a:schemeClr val="phClr">
+                <a:lumMod val="99000"/>
+                <a:shade val="78000"/>
+              </a:schemeClr>
+            </a:gs>
+          </a:gsLst>
+          <a:lin ang="5400000" scaled="0"/>
+          <a:tileRect l="0" t="0" r="0" b="0"/>
+        </a:gradFill>
+      </a:fillStyleLst>
+      <a:lnStyleLst>
+        <a:ln w="6350" cap="flat" cmpd="sng" algn="ctr">
+          <a:prstDash val="solid"/>
+          <a:miter lim="800000"/>
+        </a:ln>
+        <a:ln w="12700" cap="flat" cmpd="sng" algn="ctr">
+          <a:prstDash val="solid"/>
+          <a:miter lim="800000"/>
+        </a:ln>
+        <a:ln w="19050" cap="flat" cmpd="sng" algn="ctr">
+          <a:prstDash val="solid"/>
+          <a:miter lim="800000"/>
+        </a:ln>
+      </a:lnStyleLst>
+      <a:effectStyleLst>
+        <a:effectStyle>
+          <a:effectLst/>
+        </a:effectStyle>
+        <a:effectStyle>
+          <a:effectLst/>
+        </a:effectStyle>
+        <a:effectStyle>
+          <a:effectLst/>
+        </a:effectStyle>
+      </a:effectStyleLst>
+      <a:bgFillStyleLst>
+        <a:solidFill>
+          <a:schemeClr val="phClr"/>
+        </a:solidFill>
+        <a:solidFill>
+          <a:schemeClr val="phClr">
+            <a:tint val="95000"/>
+          </a:schemeClr>
+        </a:solidFill>
+        <a:gradFill>
+          <a:gsLst>
+            <a:gs pos="0">
+              <a:schemeClr val="phClr">
+                <a:tint val="93000"/>
+                <a:shade val="98000"/>
+                <a:lumMod val="102000"/>
+              </a:schemeClr>
+            </a:gs>
+            <a:gs pos="50000">
+              <a:schemeClr val="phClr">
+                <a:tint val="98000"/>
+                <a:shade val="90000"/>
+                <a:lumMod val="103000"/>
+              </a:schemeClr>
+            </a:gs>
+            <a:gs pos="100000">
+              <a:schemeClr val="phClr">
+                <a:shade val="63000"/>
+              </a:schemeClr>
+            </a:gs>
+          </a:gsLst>
+          <a:lin ang="5400000" scaled="0"/>
+          <a:tileRect l="0" t="0" r="0" b="0"/>
+        </a:gradFill>
+      </a:bgFillStyleLst>
+    </a:fmtScheme>
+  </a:themeElements>
+</a:theme>
+</file>
+
+<file path=ppt/theme/theme14.xml><?xml version="1.0" encoding="utf-8"?>
 <a:theme xmlns:a="http://schemas.openxmlformats.org/drawingml/2006/main" xmlns:r="http://schemas.openxmlformats.org/officeDocument/2006/relationships" name="Office Theme">
   <a:themeElements>
     <a:clrScheme name="LibreOffice">
